--- a/doc/nanomsg.pptx
+++ b/doc/nanomsg.pptx
@@ -2832,7 +2832,6 @@
           <a:p>
             <a:r>
               <a:rPr lang="en-US" sz="3300">
-                <a:ln/>
                 <a:solidFill>
                   <a:schemeClr val="accent1"/>
                 </a:solidFill>
@@ -2847,7 +2846,6 @@
               <a:t>Network thread to gpu server</a:t>
             </a:r>
             <a:endParaRPr lang="en-US" sz="3300">
-              <a:ln/>
               <a:solidFill>
                 <a:schemeClr val="accent1"/>
               </a:solidFill>
@@ -3050,7 +3048,6 @@
           <a:p>
             <a:r>
               <a:rPr lang="en-US" sz="2100">
-                <a:ln/>
                 <a:solidFill>
                   <a:schemeClr val="accent1"/>
                 </a:solidFill>
@@ -3062,7 +3059,7 @@
                   </a:outerShdw>
                 </a:effectLst>
               </a:rPr>
-              <a:t>send “c”+</a:t>
+              <a:t>send “c”</a:t>
             </a:r>
             <a:r>
               <a:rPr lang="en-US" sz="2100">
@@ -3078,7 +3075,51 @@
                 </a:effectLst>
                 <a:sym typeface="+mn-ea"/>
               </a:rPr>
-              <a:t>sid+</a:t>
+              <a:t>+p_n</a:t>
+            </a:r>
+            <a:r>
+              <a:rPr lang="en-US" sz="2100">
+                <a:solidFill>
+                  <a:schemeClr val="accent1"/>
+                </a:solidFill>
+                <a:effectLst>
+                  <a:outerShdw blurRad="38100" dist="25400" dir="5400000" algn="ctr" rotWithShape="0">
+                    <a:srgbClr val="6E747A">
+                      <a:alpha val="43000"/>
+                    </a:srgbClr>
+                  </a:outerShdw>
+                </a:effectLst>
+              </a:rPr>
+              <a:t> , recv sid /*n states*/                                              After A</a:t>
+            </a:r>
+            <a:endParaRPr lang="en-US" sz="2100">
+              <a:solidFill>
+                <a:schemeClr val="accent1"/>
+              </a:solidFill>
+              <a:effectLst>
+                <a:outerShdw blurRad="38100" dist="25400" dir="5400000" algn="ctr" rotWithShape="0">
+                  <a:srgbClr val="6E747A">
+                    <a:alpha val="43000"/>
+                  </a:srgbClr>
+                </a:outerShdw>
+              </a:effectLst>
+            </a:endParaRPr>
+          </a:p>
+          <a:p>
+            <a:r>
+              <a:rPr lang="en-US" sz="2100">
+                <a:solidFill>
+                  <a:schemeClr val="accent1"/>
+                </a:solidFill>
+                <a:effectLst>
+                  <a:outerShdw blurRad="38100" dist="25400" dir="5400000" algn="ctr" rotWithShape="0">
+                    <a:srgbClr val="6E747A">
+                      <a:alpha val="43000"/>
+                    </a:srgbClr>
+                  </a:outerShdw>
+                </a:effectLst>
+              </a:rPr>
+              <a:t>send “p”+</a:t>
             </a:r>
             <a:r>
               <a:rPr lang="en-US" sz="2100">
@@ -3094,90 +3135,10 @@
                 </a:effectLst>
                 <a:sym typeface="+mn-ea"/>
               </a:rPr>
-              <a:t>p_n</a:t>
+              <a:t>sid+p_ga</a:t>
             </a:r>
             <a:r>
               <a:rPr lang="en-US" sz="2100">
-                <a:ln/>
-                <a:solidFill>
-                  <a:schemeClr val="accent1"/>
-                </a:solidFill>
-                <a:effectLst>
-                  <a:outerShdw blurRad="38100" dist="25400" dir="5400000" algn="ctr" rotWithShape="0">
-                    <a:srgbClr val="6E747A">
-                      <a:alpha val="43000"/>
-                    </a:srgbClr>
-                  </a:outerShdw>
-                </a:effectLst>
-              </a:rPr>
-              <a:t> , recv “ok” /*n states*/                                      After A</a:t>
-            </a:r>
-            <a:endParaRPr lang="en-US" sz="2100">
-              <a:ln/>
-              <a:solidFill>
-                <a:schemeClr val="accent1"/>
-              </a:solidFill>
-              <a:effectLst>
-                <a:outerShdw blurRad="38100" dist="25400" dir="5400000" algn="ctr" rotWithShape="0">
-                  <a:srgbClr val="6E747A">
-                    <a:alpha val="43000"/>
-                  </a:srgbClr>
-                </a:outerShdw>
-              </a:effectLst>
-            </a:endParaRPr>
-          </a:p>
-          <a:p>
-            <a:r>
-              <a:rPr lang="en-US" sz="2100">
-                <a:ln/>
-                <a:solidFill>
-                  <a:schemeClr val="accent1"/>
-                </a:solidFill>
-                <a:effectLst>
-                  <a:outerShdw blurRad="38100" dist="25400" dir="5400000" algn="ctr" rotWithShape="0">
-                    <a:srgbClr val="6E747A">
-                      <a:alpha val="43000"/>
-                    </a:srgbClr>
-                  </a:outerShdw>
-                </a:effectLst>
-              </a:rPr>
-              <a:t>send “p”+</a:t>
-            </a:r>
-            <a:r>
-              <a:rPr lang="en-US" sz="2100">
-                <a:solidFill>
-                  <a:schemeClr val="accent1"/>
-                </a:solidFill>
-                <a:effectLst>
-                  <a:outerShdw blurRad="38100" dist="25400" dir="5400000" algn="ctr" rotWithShape="0">
-                    <a:srgbClr val="6E747A">
-                      <a:alpha val="43000"/>
-                    </a:srgbClr>
-                  </a:outerShdw>
-                </a:effectLst>
-                <a:sym typeface="+mn-ea"/>
-              </a:rPr>
-              <a:t>sid+</a:t>
-            </a:r>
-            <a:r>
-              <a:rPr lang="en-US" sz="2100">
-                <a:solidFill>
-                  <a:schemeClr val="accent1"/>
-                </a:solidFill>
-                <a:effectLst>
-                  <a:outerShdw blurRad="38100" dist="25400" dir="5400000" algn="ctr" rotWithShape="0">
-                    <a:srgbClr val="6E747A">
-                      <a:alpha val="43000"/>
-                    </a:srgbClr>
-                  </a:outerShdw>
-                </a:effectLst>
-                <a:sym typeface="+mn-ea"/>
-              </a:rPr>
-              <a:t>p_ga</a:t>
-            </a:r>
-            <a:r>
-              <a:rPr lang="en-US" sz="2100">
-                <a:ln/>
                 <a:solidFill>
                   <a:schemeClr val="accent1"/>
                 </a:solidFill>
@@ -3209,7 +3170,6 @@
             </a:r>
             <a:r>
               <a:rPr lang="en-US" sz="2100">
-                <a:ln/>
                 <a:solidFill>
                   <a:schemeClr val="accent1"/>
                 </a:solidFill>
@@ -3225,7 +3185,6 @@
             </a:r>
             <a:r>
               <a:rPr lang="en-US" sz="2100">
-                <a:ln/>
                 <a:solidFill>
                   <a:schemeClr val="accent1"/>
                 </a:solidFill>
@@ -3241,7 +3200,6 @@
               <a:t>/*params set*/                               After B</a:t>
             </a:r>
             <a:endParaRPr lang="en-US" sz="2100">
-              <a:ln/>
               <a:solidFill>
                 <a:schemeClr val="accent1"/>
               </a:solidFill>
@@ -3258,7 +3216,6 @@
           <a:p>
             <a:r>
               <a:rPr lang="en-US" sz="2100">
-                <a:ln/>
                 <a:solidFill>
                   <a:schemeClr val="accent1"/>
                 </a:solidFill>
@@ -3290,7 +3247,6 @@
             </a:r>
             <a:r>
               <a:rPr lang="en-US" sz="2100">
-                <a:ln/>
                 <a:solidFill>
                   <a:schemeClr val="accent1"/>
                 </a:solidFill>
@@ -3322,7 +3278,6 @@
             </a:r>
             <a:r>
               <a:rPr lang="en-US" sz="2100">
-                <a:ln/>
                 <a:solidFill>
                   <a:schemeClr val="accent1"/>
                 </a:solidFill>
@@ -3337,7 +3292,6 @@
               <a:t>”                                                             Before C</a:t>
             </a:r>
             <a:endParaRPr lang="en-US" sz="2100">
-              <a:ln/>
               <a:solidFill>
                 <a:schemeClr val="accent1"/>
               </a:solidFill>
@@ -3352,7 +3306,6 @@
           </a:p>
           <a:p>
             <a:endParaRPr lang="en-US" sz="2100">
-              <a:ln/>
               <a:solidFill>
                 <a:schemeClr val="accent1"/>
               </a:solidFill>
@@ -3667,13 +3620,7 @@
               <a:rPr lang="en-US">
                 <a:sym typeface="+mn-ea"/>
               </a:rPr>
-              <a:t>Network</a:t>
-            </a:r>
-            <a:r>
-              <a:rPr lang="en-US">
-                <a:sym typeface="+mn-ea"/>
-              </a:rPr>
-              <a:t>client</a:t>
+              <a:t>Networkclient</a:t>
             </a:r>
             <a:endParaRPr lang="en-US"/>
           </a:p>

--- a/doc/nanomsg.pptx
+++ b/doc/nanomsg.pptx
@@ -4,6 +4,9 @@
   <p:sldMasterIdLst>
     <p:sldMasterId id="2147483648" r:id="rId1"/>
   </p:sldMasterIdLst>
+  <p:handoutMasterIdLst>
+    <p:handoutMasterId r:id="rId7"/>
+  </p:handoutMasterIdLst>
   <p:sldIdLst>
     <p:sldId id="256" r:id="rId3"/>
     <p:sldId id="257" r:id="rId4"/>
@@ -124,6 +127,164 @@
 </p:presentation>
 </file>
 
+<file path=ppt/handoutMasters/handoutMaster1.xml><?xml version="1.0" encoding="utf-8"?>
+<p:handoutMaster xmlns:a="http://schemas.openxmlformats.org/drawingml/2006/main" xmlns:r="http://schemas.openxmlformats.org/officeDocument/2006/relationships" xmlns:p="http://schemas.openxmlformats.org/presentationml/2006/main">
+  <p:cSld>
+    <p:bg>
+      <p:bgRef idx="1001">
+        <a:schemeClr val="bg1"/>
+      </p:bgRef>
+    </p:bg>
+    <p:spTree>
+      <p:nvGrpSpPr>
+        <p:cNvPr id="1" name=""/>
+        <p:cNvGrpSpPr/>
+        <p:nvPr/>
+      </p:nvGrpSpPr>
+      <p:grpSpPr>
+        <a:xfrm>
+          <a:off x="0" y="0"/>
+          <a:ext cx="0" cy="0"/>
+          <a:chOff x="0" y="0"/>
+          <a:chExt cx="0" cy="0"/>
+        </a:xfrm>
+      </p:grpSpPr>
+      <p:sp>
+        <p:nvSpPr>
+          <p:cNvPr id="2" name="页眉占位符 1"/>
+          <p:cNvSpPr>
+            <a:spLocks noGrp="1"/>
+          </p:cNvSpPr>
+          <p:nvPr>
+            <p:ph type="hdr" sz="quarter"/>
+          </p:nvPr>
+        </p:nvSpPr>
+        <p:spPr>
+          <a:xfrm>
+            <a:off x="0" y="0"/>
+            <a:ext cx="3078290" cy="513492"/>
+          </a:xfrm>
+          <a:prstGeom prst="rect">
+            <a:avLst/>
+          </a:prstGeom>
+        </p:spPr>
+        <p:txBody>
+          <a:bodyPr vert="horz" lIns="91440" tIns="45720" rIns="91440" bIns="45720" rtlCol="0"/>
+          <a:lstStyle>
+            <a:lvl1pPr algn="l">
+              <a:defRPr sz="1245"/>
+            </a:lvl1pPr>
+          </a:lstStyle>
+          <a:p>
+            <a:endParaRPr lang="zh-CN" altLang="en-US"/>
+          </a:p>
+        </p:txBody>
+      </p:sp>
+      <p:sp>
+        <p:nvSpPr>
+          <p:cNvPr id="3" name="日期占位符 2"/>
+          <p:cNvSpPr>
+            <a:spLocks noGrp="1"/>
+          </p:cNvSpPr>
+          <p:nvPr>
+            <p:ph type="dt" sz="quarter" idx="1"/>
+          </p:nvPr>
+        </p:nvSpPr>
+        <p:spPr>
+          <a:xfrm>
+            <a:off x="4023812" y="0"/>
+            <a:ext cx="3078290" cy="513492"/>
+          </a:xfrm>
+          <a:prstGeom prst="rect">
+            <a:avLst/>
+          </a:prstGeom>
+        </p:spPr>
+        <p:txBody>
+          <a:bodyPr vert="horz" lIns="91440" tIns="45720" rIns="91440" bIns="45720" rtlCol="0"/>
+          <a:lstStyle>
+            <a:lvl1pPr algn="r">
+              <a:defRPr sz="1245"/>
+            </a:lvl1pPr>
+          </a:lstStyle>
+          <a:p>
+            <a:fld id="{0F9B84EA-7D68-4D60-9CB1-D50884785D1C}" type="datetimeFigureOut">
+              <a:rPr lang="zh-CN" altLang="en-US" smtClean="0"/>
+            </a:fld>
+            <a:endParaRPr lang="zh-CN" altLang="en-US"/>
+          </a:p>
+        </p:txBody>
+      </p:sp>
+      <p:sp>
+        <p:nvSpPr>
+          <p:cNvPr id="4" name="页脚占位符 3"/>
+          <p:cNvSpPr>
+            <a:spLocks noGrp="1"/>
+          </p:cNvSpPr>
+          <p:nvPr>
+            <p:ph type="ftr" sz="quarter" idx="2"/>
+          </p:nvPr>
+        </p:nvSpPr>
+        <p:spPr>
+          <a:xfrm>
+            <a:off x="0" y="9720804"/>
+            <a:ext cx="3078290" cy="513491"/>
+          </a:xfrm>
+          <a:prstGeom prst="rect">
+            <a:avLst/>
+          </a:prstGeom>
+        </p:spPr>
+        <p:txBody>
+          <a:bodyPr vert="horz" lIns="91440" tIns="45720" rIns="91440" bIns="45720" rtlCol="0" anchor="b"/>
+          <a:lstStyle>
+            <a:lvl1pPr algn="l">
+              <a:defRPr sz="1245"/>
+            </a:lvl1pPr>
+          </a:lstStyle>
+          <a:p>
+            <a:endParaRPr lang="zh-CN" altLang="en-US"/>
+          </a:p>
+        </p:txBody>
+      </p:sp>
+      <p:sp>
+        <p:nvSpPr>
+          <p:cNvPr id="5" name="灯片编号占位符 4"/>
+          <p:cNvSpPr>
+            <a:spLocks noGrp="1"/>
+          </p:cNvSpPr>
+          <p:nvPr>
+            <p:ph type="sldNum" sz="quarter" idx="3"/>
+          </p:nvPr>
+        </p:nvSpPr>
+        <p:spPr>
+          <a:xfrm>
+            <a:off x="4023812" y="9720804"/>
+            <a:ext cx="3078290" cy="513491"/>
+          </a:xfrm>
+          <a:prstGeom prst="rect">
+            <a:avLst/>
+          </a:prstGeom>
+        </p:spPr>
+        <p:txBody>
+          <a:bodyPr vert="horz" lIns="91440" tIns="45720" rIns="91440" bIns="45720" rtlCol="0" anchor="b"/>
+          <a:lstStyle>
+            <a:lvl1pPr algn="r">
+              <a:defRPr sz="1245"/>
+            </a:lvl1pPr>
+          </a:lstStyle>
+          <a:p>
+            <a:fld id="{8D4E0FC9-F1F8-4FAE-9988-3BA365CFD46F}" type="slidenum">
+              <a:rPr lang="zh-CN" altLang="en-US" smtClean="0"/>
+            </a:fld>
+            <a:endParaRPr lang="zh-CN" altLang="en-US"/>
+          </a:p>
+        </p:txBody>
+      </p:sp>
+    </p:spTree>
+  </p:cSld>
+  <p:clrMap bg1="lt1" tx1="dk1" bg2="lt2" tx2="dk2" accent1="accent1" accent2="accent2" accent3="accent3" accent4="accent4" accent5="accent5" accent6="accent6" hlink="hlink" folHlink="folHlink"/>
+</p:handoutMaster>
+</file>
+
 <file path=ppt/slideLayouts/slideLayout1.xml><?xml version="1.0" encoding="utf-8"?>
 <p:sldLayout xmlns:a="http://schemas.openxmlformats.org/drawingml/2006/main" xmlns:r="http://schemas.openxmlformats.org/officeDocument/2006/relationships" xmlns:p="http://schemas.openxmlformats.org/presentationml/2006/main" type="title" preserve="1">
   <p:cSld name="Title Slide">
@@ -2379,7 +2540,7 @@
         <a:spcBef>
           <a:spcPts val="1000"/>
         </a:spcBef>
-        <a:buFont typeface="Arial" panose="020B0604020202020204" pitchFamily="34" charset="0"/>
+        <a:buFont typeface="Arial" panose="02080604020202020204" pitchFamily="34" charset="0"/>
         <a:buChar char="•"/>
         <a:defRPr sz="2800" kern="1200">
           <a:solidFill>
@@ -2397,7 +2558,7 @@
         <a:spcBef>
           <a:spcPts val="500"/>
         </a:spcBef>
-        <a:buFont typeface="Arial" panose="020B0604020202020204" pitchFamily="34" charset="0"/>
+        <a:buFont typeface="Arial" panose="02080604020202020204" pitchFamily="34" charset="0"/>
         <a:buChar char="•"/>
         <a:defRPr sz="2400" kern="1200">
           <a:solidFill>
@@ -2415,7 +2576,7 @@
         <a:spcBef>
           <a:spcPts val="500"/>
         </a:spcBef>
-        <a:buFont typeface="Arial" panose="020B0604020202020204" pitchFamily="34" charset="0"/>
+        <a:buFont typeface="Arial" panose="02080604020202020204" pitchFamily="34" charset="0"/>
         <a:buChar char="•"/>
         <a:defRPr sz="2000" kern="1200">
           <a:solidFill>
@@ -2433,7 +2594,7 @@
         <a:spcBef>
           <a:spcPts val="500"/>
         </a:spcBef>
-        <a:buFont typeface="Arial" panose="020B0604020202020204" pitchFamily="34" charset="0"/>
+        <a:buFont typeface="Arial" panose="02080604020202020204" pitchFamily="34" charset="0"/>
         <a:buChar char="•"/>
         <a:defRPr sz="1800" kern="1200">
           <a:solidFill>
@@ -2451,7 +2612,7 @@
         <a:spcBef>
           <a:spcPts val="500"/>
         </a:spcBef>
-        <a:buFont typeface="Arial" panose="020B0604020202020204" pitchFamily="34" charset="0"/>
+        <a:buFont typeface="Arial" panose="02080604020202020204" pitchFamily="34" charset="0"/>
         <a:buChar char="•"/>
         <a:defRPr sz="1800" kern="1200">
           <a:solidFill>
@@ -2469,7 +2630,7 @@
         <a:spcBef>
           <a:spcPts val="500"/>
         </a:spcBef>
-        <a:buFont typeface="Arial" panose="020B0604020202020204" pitchFamily="34" charset="0"/>
+        <a:buFont typeface="Arial" panose="02080604020202020204" pitchFamily="34" charset="0"/>
         <a:buChar char="•"/>
         <a:defRPr sz="1800" kern="1200">
           <a:solidFill>
@@ -2487,7 +2648,7 @@
         <a:spcBef>
           <a:spcPts val="500"/>
         </a:spcBef>
-        <a:buFont typeface="Arial" panose="020B0604020202020204" pitchFamily="34" charset="0"/>
+        <a:buFont typeface="Arial" panose="02080604020202020204" pitchFamily="34" charset="0"/>
         <a:buChar char="•"/>
         <a:defRPr sz="1800" kern="1200">
           <a:solidFill>
@@ -2505,7 +2666,7 @@
         <a:spcBef>
           <a:spcPts val="500"/>
         </a:spcBef>
-        <a:buFont typeface="Arial" panose="020B0604020202020204" pitchFamily="34" charset="0"/>
+        <a:buFont typeface="Arial" panose="02080604020202020204" pitchFamily="34" charset="0"/>
         <a:buChar char="•"/>
         <a:defRPr sz="1800" kern="1200">
           <a:solidFill>
@@ -2523,7 +2684,7 @@
         <a:spcBef>
           <a:spcPts val="500"/>
         </a:spcBef>
-        <a:buFont typeface="Arial" panose="020B0604020202020204" pitchFamily="34" charset="0"/>
+        <a:buFont typeface="Arial" panose="02080604020202020204" pitchFamily="34" charset="0"/>
         <a:buChar char="•"/>
         <a:defRPr sz="1800" kern="1200">
           <a:solidFill>
@@ -2889,7 +3050,7 @@
               <a:spcBef>
                 <a:spcPts val="1000"/>
               </a:spcBef>
-              <a:buFont typeface="Arial" panose="020B0604020202020204" pitchFamily="34" charset="0"/>
+              <a:buFont typeface="Arial" panose="02080604020202020204" pitchFamily="34" charset="0"/>
               <a:buChar char="•"/>
               <a:defRPr sz="2800" kern="1200">
                 <a:solidFill>
@@ -2907,7 +3068,7 @@
               <a:spcBef>
                 <a:spcPts val="500"/>
               </a:spcBef>
-              <a:buFont typeface="Arial" panose="020B0604020202020204" pitchFamily="34" charset="0"/>
+              <a:buFont typeface="Arial" panose="02080604020202020204" pitchFamily="34" charset="0"/>
               <a:buChar char="•"/>
               <a:defRPr sz="2400" kern="1200">
                 <a:solidFill>
@@ -2925,7 +3086,7 @@
               <a:spcBef>
                 <a:spcPts val="500"/>
               </a:spcBef>
-              <a:buFont typeface="Arial" panose="020B0604020202020204" pitchFamily="34" charset="0"/>
+              <a:buFont typeface="Arial" panose="02080604020202020204" pitchFamily="34" charset="0"/>
               <a:buChar char="•"/>
               <a:defRPr sz="2000" kern="1200">
                 <a:solidFill>
@@ -2943,7 +3104,7 @@
               <a:spcBef>
                 <a:spcPts val="500"/>
               </a:spcBef>
-              <a:buFont typeface="Arial" panose="020B0604020202020204" pitchFamily="34" charset="0"/>
+              <a:buFont typeface="Arial" panose="02080604020202020204" pitchFamily="34" charset="0"/>
               <a:buChar char="•"/>
               <a:defRPr sz="1800" kern="1200">
                 <a:solidFill>
@@ -2961,7 +3122,7 @@
               <a:spcBef>
                 <a:spcPts val="500"/>
               </a:spcBef>
-              <a:buFont typeface="Arial" panose="020B0604020202020204" pitchFamily="34" charset="0"/>
+              <a:buFont typeface="Arial" panose="02080604020202020204" pitchFamily="34" charset="0"/>
               <a:buChar char="•"/>
               <a:defRPr sz="1800" kern="1200">
                 <a:solidFill>
@@ -2979,7 +3140,7 @@
               <a:spcBef>
                 <a:spcPts val="500"/>
               </a:spcBef>
-              <a:buFont typeface="Arial" panose="020B0604020202020204" pitchFamily="34" charset="0"/>
+              <a:buFont typeface="Arial" panose="02080604020202020204" pitchFamily="34" charset="0"/>
               <a:buChar char="•"/>
               <a:defRPr sz="1800" kern="1200">
                 <a:solidFill>
@@ -2997,7 +3158,7 @@
               <a:spcBef>
                 <a:spcPts val="500"/>
               </a:spcBef>
-              <a:buFont typeface="Arial" panose="020B0604020202020204" pitchFamily="34" charset="0"/>
+              <a:buFont typeface="Arial" panose="02080604020202020204" pitchFamily="34" charset="0"/>
               <a:buChar char="•"/>
               <a:defRPr sz="1800" kern="1200">
                 <a:solidFill>
@@ -3015,7 +3176,7 @@
               <a:spcBef>
                 <a:spcPts val="500"/>
               </a:spcBef>
-              <a:buFont typeface="Arial" panose="020B0604020202020204" pitchFamily="34" charset="0"/>
+              <a:buFont typeface="Arial" panose="02080604020202020204" pitchFamily="34" charset="0"/>
               <a:buChar char="•"/>
               <a:defRPr sz="1800" kern="1200">
                 <a:solidFill>
@@ -3033,7 +3194,7 @@
               <a:spcBef>
                 <a:spcPts val="500"/>
               </a:spcBef>
-              <a:buFont typeface="Arial" panose="020B0604020202020204" pitchFamily="34" charset="0"/>
+              <a:buFont typeface="Arial" panose="02080604020202020204" pitchFamily="34" charset="0"/>
               <a:buChar char="•"/>
               <a:defRPr sz="1800" kern="1200">
                 <a:solidFill>
@@ -3823,7 +3984,12 @@
             <p:ph type="title"/>
           </p:nvPr>
         </p:nvSpPr>
-        <p:spPr/>
+        <p:spPr>
+          <a:xfrm>
+            <a:off x="628650" y="365125"/>
+            <a:ext cx="3920490" cy="1325880"/>
+          </a:xfrm>
+        </p:spPr>
         <p:txBody>
           <a:bodyPr/>
           <a:p>
@@ -3851,11 +4017,301 @@
             <p:ph idx="1"/>
           </p:nvPr>
         </p:nvSpPr>
-        <p:spPr/>
+        <p:spPr>
+          <a:xfrm>
+            <a:off x="628650" y="1825625"/>
+            <a:ext cx="3883660" cy="4351655"/>
+          </a:xfrm>
+        </p:spPr>
         <p:txBody>
           <a:bodyPr/>
           <a:p>
-            <a:endParaRPr lang="en-US"/>
+            <a:r>
+              <a:rPr lang="en-US" sz="1200"/>
+              <a:t>for sidx in streamNum:</a:t>
+            </a:r>
+            <a:endParaRPr lang="en-US" sz="1200"/>
+          </a:p>
+          <a:p>
+            <a:pPr lvl="1"/>
+            <a:r>
+              <a:rPr lang="en-US" sz="1025"/>
+              <a:t>lock(m[sidx)</a:t>
+            </a:r>
+            <a:endParaRPr lang="en-US" sz="1025"/>
+          </a:p>
+          <a:p>
+            <a:pPr lvl="1"/>
+            <a:r>
+              <a:rPr lang="en-US" sz="1200">
+                <a:sym typeface="+mn-ea"/>
+              </a:rPr>
+              <a:t>if dataready[sidx]==3</a:t>
+            </a:r>
+            <a:endParaRPr lang="en-US" sz="1200">
+              <a:sym typeface="+mn-ea"/>
+            </a:endParaRPr>
+          </a:p>
+          <a:p>
+            <a:pPr lvl="2"/>
+            <a:r>
+              <a:rPr lang="en-US" sz="1000">
+                <a:sym typeface="+mn-ea"/>
+              </a:rPr>
+              <a:t>if(query_stream)</a:t>
+            </a:r>
+            <a:endParaRPr lang="en-US" sz="1000"/>
+          </a:p>
+          <a:p>
+            <a:pPr lvl="3"/>
+            <a:r>
+              <a:rPr lang="en-US" sz="1080">
+                <a:sym typeface="+mn-ea"/>
+              </a:rPr>
+              <a:t>dataready[sidx]=4</a:t>
+            </a:r>
+            <a:endParaRPr lang="en-US" sz="1080"/>
+          </a:p>
+          <a:p>
+            <a:pPr lvl="3"/>
+            <a:r>
+              <a:rPr lang="en-US" sz="1080">
+                <a:sym typeface="+mn-ea"/>
+              </a:rPr>
+              <a:t>notify_one(cv[sidx])</a:t>
+            </a:r>
+            <a:endParaRPr lang="en-US" sz="1080">
+              <a:sym typeface="+mn-ea"/>
+            </a:endParaRPr>
+          </a:p>
+          <a:p>
+            <a:pPr lvl="2"/>
+            <a:r>
+              <a:rPr lang="en-US" sz="1200">
+                <a:sym typeface="+mn-ea"/>
+              </a:rPr>
+              <a:t>else continue</a:t>
+            </a:r>
+            <a:endParaRPr lang="en-US" sz="1200">
+              <a:sym typeface="+mn-ea"/>
+            </a:endParaRPr>
+          </a:p>
+          <a:p>
+            <a:pPr lvl="1"/>
+            <a:r>
+              <a:rPr lang="en-US" sz="1440">
+                <a:sym typeface="+mn-ea"/>
+              </a:rPr>
+              <a:t>elseif dataready[sidx]==4</a:t>
+            </a:r>
+            <a:endParaRPr lang="en-US" sz="1440">
+              <a:sym typeface="+mn-ea"/>
+            </a:endParaRPr>
+          </a:p>
+          <a:p>
+            <a:pPr lvl="2"/>
+            <a:r>
+              <a:rPr lang="en-US" sz="1200">
+                <a:sym typeface="+mn-ea"/>
+              </a:rPr>
+              <a:t>continue</a:t>
+            </a:r>
+            <a:endParaRPr lang="en-US" sz="1200"/>
+          </a:p>
+          <a:p>
+            <a:pPr lvl="1"/>
+            <a:r>
+              <a:rPr lang="en-US" sz="1200"/>
+              <a:t>wait(cv[sidx],dataready[sidx]&gt;=1&amp;&amp;&lt;=2)</a:t>
+            </a:r>
+            <a:endParaRPr lang="en-US" sz="1200"/>
+          </a:p>
+          <a:p>
+            <a:pPr lvl="1"/>
+            <a:r>
+              <a:rPr lang="en-US" sz="1200"/>
+              <a:t>gpu_set_sn;</a:t>
+            </a:r>
+            <a:endParaRPr lang="en-US" sz="1200"/>
+          </a:p>
+          <a:p>
+            <a:pPr lvl="1"/>
+            <a:r>
+              <a:rPr lang="en-US" sz="1200"/>
+              <a:t>gpu_set_params;</a:t>
+            </a:r>
+            <a:endParaRPr lang="en-US" sz="1200"/>
+          </a:p>
+          <a:p>
+            <a:pPr lvl="1"/>
+            <a:r>
+              <a:rPr lang="en-US" sz="1200"/>
+              <a:t>gpu_calc;</a:t>
+            </a:r>
+            <a:endParaRPr lang="en-US" sz="1200"/>
+          </a:p>
+          <a:p>
+            <a:pPr lvl="1"/>
+            <a:r>
+              <a:rPr lang="en-US" sz="1200"/>
+              <a:t>if(query_stream)</a:t>
+            </a:r>
+            <a:endParaRPr lang="en-US" sz="1200"/>
+          </a:p>
+          <a:p>
+            <a:pPr lvl="2"/>
+            <a:r>
+              <a:rPr lang="en-US" sz="1000">
+                <a:sym typeface="+mn-ea"/>
+              </a:rPr>
+              <a:t>dataready[sidx]=4</a:t>
+            </a:r>
+            <a:endParaRPr lang="en-US" sz="1000"/>
+          </a:p>
+          <a:p>
+            <a:pPr lvl="2"/>
+            <a:r>
+              <a:rPr lang="en-US" sz="1000">
+                <a:sym typeface="+mn-ea"/>
+              </a:rPr>
+              <a:t>notify_one(cv[sidx])</a:t>
+            </a:r>
+            <a:endParaRPr lang="en-US" sz="1000"/>
+          </a:p>
+          <a:p>
+            <a:pPr lvl="1"/>
+            <a:r>
+              <a:rPr lang="en-US" sz="1200"/>
+              <a:t>else dataready[sidx]=3</a:t>
+            </a:r>
+            <a:endParaRPr lang="en-US" sz="1200"/>
+          </a:p>
+        </p:txBody>
+      </p:sp>
+      <p:sp>
+        <p:nvSpPr>
+          <p:cNvPr id="4" name="Title 1"/>
+          <p:cNvSpPr>
+            <a:spLocks noGrp="1"/>
+          </p:cNvSpPr>
+          <p:nvPr/>
+        </p:nvSpPr>
+        <p:spPr>
+          <a:xfrm>
+            <a:off x="4775200" y="365125"/>
+            <a:ext cx="3920490" cy="1325880"/>
+          </a:xfrm>
+          <a:prstGeom prst="rect">
+            <a:avLst/>
+          </a:prstGeom>
+        </p:spPr>
+        <p:txBody>
+          <a:bodyPr vert="horz" lIns="91440" tIns="45720" rIns="91440" bIns="45720" rtlCol="0" anchor="ctr">
+            <a:normAutofit/>
+          </a:bodyPr>
+          <a:lstStyle>
+            <a:lvl1pPr algn="l" defTabSz="914400" rtl="0" eaLnBrk="1" latinLnBrk="0" hangingPunct="1">
+              <a:lnSpc>
+                <a:spcPct val="90000"/>
+              </a:lnSpc>
+              <a:spcBef>
+                <a:spcPct val="0"/>
+              </a:spcBef>
+              <a:buNone/>
+              <a:defRPr sz="4400" kern="1200">
+                <a:solidFill>
+                  <a:schemeClr val="tx1"/>
+                </a:solidFill>
+                <a:latin typeface="+mj-lt"/>
+                <a:ea typeface="+mj-ea"/>
+                <a:cs typeface="+mj-cs"/>
+              </a:defRPr>
+            </a:lvl1pPr>
+          </a:lstStyle>
+          <a:p>
+            <a:r>
+              <a:rPr lang="en-US"/>
+              <a:t>Net </a:t>
+            </a:r>
+            <a:r>
+              <a:rPr lang="en-US">
+                <a:sym typeface="+mn-ea"/>
+              </a:rPr>
+              <a:t>thread</a:t>
+            </a:r>
+            <a:endParaRPr lang="en-US"/>
+          </a:p>
+        </p:txBody>
+      </p:sp>
+      <p:sp>
+        <p:nvSpPr>
+          <p:cNvPr id="5" name="文本框 4"/>
+          <p:cNvSpPr txBox="1"/>
+          <p:nvPr/>
+        </p:nvSpPr>
+        <p:spPr>
+          <a:xfrm>
+            <a:off x="465455" y="1374775"/>
+            <a:ext cx="3103880" cy="368300"/>
+          </a:xfrm>
+          <a:prstGeom prst="rect">
+            <a:avLst/>
+          </a:prstGeom>
+          <a:noFill/>
+        </p:spPr>
+        <p:txBody>
+          <a:bodyPr wrap="square" rtlCol="0">
+            <a:spAutoFit/>
+          </a:bodyPr>
+          <a:p>
+            <a:r>
+              <a:rPr lang="en-US" altLang="zh-CN"/>
+              <a:t>while 1:</a:t>
+            </a:r>
+            <a:endParaRPr lang="en-US" altLang="zh-CN"/>
+          </a:p>
+        </p:txBody>
+      </p:sp>
+      <p:sp>
+        <p:nvSpPr>
+          <p:cNvPr id="6" name="文本框 5"/>
+          <p:cNvSpPr txBox="1"/>
+          <p:nvPr/>
+        </p:nvSpPr>
+        <p:spPr>
+          <a:xfrm>
+            <a:off x="895350" y="178435"/>
+            <a:ext cx="7353300" cy="368300"/>
+          </a:xfrm>
+          <a:prstGeom prst="rect">
+            <a:avLst/>
+          </a:prstGeom>
+          <a:noFill/>
+        </p:spPr>
+        <p:txBody>
+          <a:bodyPr wrap="square" rtlCol="0">
+            <a:spAutoFit/>
+          </a:bodyPr>
+          <a:p>
+            <a:r>
+              <a:rPr lang="en-US" altLang="zh-CN"/>
+              <a:t>mutex m[</a:t>
+            </a:r>
+            <a:r>
+              <a:rPr lang="en-US">
+                <a:sym typeface="+mn-ea"/>
+              </a:rPr>
+              <a:t>streamNum]          condition_variable cv[</a:t>
+            </a:r>
+            <a:r>
+              <a:rPr lang="en-US">
+                <a:sym typeface="+mn-ea"/>
+              </a:rPr>
+              <a:t>streamNum]</a:t>
+            </a:r>
+            <a:endParaRPr lang="en-US">
+              <a:sym typeface="+mn-ea"/>
+            </a:endParaRPr>
           </a:p>
         </p:txBody>
       </p:sp>
@@ -4124,4 +4580,263 @@
     </a:ext>
   </a:extLst>
 </a:theme>
+</file>
+
+<file path=ppt/theme/theme2.xml><?xml version="1.0" encoding="utf-8"?>
+<a:theme xmlns:a="http://schemas.openxmlformats.org/drawingml/2006/main" name="Office 主题">
+  <a:themeElements>
+    <a:clrScheme name="Office">
+      <a:dk1>
+        <a:sysClr val="windowText" lastClr="000000"/>
+      </a:dk1>
+      <a:lt1>
+        <a:sysClr val="window" lastClr="FFFFFF"/>
+      </a:lt1>
+      <a:dk2>
+        <a:srgbClr val="44546A"/>
+      </a:dk2>
+      <a:lt2>
+        <a:srgbClr val="E7E6E6"/>
+      </a:lt2>
+      <a:accent1>
+        <a:srgbClr val="5B9BD5"/>
+      </a:accent1>
+      <a:accent2>
+        <a:srgbClr val="ED7D31"/>
+      </a:accent2>
+      <a:accent3>
+        <a:srgbClr val="A5A5A5"/>
+      </a:accent3>
+      <a:accent4>
+        <a:srgbClr val="FFC000"/>
+      </a:accent4>
+      <a:accent5>
+        <a:srgbClr val="4472C4"/>
+      </a:accent5>
+      <a:accent6>
+        <a:srgbClr val="70AD47"/>
+      </a:accent6>
+      <a:hlink>
+        <a:srgbClr val="0563C1"/>
+      </a:hlink>
+      <a:folHlink>
+        <a:srgbClr val="954F72"/>
+      </a:folHlink>
+    </a:clrScheme>
+    <a:fontScheme name="Office">
+      <a:majorFont>
+        <a:latin typeface="Calibri Light"/>
+        <a:ea typeface=""/>
+        <a:cs typeface=""/>
+        <a:font script="Jpan" typeface="ＭＳ Ｐゴシック"/>
+        <a:font script="Hang" typeface="맑은 고딕"/>
+        <a:font script="Hans" typeface="宋体"/>
+        <a:font script="Hant" typeface="新細明體"/>
+        <a:font script="Arab" typeface="Times New Roman"/>
+        <a:font script="Hebr" typeface="Times New Roman"/>
+        <a:font script="Thai" typeface="Angsana New"/>
+        <a:font script="Ethi" typeface="Nyala"/>
+        <a:font script="Beng" typeface="Vrinda"/>
+        <a:font script="Gujr" typeface="Shruti"/>
+        <a:font script="Khmr" typeface="MoolBoran"/>
+        <a:font script="Knda" typeface="Tunga"/>
+        <a:font script="Guru" typeface="Raavi"/>
+        <a:font script="Cans" typeface="Euphemia"/>
+        <a:font script="Cher" typeface="Plantagenet Cherokee"/>
+        <a:font script="Yiii" typeface="Microsoft Yi Baiti"/>
+        <a:font script="Tibt" typeface="Microsoft Himalaya"/>
+        <a:font script="Thaa" typeface="MV Boli"/>
+        <a:font script="Deva" typeface="Mangal"/>
+        <a:font script="Telu" typeface="Gautami"/>
+        <a:font script="Taml" typeface="Latha"/>
+        <a:font script="Syrc" typeface="Estrangelo Edessa"/>
+        <a:font script="Orya" typeface="Kalinga"/>
+        <a:font script="Mlym" typeface="Kartika"/>
+        <a:font script="Laoo" typeface="DokChampa"/>
+        <a:font script="Sinh" typeface="Iskoola Pota"/>
+        <a:font script="Mong" typeface="Mongolian Baiti"/>
+        <a:font script="Viet" typeface="Times New Roman"/>
+        <a:font script="Uigh" typeface="Microsoft Uighur"/>
+        <a:font script="Geor" typeface="Sylfaen"/>
+      </a:majorFont>
+      <a:minorFont>
+        <a:latin typeface="Calibri"/>
+        <a:ea typeface=""/>
+        <a:cs typeface=""/>
+        <a:font script="Jpan" typeface="ＭＳ Ｐゴシック"/>
+        <a:font script="Hang" typeface="맑은 고딕"/>
+        <a:font script="Hans" typeface="宋体"/>
+        <a:font script="Hant" typeface="新細明體"/>
+        <a:font script="Arab" typeface="Arial"/>
+        <a:font script="Hebr" typeface="Arial"/>
+        <a:font script="Thai" typeface="Cordia New"/>
+        <a:font script="Ethi" typeface="Nyala"/>
+        <a:font script="Beng" typeface="Vrinda"/>
+        <a:font script="Gujr" typeface="Shruti"/>
+        <a:font script="Khmr" typeface="DaunPenh"/>
+        <a:font script="Knda" typeface="Tunga"/>
+        <a:font script="Guru" typeface="Raavi"/>
+        <a:font script="Cans" typeface="Euphemia"/>
+        <a:font script="Cher" typeface="Plantagenet Cherokee"/>
+        <a:font script="Yiii" typeface="Microsoft Yi Baiti"/>
+        <a:font script="Tibt" typeface="Microsoft Himalaya"/>
+        <a:font script="Thaa" typeface="MV Boli"/>
+        <a:font script="Deva" typeface="Mangal"/>
+        <a:font script="Telu" typeface="Gautami"/>
+        <a:font script="Taml" typeface="Latha"/>
+        <a:font script="Syrc" typeface="Estrangelo Edessa"/>
+        <a:font script="Orya" typeface="Kalinga"/>
+        <a:font script="Mlym" typeface="Kartika"/>
+        <a:font script="Laoo" typeface="DokChampa"/>
+        <a:font script="Sinh" typeface="Iskoola Pota"/>
+        <a:font script="Mong" typeface="Mongolian Baiti"/>
+        <a:font script="Viet" typeface="Arial"/>
+        <a:font script="Uigh" typeface="Microsoft Uighur"/>
+        <a:font script="Geor" typeface="Sylfaen"/>
+      </a:minorFont>
+    </a:fontScheme>
+    <a:fmtScheme name="Office">
+      <a:fillStyleLst>
+        <a:solidFill>
+          <a:schemeClr val="phClr"/>
+        </a:solidFill>
+        <a:gradFill rotWithShape="1">
+          <a:gsLst>
+            <a:gs pos="0">
+              <a:schemeClr val="phClr">
+                <a:lumMod val="110000"/>
+                <a:satMod val="105000"/>
+                <a:tint val="67000"/>
+              </a:schemeClr>
+            </a:gs>
+            <a:gs pos="50000">
+              <a:schemeClr val="phClr">
+                <a:lumMod val="105000"/>
+                <a:satMod val="103000"/>
+                <a:tint val="73000"/>
+              </a:schemeClr>
+            </a:gs>
+            <a:gs pos="100000">
+              <a:schemeClr val="phClr">
+                <a:lumMod val="105000"/>
+                <a:satMod val="109000"/>
+                <a:tint val="81000"/>
+              </a:schemeClr>
+            </a:gs>
+          </a:gsLst>
+          <a:lin ang="5400000" scaled="0"/>
+        </a:gradFill>
+        <a:gradFill rotWithShape="1">
+          <a:gsLst>
+            <a:gs pos="0">
+              <a:schemeClr val="phClr">
+                <a:satMod val="103000"/>
+                <a:lumMod val="102000"/>
+                <a:tint val="94000"/>
+              </a:schemeClr>
+            </a:gs>
+            <a:gs pos="50000">
+              <a:schemeClr val="phClr">
+                <a:satMod val="110000"/>
+                <a:lumMod val="100000"/>
+                <a:shade val="100000"/>
+              </a:schemeClr>
+            </a:gs>
+            <a:gs pos="100000">
+              <a:schemeClr val="phClr">
+                <a:lumMod val="99000"/>
+                <a:satMod val="120000"/>
+                <a:shade val="78000"/>
+              </a:schemeClr>
+            </a:gs>
+          </a:gsLst>
+          <a:lin ang="5400000" scaled="0"/>
+        </a:gradFill>
+      </a:fillStyleLst>
+      <a:lnStyleLst>
+        <a:ln w="6350" cap="flat" cmpd="sng" algn="ctr">
+          <a:solidFill>
+            <a:schemeClr val="phClr"/>
+          </a:solidFill>
+          <a:prstDash val="solid"/>
+          <a:miter lim="800000"/>
+        </a:ln>
+        <a:ln w="12700" cap="flat" cmpd="sng" algn="ctr">
+          <a:solidFill>
+            <a:schemeClr val="phClr"/>
+          </a:solidFill>
+          <a:prstDash val="solid"/>
+          <a:miter lim="800000"/>
+        </a:ln>
+        <a:ln w="19050" cap="flat" cmpd="sng" algn="ctr">
+          <a:solidFill>
+            <a:schemeClr val="phClr"/>
+          </a:solidFill>
+          <a:prstDash val="solid"/>
+          <a:miter lim="800000"/>
+        </a:ln>
+      </a:lnStyleLst>
+      <a:effectStyleLst>
+        <a:effectStyle>
+          <a:effectLst/>
+        </a:effectStyle>
+        <a:effectStyle>
+          <a:effectLst/>
+        </a:effectStyle>
+        <a:effectStyle>
+          <a:effectLst>
+            <a:outerShdw blurRad="57150" dist="19050" dir="5400000" algn="ctr" rotWithShape="0">
+              <a:srgbClr val="000000">
+                <a:alpha val="63000"/>
+              </a:srgbClr>
+            </a:outerShdw>
+          </a:effectLst>
+        </a:effectStyle>
+      </a:effectStyleLst>
+      <a:bgFillStyleLst>
+        <a:solidFill>
+          <a:schemeClr val="phClr"/>
+        </a:solidFill>
+        <a:solidFill>
+          <a:schemeClr val="phClr">
+            <a:tint val="95000"/>
+            <a:satMod val="170000"/>
+          </a:schemeClr>
+        </a:solidFill>
+        <a:gradFill rotWithShape="1">
+          <a:gsLst>
+            <a:gs pos="0">
+              <a:schemeClr val="phClr">
+                <a:tint val="93000"/>
+                <a:satMod val="150000"/>
+                <a:shade val="98000"/>
+                <a:lumMod val="102000"/>
+              </a:schemeClr>
+            </a:gs>
+            <a:gs pos="50000">
+              <a:schemeClr val="phClr">
+                <a:tint val="98000"/>
+                <a:satMod val="130000"/>
+                <a:shade val="90000"/>
+                <a:lumMod val="103000"/>
+              </a:schemeClr>
+            </a:gs>
+            <a:gs pos="100000">
+              <a:schemeClr val="phClr">
+                <a:shade val="63000"/>
+                <a:satMod val="120000"/>
+              </a:schemeClr>
+            </a:gs>
+          </a:gsLst>
+          <a:lin ang="5400000" scaled="0"/>
+        </a:gradFill>
+      </a:bgFillStyleLst>
+    </a:fmtScheme>
+  </a:themeElements>
+  <a:extLst>
+    <a:ext uri="{05A4C25C-085E-4340-85A3-A5531E510DB2}">
+      <thm15:themeFamily xmlns:thm15="http://schemas.microsoft.com/office/thememl/2012/main" name="Office Theme" id="{62F939B6-93AF-4DB8-9C6B-D6C7DFDC589F}" vid="{4A3C46E8-61CC-4603-A589-7422A47A8E4A}"/>
+    </a:ext>
+  </a:extLst>
+</a:theme>
 </file>
--- a/doc/nanomsg.pptx
+++ b/doc/nanomsg.pptx
@@ -2919,7 +2919,7 @@
           <a:p>
             <a:r>
               <a:rPr lang="en-US"/>
-              <a:t>send “c”+p_cap , recv p_n /*n states*/                                                              A</a:t>
+              <a:t>send “c”+p_cap , recv p_n /*n states*/                                     A</a:t>
             </a:r>
             <a:endParaRPr lang="en-US"/>
           </a:p>
@@ -2932,7 +2932,7 @@
               <a:rPr lang="en-US">
                 <a:sym typeface="+mn-ea"/>
               </a:rPr>
-              <a:t>/*params set*/                                               B</a:t>
+              <a:t>/*params set*/                       B</a:t>
             </a:r>
             <a:endParaRPr lang="en-US">
               <a:sym typeface="+mn-ea"/>
@@ -2941,7 +2941,7 @@
           <a:p>
             <a:r>
               <a:rPr lang="en-US"/>
-              <a:t>send “r”+res, recv “ok”                                                                                      C</a:t>
+              <a:t>send “r”+res, recv “ok”                                                            C</a:t>
             </a:r>
             <a:endParaRPr lang="en-US"/>
           </a:p>
@@ -3251,7 +3251,7 @@
                   </a:outerShdw>
                 </a:effectLst>
               </a:rPr>
-              <a:t> , recv sid /*n states*/                                              After A</a:t>
+              <a:t> , recv sid /*n states*/                           After A</a:t>
             </a:r>
             <a:endParaRPr lang="en-US" sz="2100">
               <a:solidFill>
@@ -3358,7 +3358,7 @@
                 </a:effectLst>
                 <a:sym typeface="+mn-ea"/>
               </a:rPr>
-              <a:t>/*params set*/                               After B</a:t>
+              <a:t>/*params set*/          After B</a:t>
             </a:r>
             <a:endParaRPr lang="en-US" sz="2100">
               <a:solidFill>
@@ -3450,7 +3450,7 @@
                   </a:outerShdw>
                 </a:effectLst>
               </a:rPr>
-              <a:t>”                                                             Before C</a:t>
+              <a:t>”                                        Before C</a:t>
             </a:r>
             <a:endParaRPr lang="en-US" sz="2100">
               <a:solidFill>
@@ -4019,12 +4019,14 @@
         </p:nvSpPr>
         <p:spPr>
           <a:xfrm>
-            <a:off x="628650" y="1825625"/>
-            <a:ext cx="3883660" cy="4351655"/>
+            <a:off x="129540" y="1825625"/>
+            <a:ext cx="4068445" cy="4985385"/>
           </a:xfrm>
         </p:spPr>
         <p:txBody>
-          <a:bodyPr/>
+          <a:bodyPr>
+            <a:normAutofit lnSpcReduction="10000"/>
+          </a:bodyPr>
           <a:p>
             <a:r>
               <a:rPr lang="en-US" sz="1200"/>
@@ -4085,6 +4087,18 @@
             </a:endParaRPr>
           </a:p>
           <a:p>
+            <a:pPr lvl="3"/>
+            <a:r>
+              <a:rPr lang="en-US" sz="1080">
+                <a:sym typeface="+mn-ea"/>
+              </a:rPr>
+              <a:t>continue</a:t>
+            </a:r>
+            <a:endParaRPr lang="en-US" sz="1080">
+              <a:sym typeface="+mn-ea"/>
+            </a:endParaRPr>
+          </a:p>
+          <a:p>
             <a:pPr lvl="2"/>
             <a:r>
               <a:rPr lang="en-US" sz="1200">
@@ -4121,6 +4135,16 @@
           <a:p>
             <a:pPr lvl="1"/>
             <a:r>
+              <a:rPr lang="en-US" sz="1200">
+                <a:sym typeface="+mn-ea"/>
+              </a:rPr>
+              <a:t>unlock(m[sidx)</a:t>
+            </a:r>
+            <a:endParaRPr lang="en-US" sz="1200"/>
+          </a:p>
+          <a:p>
+            <a:pPr lvl="1"/>
+            <a:r>
               <a:rPr lang="en-US" sz="1200"/>
               <a:t>wait(cv[sidx],dataready[sidx]&gt;=1&amp;&amp;&lt;=2)</a:t>
             </a:r>
@@ -4183,6 +4207,16 @@
             <a:r>
               <a:rPr lang="en-US" sz="1200"/>
               <a:t>else dataready[sidx]=3</a:t>
+            </a:r>
+            <a:endParaRPr lang="en-US" sz="1200"/>
+          </a:p>
+          <a:p>
+            <a:pPr lvl="1"/>
+            <a:r>
+              <a:rPr lang="en-US" sz="1200">
+                <a:sym typeface="+mn-ea"/>
+              </a:rPr>
+              <a:t>unlock(m[sidx)</a:t>
             </a:r>
             <a:endParaRPr lang="en-US" sz="1200"/>
           </a:p>
@@ -4251,7 +4285,7 @@
         </p:nvSpPr>
         <p:spPr>
           <a:xfrm>
-            <a:off x="465455" y="1374775"/>
+            <a:off x="34925" y="1428750"/>
             <a:ext cx="3103880" cy="368300"/>
           </a:xfrm>
           <a:prstGeom prst="rect">
@@ -4280,8 +4314,8 @@
         </p:nvSpPr>
         <p:spPr>
           <a:xfrm>
-            <a:off x="895350" y="178435"/>
-            <a:ext cx="7353300" cy="368300"/>
+            <a:off x="34925" y="178435"/>
+            <a:ext cx="9044940" cy="368300"/>
           </a:xfrm>
           <a:prstGeom prst="rect">
             <a:avLst/>
@@ -4301,17 +4335,228 @@
               <a:rPr lang="en-US">
                 <a:sym typeface="+mn-ea"/>
               </a:rPr>
-              <a:t>streamNum]          condition_variable cv[</a:t>
-            </a:r>
-            <a:r>
-              <a:rPr lang="en-US">
-                <a:sym typeface="+mn-ea"/>
-              </a:rPr>
-              <a:t>streamNum]</a:t>
+              <a:t>streamNum];condition_variable cv[streamNum];dataready[sidx]=0</a:t>
             </a:r>
             <a:endParaRPr lang="en-US">
               <a:sym typeface="+mn-ea"/>
             </a:endParaRPr>
+          </a:p>
+        </p:txBody>
+      </p:sp>
+      <p:sp>
+        <p:nvSpPr>
+          <p:cNvPr id="7" name="文本框 6"/>
+          <p:cNvSpPr txBox="1"/>
+          <p:nvPr/>
+        </p:nvSpPr>
+        <p:spPr>
+          <a:xfrm>
+            <a:off x="4197985" y="1428750"/>
+            <a:ext cx="4843780" cy="3784600"/>
+          </a:xfrm>
+          <a:prstGeom prst="rect">
+            <a:avLst/>
+          </a:prstGeom>
+          <a:noFill/>
+        </p:spPr>
+        <p:txBody>
+          <a:bodyPr wrap="square" rtlCol="0">
+            <a:spAutoFit/>
+          </a:bodyPr>
+          <a:p>
+            <a:r>
+              <a:rPr lang="en-US" altLang="zh-CN" sz="1600"/>
+              <a:t>while 1:</a:t>
+            </a:r>
+            <a:endParaRPr lang="en-US" altLang="zh-CN" sz="1600"/>
+          </a:p>
+          <a:p>
+            <a:r>
+              <a:rPr lang="en-US" altLang="zh-CN" sz="1600"/>
+              <a:t>	lock(m[sidx])</a:t>
+            </a:r>
+            <a:endParaRPr lang="en-US" altLang="zh-CN" sz="1600"/>
+          </a:p>
+          <a:p>
+            <a:pPr marL="0" lvl="1"/>
+            <a:r>
+              <a:rPr lang="en-US" altLang="zh-CN" sz="1600"/>
+              <a:t>	if </a:t>
+            </a:r>
+            <a:r>
+              <a:rPr lang="en-US" sz="1600">
+                <a:sym typeface="+mn-ea"/>
+              </a:rPr>
+              <a:t>dataready[sidx]==0</a:t>
+            </a:r>
+            <a:endParaRPr lang="en-US" sz="1600">
+              <a:sym typeface="+mn-ea"/>
+            </a:endParaRPr>
+          </a:p>
+          <a:p>
+            <a:pPr marL="0" lvl="1"/>
+            <a:r>
+              <a:rPr lang="en-US" sz="1600">
+                <a:sym typeface="+mn-ea"/>
+              </a:rPr>
+              <a:t>		recv p_n</a:t>
+            </a:r>
+            <a:endParaRPr lang="en-US" sz="1600">
+              <a:sym typeface="+mn-ea"/>
+            </a:endParaRPr>
+          </a:p>
+          <a:p>
+            <a:pPr marL="0" lvl="1"/>
+            <a:r>
+              <a:rPr lang="en-US" sz="1600">
+                <a:sym typeface="+mn-ea"/>
+              </a:rPr>
+              <a:t>		dataready[sidx]=1</a:t>
+            </a:r>
+            <a:endParaRPr lang="en-US" sz="1600">
+              <a:sym typeface="+mn-ea"/>
+            </a:endParaRPr>
+          </a:p>
+          <a:p>
+            <a:pPr marL="0" lvl="1"/>
+            <a:r>
+              <a:rPr lang="en-US" sz="1600">
+                <a:sym typeface="+mn-ea"/>
+              </a:rPr>
+              <a:t>		recv p_ga</a:t>
+            </a:r>
+            <a:endParaRPr lang="en-US" sz="1600">
+              <a:sym typeface="+mn-ea"/>
+            </a:endParaRPr>
+          </a:p>
+          <a:p>
+            <a:pPr marL="0" lvl="1"/>
+            <a:r>
+              <a:rPr lang="en-US" sz="1600">
+                <a:sym typeface="+mn-ea"/>
+              </a:rPr>
+              <a:t>		dataready[sidx]=2</a:t>
+            </a:r>
+            <a:endParaRPr lang="en-US" sz="1600">
+              <a:sym typeface="+mn-ea"/>
+            </a:endParaRPr>
+          </a:p>
+          <a:p>
+            <a:pPr marL="0" lvl="3"/>
+            <a:r>
+              <a:rPr lang="en-US" sz="1600">
+                <a:sym typeface="+mn-ea"/>
+              </a:rPr>
+              <a:t>		</a:t>
+            </a:r>
+            <a:r>
+              <a:rPr lang="en-US" sz="1600">
+                <a:sym typeface="+mn-ea"/>
+              </a:rPr>
+              <a:t>notify_one(cv[sidx])</a:t>
+            </a:r>
+            <a:endParaRPr lang="en-US" sz="1600">
+              <a:sym typeface="+mn-ea"/>
+            </a:endParaRPr>
+          </a:p>
+          <a:p>
+            <a:pPr marL="0" lvl="3"/>
+            <a:r>
+              <a:rPr lang="en-US" sz="1600">
+                <a:sym typeface="+mn-ea"/>
+              </a:rPr>
+              <a:t>	un</a:t>
+            </a:r>
+            <a:r>
+              <a:rPr lang="en-US" altLang="zh-CN" sz="1600">
+                <a:sym typeface="+mn-ea"/>
+              </a:rPr>
+              <a:t>lock(m[sidx])</a:t>
+            </a:r>
+            <a:endParaRPr lang="en-US" sz="1600">
+              <a:sym typeface="+mn-ea"/>
+            </a:endParaRPr>
+          </a:p>
+          <a:p>
+            <a:pPr marL="0" lvl="3"/>
+            <a:r>
+              <a:rPr lang="en-US" sz="1600">
+                <a:sym typeface="+mn-ea"/>
+              </a:rPr>
+              <a:t>	</a:t>
+            </a:r>
+            <a:r>
+              <a:rPr lang="en-US" sz="1600">
+                <a:sym typeface="+mn-ea"/>
+              </a:rPr>
+              <a:t>wait(cv[sidx],dataready[sidx]==4)</a:t>
+            </a:r>
+            <a:endParaRPr lang="en-US" sz="1600">
+              <a:sym typeface="+mn-ea"/>
+            </a:endParaRPr>
+          </a:p>
+          <a:p>
+            <a:pPr marL="0" lvl="3"/>
+            <a:r>
+              <a:rPr lang="en-US" sz="1600">
+                <a:sym typeface="+mn-ea"/>
+              </a:rPr>
+              <a:t>	send “r”+res</a:t>
+            </a:r>
+            <a:endParaRPr lang="en-US" sz="1600">
+              <a:sym typeface="+mn-ea"/>
+            </a:endParaRPr>
+          </a:p>
+          <a:p>
+            <a:pPr marL="0" lvl="3"/>
+            <a:r>
+              <a:rPr lang="en-US" sz="1600">
+                <a:sym typeface="+mn-ea"/>
+              </a:rPr>
+              <a:t>	dataready[sidx]=</a:t>
+            </a:r>
+            <a:r>
+              <a:rPr lang="en-US" sz="1600">
+                <a:sym typeface="+mn-ea"/>
+              </a:rPr>
+              <a:t>0</a:t>
+            </a:r>
+            <a:endParaRPr lang="en-US" sz="1600">
+              <a:sym typeface="+mn-ea"/>
+            </a:endParaRPr>
+          </a:p>
+          <a:p>
+            <a:pPr marL="0" lvl="3"/>
+            <a:r>
+              <a:rPr lang="en-US" sz="1600">
+                <a:sym typeface="+mn-ea"/>
+              </a:rPr>
+              <a:t>	</a:t>
+            </a:r>
+            <a:r>
+              <a:rPr lang="en-US" sz="1600">
+                <a:sym typeface="+mn-ea"/>
+              </a:rPr>
+              <a:t>un</a:t>
+            </a:r>
+            <a:r>
+              <a:rPr lang="en-US" altLang="zh-CN" sz="1600">
+                <a:sym typeface="+mn-ea"/>
+              </a:rPr>
+              <a:t>lock(m[sidx])</a:t>
+            </a:r>
+            <a:endParaRPr lang="en-US" sz="1600">
+              <a:sym typeface="+mn-ea"/>
+            </a:endParaRPr>
+          </a:p>
+          <a:p>
+            <a:pPr marL="0" lvl="1"/>
+            <a:endParaRPr lang="en-US" sz="1600">
+              <a:sym typeface="+mn-ea"/>
+            </a:endParaRPr>
+          </a:p>
+          <a:p>
+            <a:endParaRPr lang="en-US" altLang="zh-CN" sz="1600"/>
           </a:p>
         </p:txBody>
       </p:sp>

--- a/doc/nanomsg.pptx
+++ b/doc/nanomsg.pptx
@@ -4,14 +4,18 @@
   <p:sldMasterIdLst>
     <p:sldMasterId id="2147483648" r:id="rId1"/>
   </p:sldMasterIdLst>
+  <p:notesMasterIdLst>
+    <p:notesMasterId r:id="rId8"/>
+  </p:notesMasterIdLst>
   <p:handoutMasterIdLst>
-    <p:handoutMasterId r:id="rId7"/>
+    <p:handoutMasterId r:id="rId9"/>
   </p:handoutMasterIdLst>
   <p:sldIdLst>
     <p:sldId id="256" r:id="rId3"/>
     <p:sldId id="257" r:id="rId4"/>
     <p:sldId id="259" r:id="rId5"/>
     <p:sldId id="258" r:id="rId6"/>
+    <p:sldId id="262" r:id="rId7"/>
   </p:sldIdLst>
   <p:sldSz cx="9144000" cy="6858000" type="screen4x3"/>
   <p:notesSz cx="7103745" cy="10234295"/>
@@ -119,6 +123,7 @@
             <p14:sldId id="257"/>
             <p14:sldId id="259"/>
             <p14:sldId id="258"/>
+            <p14:sldId id="262"/>
           </p14:sldIdLst>
         </p14:section>
       </p14:sectionLst>
@@ -283,6 +288,353 @@
   </p:cSld>
   <p:clrMap bg1="lt1" tx1="dk1" bg2="lt2" tx2="dk2" accent1="accent1" accent2="accent2" accent3="accent3" accent4="accent4" accent5="accent5" accent6="accent6" hlink="hlink" folHlink="folHlink"/>
 </p:handoutMaster>
+</file>
+
+<file path=ppt/notesMasters/notesMaster1.xml><?xml version="1.0" encoding="utf-8"?>
+<p:notesMaster xmlns:a="http://schemas.openxmlformats.org/drawingml/2006/main" xmlns:r="http://schemas.openxmlformats.org/officeDocument/2006/relationships" xmlns:p="http://schemas.openxmlformats.org/presentationml/2006/main">
+  <p:cSld>
+    <p:bg>
+      <p:bgRef idx="1001">
+        <a:schemeClr val="bg1"/>
+      </p:bgRef>
+    </p:bg>
+    <p:spTree>
+      <p:nvGrpSpPr>
+        <p:cNvPr id="1" name=""/>
+        <p:cNvGrpSpPr/>
+        <p:nvPr/>
+      </p:nvGrpSpPr>
+      <p:grpSpPr>
+        <a:xfrm>
+          <a:off x="0" y="0"/>
+          <a:ext cx="0" cy="0"/>
+          <a:chOff x="0" y="0"/>
+          <a:chExt cx="0" cy="0"/>
+        </a:xfrm>
+      </p:grpSpPr>
+      <p:sp>
+        <p:nvSpPr>
+          <p:cNvPr id="2" name="页眉占位符 1"/>
+          <p:cNvSpPr>
+            <a:spLocks noGrp="1"/>
+          </p:cNvSpPr>
+          <p:nvPr>
+            <p:ph type="hdr" sz="quarter"/>
+          </p:nvPr>
+        </p:nvSpPr>
+        <p:spPr>
+          <a:xfrm>
+            <a:off x="0" y="0"/>
+            <a:ext cx="3078290" cy="513492"/>
+          </a:xfrm>
+          <a:prstGeom prst="rect">
+            <a:avLst/>
+          </a:prstGeom>
+        </p:spPr>
+        <p:txBody>
+          <a:bodyPr vert="horz" lIns="91440" tIns="45720" rIns="91440" bIns="45720" rtlCol="0"/>
+          <a:lstStyle>
+            <a:lvl1pPr algn="l">
+              <a:defRPr sz="1200"/>
+            </a:lvl1pPr>
+          </a:lstStyle>
+          <a:p>
+            <a:endParaRPr lang="zh-CN" altLang="en-US"/>
+          </a:p>
+        </p:txBody>
+      </p:sp>
+      <p:sp>
+        <p:nvSpPr>
+          <p:cNvPr id="3" name="日期占位符 2"/>
+          <p:cNvSpPr>
+            <a:spLocks noGrp="1"/>
+          </p:cNvSpPr>
+          <p:nvPr>
+            <p:ph type="dt" idx="1"/>
+          </p:nvPr>
+        </p:nvSpPr>
+        <p:spPr>
+          <a:xfrm>
+            <a:off x="4023812" y="0"/>
+            <a:ext cx="3078290" cy="513492"/>
+          </a:xfrm>
+          <a:prstGeom prst="rect">
+            <a:avLst/>
+          </a:prstGeom>
+        </p:spPr>
+        <p:txBody>
+          <a:bodyPr vert="horz" lIns="91440" tIns="45720" rIns="91440" bIns="45720" rtlCol="0"/>
+          <a:lstStyle>
+            <a:lvl1pPr algn="r">
+              <a:defRPr sz="1200"/>
+            </a:lvl1pPr>
+          </a:lstStyle>
+          <a:p>
+            <a:fld id="{D2A48B96-639E-45A3-A0BA-2464DFDB1FAA}" type="datetimeFigureOut">
+              <a:rPr lang="zh-CN" altLang="en-US" smtClean="0"/>
+            </a:fld>
+            <a:endParaRPr lang="zh-CN" altLang="en-US"/>
+          </a:p>
+        </p:txBody>
+      </p:sp>
+      <p:sp>
+        <p:nvSpPr>
+          <p:cNvPr id="4" name="幻灯片图像占位符 3"/>
+          <p:cNvSpPr>
+            <a:spLocks noGrp="1" noRot="1" noChangeAspect="1"/>
+          </p:cNvSpPr>
+          <p:nvPr>
+            <p:ph type="sldImg" idx="2"/>
+          </p:nvPr>
+        </p:nvSpPr>
+        <p:spPr>
+          <a:xfrm>
+            <a:off x="481584" y="1279287"/>
+            <a:ext cx="6140577" cy="3454075"/>
+          </a:xfrm>
+          <a:prstGeom prst="rect">
+            <a:avLst/>
+          </a:prstGeom>
+          <a:noFill/>
+          <a:ln w="12700">
+            <a:solidFill>
+              <a:prstClr val="black"/>
+            </a:solidFill>
+          </a:ln>
+        </p:spPr>
+        <p:txBody>
+          <a:bodyPr vert="horz" lIns="91440" tIns="45720" rIns="91440" bIns="45720" rtlCol="0" anchor="ctr"/>
+          <a:lstStyle/>
+          <a:p>
+            <a:endParaRPr lang="zh-CN" altLang="en-US"/>
+          </a:p>
+        </p:txBody>
+      </p:sp>
+      <p:sp>
+        <p:nvSpPr>
+          <p:cNvPr id="5" name="备注占位符 4"/>
+          <p:cNvSpPr>
+            <a:spLocks noGrp="1"/>
+          </p:cNvSpPr>
+          <p:nvPr>
+            <p:ph type="body" sz="quarter" idx="3"/>
+          </p:nvPr>
+        </p:nvSpPr>
+        <p:spPr>
+          <a:xfrm>
+            <a:off x="710375" y="4925254"/>
+            <a:ext cx="5682996" cy="4029754"/>
+          </a:xfrm>
+          <a:prstGeom prst="rect">
+            <a:avLst/>
+          </a:prstGeom>
+        </p:spPr>
+        <p:txBody>
+          <a:bodyPr vert="horz" lIns="91440" tIns="45720" rIns="91440" bIns="45720" rtlCol="0"/>
+          <a:lstStyle/>
+          <a:p>
+            <a:pPr lvl="0"/>
+            <a:r>
+              <a:rPr lang="zh-CN" altLang="en-US" smtClean="0"/>
+              <a:t>单击此处编辑母版文本样式</a:t>
+            </a:r>
+            <a:endParaRPr lang="zh-CN" altLang="en-US" smtClean="0"/>
+          </a:p>
+          <a:p>
+            <a:pPr lvl="1"/>
+            <a:r>
+              <a:rPr lang="zh-CN" altLang="en-US" smtClean="0"/>
+              <a:t>第二级</a:t>
+            </a:r>
+            <a:endParaRPr lang="zh-CN" altLang="en-US" smtClean="0"/>
+          </a:p>
+          <a:p>
+            <a:pPr lvl="2"/>
+            <a:r>
+              <a:rPr lang="zh-CN" altLang="en-US" smtClean="0"/>
+              <a:t>第三级</a:t>
+            </a:r>
+            <a:endParaRPr lang="zh-CN" altLang="en-US" smtClean="0"/>
+          </a:p>
+          <a:p>
+            <a:pPr lvl="3"/>
+            <a:r>
+              <a:rPr lang="zh-CN" altLang="en-US" smtClean="0"/>
+              <a:t>第四级</a:t>
+            </a:r>
+            <a:endParaRPr lang="zh-CN" altLang="en-US" smtClean="0"/>
+          </a:p>
+          <a:p>
+            <a:pPr lvl="4"/>
+            <a:r>
+              <a:rPr lang="zh-CN" altLang="en-US" smtClean="0"/>
+              <a:t>第五级</a:t>
+            </a:r>
+            <a:endParaRPr lang="zh-CN" altLang="en-US"/>
+          </a:p>
+        </p:txBody>
+      </p:sp>
+      <p:sp>
+        <p:nvSpPr>
+          <p:cNvPr id="6" name="页脚占位符 5"/>
+          <p:cNvSpPr>
+            <a:spLocks noGrp="1"/>
+          </p:cNvSpPr>
+          <p:nvPr>
+            <p:ph type="ftr" sz="quarter" idx="4"/>
+          </p:nvPr>
+        </p:nvSpPr>
+        <p:spPr>
+          <a:xfrm>
+            <a:off x="0" y="9720804"/>
+            <a:ext cx="3078290" cy="513491"/>
+          </a:xfrm>
+          <a:prstGeom prst="rect">
+            <a:avLst/>
+          </a:prstGeom>
+        </p:spPr>
+        <p:txBody>
+          <a:bodyPr vert="horz" lIns="91440" tIns="45720" rIns="91440" bIns="45720" rtlCol="0" anchor="b"/>
+          <a:lstStyle>
+            <a:lvl1pPr algn="l">
+              <a:defRPr sz="1200"/>
+            </a:lvl1pPr>
+          </a:lstStyle>
+          <a:p>
+            <a:endParaRPr lang="zh-CN" altLang="en-US"/>
+          </a:p>
+        </p:txBody>
+      </p:sp>
+      <p:sp>
+        <p:nvSpPr>
+          <p:cNvPr id="7" name="灯片编号占位符 6"/>
+          <p:cNvSpPr>
+            <a:spLocks noGrp="1"/>
+          </p:cNvSpPr>
+          <p:nvPr>
+            <p:ph type="sldNum" sz="quarter" idx="5"/>
+          </p:nvPr>
+        </p:nvSpPr>
+        <p:spPr>
+          <a:xfrm>
+            <a:off x="4023812" y="9720804"/>
+            <a:ext cx="3078290" cy="513491"/>
+          </a:xfrm>
+          <a:prstGeom prst="rect">
+            <a:avLst/>
+          </a:prstGeom>
+        </p:spPr>
+        <p:txBody>
+          <a:bodyPr vert="horz" lIns="91440" tIns="45720" rIns="91440" bIns="45720" rtlCol="0" anchor="b"/>
+          <a:lstStyle>
+            <a:lvl1pPr algn="r">
+              <a:defRPr sz="1200"/>
+            </a:lvl1pPr>
+          </a:lstStyle>
+          <a:p>
+            <a:fld id="{A6837353-30EB-4A48-80EB-173D804AEFBD}" type="slidenum">
+              <a:rPr lang="zh-CN" altLang="en-US" smtClean="0"/>
+            </a:fld>
+            <a:endParaRPr lang="zh-CN" altLang="en-US"/>
+          </a:p>
+        </p:txBody>
+      </p:sp>
+    </p:spTree>
+  </p:cSld>
+  <p:clrMap bg1="lt1" tx1="dk1" bg2="lt2" tx2="dk2" accent1="accent1" accent2="accent2" accent3="accent3" accent4="accent4" accent5="accent5" accent6="accent6" hlink="hlink" folHlink="folHlink"/>
+  <p:notesStyle>
+    <a:lvl1pPr marL="0" algn="l" defTabSz="914400" rtl="0" eaLnBrk="1" latinLnBrk="0" hangingPunct="1">
+      <a:defRPr sz="1200" kern="1200">
+        <a:solidFill>
+          <a:schemeClr val="tx1"/>
+        </a:solidFill>
+        <a:latin typeface="+mn-lt"/>
+        <a:ea typeface="+mn-ea"/>
+        <a:cs typeface="+mn-cs"/>
+      </a:defRPr>
+    </a:lvl1pPr>
+    <a:lvl2pPr marL="457200" algn="l" defTabSz="914400" rtl="0" eaLnBrk="1" latinLnBrk="0" hangingPunct="1">
+      <a:defRPr sz="1200" kern="1200">
+        <a:solidFill>
+          <a:schemeClr val="tx1"/>
+        </a:solidFill>
+        <a:latin typeface="+mn-lt"/>
+        <a:ea typeface="+mn-ea"/>
+        <a:cs typeface="+mn-cs"/>
+      </a:defRPr>
+    </a:lvl2pPr>
+    <a:lvl3pPr marL="914400" algn="l" defTabSz="914400" rtl="0" eaLnBrk="1" latinLnBrk="0" hangingPunct="1">
+      <a:defRPr sz="1200" kern="1200">
+        <a:solidFill>
+          <a:schemeClr val="tx1"/>
+        </a:solidFill>
+        <a:latin typeface="+mn-lt"/>
+        <a:ea typeface="+mn-ea"/>
+        <a:cs typeface="+mn-cs"/>
+      </a:defRPr>
+    </a:lvl3pPr>
+    <a:lvl4pPr marL="1371600" algn="l" defTabSz="914400" rtl="0" eaLnBrk="1" latinLnBrk="0" hangingPunct="1">
+      <a:defRPr sz="1200" kern="1200">
+        <a:solidFill>
+          <a:schemeClr val="tx1"/>
+        </a:solidFill>
+        <a:latin typeface="+mn-lt"/>
+        <a:ea typeface="+mn-ea"/>
+        <a:cs typeface="+mn-cs"/>
+      </a:defRPr>
+    </a:lvl4pPr>
+    <a:lvl5pPr marL="1828800" algn="l" defTabSz="914400" rtl="0" eaLnBrk="1" latinLnBrk="0" hangingPunct="1">
+      <a:defRPr sz="1200" kern="1200">
+        <a:solidFill>
+          <a:schemeClr val="tx1"/>
+        </a:solidFill>
+        <a:latin typeface="+mn-lt"/>
+        <a:ea typeface="+mn-ea"/>
+        <a:cs typeface="+mn-cs"/>
+      </a:defRPr>
+    </a:lvl5pPr>
+    <a:lvl6pPr marL="2286000" algn="l" defTabSz="914400" rtl="0" eaLnBrk="1" latinLnBrk="0" hangingPunct="1">
+      <a:defRPr sz="1200" kern="1200">
+        <a:solidFill>
+          <a:schemeClr val="tx1"/>
+        </a:solidFill>
+        <a:latin typeface="+mn-lt"/>
+        <a:ea typeface="+mn-ea"/>
+        <a:cs typeface="+mn-cs"/>
+      </a:defRPr>
+    </a:lvl6pPr>
+    <a:lvl7pPr marL="2743200" algn="l" defTabSz="914400" rtl="0" eaLnBrk="1" latinLnBrk="0" hangingPunct="1">
+      <a:defRPr sz="1200" kern="1200">
+        <a:solidFill>
+          <a:schemeClr val="tx1"/>
+        </a:solidFill>
+        <a:latin typeface="+mn-lt"/>
+        <a:ea typeface="+mn-ea"/>
+        <a:cs typeface="+mn-cs"/>
+      </a:defRPr>
+    </a:lvl7pPr>
+    <a:lvl8pPr marL="3200400" algn="l" defTabSz="914400" rtl="0" eaLnBrk="1" latinLnBrk="0" hangingPunct="1">
+      <a:defRPr sz="1200" kern="1200">
+        <a:solidFill>
+          <a:schemeClr val="tx1"/>
+        </a:solidFill>
+        <a:latin typeface="+mn-lt"/>
+        <a:ea typeface="+mn-ea"/>
+        <a:cs typeface="+mn-cs"/>
+      </a:defRPr>
+    </a:lvl8pPr>
+    <a:lvl9pPr marL="3657600" algn="l" defTabSz="914400" rtl="0" eaLnBrk="1" latinLnBrk="0" hangingPunct="1">
+      <a:defRPr sz="1200" kern="1200">
+        <a:solidFill>
+          <a:schemeClr val="tx1"/>
+        </a:solidFill>
+        <a:latin typeface="+mn-lt"/>
+        <a:ea typeface="+mn-ea"/>
+        <a:cs typeface="+mn-cs"/>
+      </a:defRPr>
+    </a:lvl9pPr>
+  </p:notesStyle>
+</p:notesMaster>
 </file>
 
 <file path=ppt/slideLayouts/slideLayout1.xml><?xml version="1.0" encoding="utf-8"?>
@@ -2540,7 +2892,7 @@
         <a:spcBef>
           <a:spcPts val="1000"/>
         </a:spcBef>
-        <a:buFont typeface="Arial" panose="02080604020202020204" pitchFamily="34" charset="0"/>
+        <a:buFont typeface="Arial" panose="020B0604020202020204" pitchFamily="34" charset="0"/>
         <a:buChar char="•"/>
         <a:defRPr sz="2800" kern="1200">
           <a:solidFill>
@@ -2558,7 +2910,7 @@
         <a:spcBef>
           <a:spcPts val="500"/>
         </a:spcBef>
-        <a:buFont typeface="Arial" panose="02080604020202020204" pitchFamily="34" charset="0"/>
+        <a:buFont typeface="Arial" panose="020B0604020202020204" pitchFamily="34" charset="0"/>
         <a:buChar char="•"/>
         <a:defRPr sz="2400" kern="1200">
           <a:solidFill>
@@ -2576,7 +2928,7 @@
         <a:spcBef>
           <a:spcPts val="500"/>
         </a:spcBef>
-        <a:buFont typeface="Arial" panose="02080604020202020204" pitchFamily="34" charset="0"/>
+        <a:buFont typeface="Arial" panose="020B0604020202020204" pitchFamily="34" charset="0"/>
         <a:buChar char="•"/>
         <a:defRPr sz="2000" kern="1200">
           <a:solidFill>
@@ -2594,7 +2946,7 @@
         <a:spcBef>
           <a:spcPts val="500"/>
         </a:spcBef>
-        <a:buFont typeface="Arial" panose="02080604020202020204" pitchFamily="34" charset="0"/>
+        <a:buFont typeface="Arial" panose="020B0604020202020204" pitchFamily="34" charset="0"/>
         <a:buChar char="•"/>
         <a:defRPr sz="1800" kern="1200">
           <a:solidFill>
@@ -2612,7 +2964,7 @@
         <a:spcBef>
           <a:spcPts val="500"/>
         </a:spcBef>
-        <a:buFont typeface="Arial" panose="02080604020202020204" pitchFamily="34" charset="0"/>
+        <a:buFont typeface="Arial" panose="020B0604020202020204" pitchFamily="34" charset="0"/>
         <a:buChar char="•"/>
         <a:defRPr sz="1800" kern="1200">
           <a:solidFill>
@@ -2630,7 +2982,7 @@
         <a:spcBef>
           <a:spcPts val="500"/>
         </a:spcBef>
-        <a:buFont typeface="Arial" panose="02080604020202020204" pitchFamily="34" charset="0"/>
+        <a:buFont typeface="Arial" panose="020B0604020202020204" pitchFamily="34" charset="0"/>
         <a:buChar char="•"/>
         <a:defRPr sz="1800" kern="1200">
           <a:solidFill>
@@ -2648,7 +3000,7 @@
         <a:spcBef>
           <a:spcPts val="500"/>
         </a:spcBef>
-        <a:buFont typeface="Arial" panose="02080604020202020204" pitchFamily="34" charset="0"/>
+        <a:buFont typeface="Arial" panose="020B0604020202020204" pitchFamily="34" charset="0"/>
         <a:buChar char="•"/>
         <a:defRPr sz="1800" kern="1200">
           <a:solidFill>
@@ -2666,7 +3018,7 @@
         <a:spcBef>
           <a:spcPts val="500"/>
         </a:spcBef>
-        <a:buFont typeface="Arial" panose="02080604020202020204" pitchFamily="34" charset="0"/>
+        <a:buFont typeface="Arial" panose="020B0604020202020204" pitchFamily="34" charset="0"/>
         <a:buChar char="•"/>
         <a:defRPr sz="1800" kern="1200">
           <a:solidFill>
@@ -2684,7 +3036,7 @@
         <a:spcBef>
           <a:spcPts val="500"/>
         </a:spcBef>
-        <a:buFont typeface="Arial" panose="02080604020202020204" pitchFamily="34" charset="0"/>
+        <a:buFont typeface="Arial" panose="020B0604020202020204" pitchFamily="34" charset="0"/>
         <a:buChar char="•"/>
         <a:defRPr sz="1800" kern="1200">
           <a:solidFill>
@@ -3050,7 +3402,7 @@
               <a:spcBef>
                 <a:spcPts val="1000"/>
               </a:spcBef>
-              <a:buFont typeface="Arial" panose="02080604020202020204" pitchFamily="34" charset="0"/>
+              <a:buFont typeface="Arial" panose="020B0604020202020204" pitchFamily="34" charset="0"/>
               <a:buChar char="•"/>
               <a:defRPr sz="2800" kern="1200">
                 <a:solidFill>
@@ -3068,7 +3420,7 @@
               <a:spcBef>
                 <a:spcPts val="500"/>
               </a:spcBef>
-              <a:buFont typeface="Arial" panose="02080604020202020204" pitchFamily="34" charset="0"/>
+              <a:buFont typeface="Arial" panose="020B0604020202020204" pitchFamily="34" charset="0"/>
               <a:buChar char="•"/>
               <a:defRPr sz="2400" kern="1200">
                 <a:solidFill>
@@ -3086,7 +3438,7 @@
               <a:spcBef>
                 <a:spcPts val="500"/>
               </a:spcBef>
-              <a:buFont typeface="Arial" panose="02080604020202020204" pitchFamily="34" charset="0"/>
+              <a:buFont typeface="Arial" panose="020B0604020202020204" pitchFamily="34" charset="0"/>
               <a:buChar char="•"/>
               <a:defRPr sz="2000" kern="1200">
                 <a:solidFill>
@@ -3104,7 +3456,7 @@
               <a:spcBef>
                 <a:spcPts val="500"/>
               </a:spcBef>
-              <a:buFont typeface="Arial" panose="02080604020202020204" pitchFamily="34" charset="0"/>
+              <a:buFont typeface="Arial" panose="020B0604020202020204" pitchFamily="34" charset="0"/>
               <a:buChar char="•"/>
               <a:defRPr sz="1800" kern="1200">
                 <a:solidFill>
@@ -3122,7 +3474,7 @@
               <a:spcBef>
                 <a:spcPts val="500"/>
               </a:spcBef>
-              <a:buFont typeface="Arial" panose="02080604020202020204" pitchFamily="34" charset="0"/>
+              <a:buFont typeface="Arial" panose="020B0604020202020204" pitchFamily="34" charset="0"/>
               <a:buChar char="•"/>
               <a:defRPr sz="1800" kern="1200">
                 <a:solidFill>
@@ -3140,7 +3492,7 @@
               <a:spcBef>
                 <a:spcPts val="500"/>
               </a:spcBef>
-              <a:buFont typeface="Arial" panose="02080604020202020204" pitchFamily="34" charset="0"/>
+              <a:buFont typeface="Arial" panose="020B0604020202020204" pitchFamily="34" charset="0"/>
               <a:buChar char="•"/>
               <a:defRPr sz="1800" kern="1200">
                 <a:solidFill>
@@ -3158,7 +3510,7 @@
               <a:spcBef>
                 <a:spcPts val="500"/>
               </a:spcBef>
-              <a:buFont typeface="Arial" panose="02080604020202020204" pitchFamily="34" charset="0"/>
+              <a:buFont typeface="Arial" panose="020B0604020202020204" pitchFamily="34" charset="0"/>
               <a:buChar char="•"/>
               <a:defRPr sz="1800" kern="1200">
                 <a:solidFill>
@@ -3176,7 +3528,7 @@
               <a:spcBef>
                 <a:spcPts val="500"/>
               </a:spcBef>
-              <a:buFont typeface="Arial" panose="02080604020202020204" pitchFamily="34" charset="0"/>
+              <a:buFont typeface="Arial" panose="020B0604020202020204" pitchFamily="34" charset="0"/>
               <a:buChar char="•"/>
               <a:defRPr sz="1800" kern="1200">
                 <a:solidFill>
@@ -3194,7 +3546,7 @@
               <a:spcBef>
                 <a:spcPts val="500"/>
               </a:spcBef>
-              <a:buFont typeface="Arial" panose="02080604020202020204" pitchFamily="34" charset="0"/>
+              <a:buFont typeface="Arial" panose="020B0604020202020204" pitchFamily="34" charset="0"/>
               <a:buChar char="•"/>
               <a:defRPr sz="1800" kern="1200">
                 <a:solidFill>
@@ -4019,206 +4371,228 @@
         </p:nvSpPr>
         <p:spPr>
           <a:xfrm>
-            <a:off x="129540" y="1825625"/>
+            <a:off x="129540" y="1665605"/>
             <a:ext cx="4068445" cy="4985385"/>
           </a:xfrm>
         </p:spPr>
         <p:txBody>
           <a:bodyPr>
-            <a:normAutofit lnSpcReduction="10000"/>
+            <a:noAutofit/>
           </a:bodyPr>
           <a:p>
             <a:r>
-              <a:rPr lang="en-US" sz="1200"/>
+              <a:rPr lang="en-US" sz="1400"/>
               <a:t>for sidx in streamNum:</a:t>
             </a:r>
-            <a:endParaRPr lang="en-US" sz="1200"/>
+            <a:endParaRPr lang="en-US" sz="1400"/>
           </a:p>
           <a:p>
             <a:pPr lvl="1"/>
             <a:r>
-              <a:rPr lang="en-US" sz="1025"/>
+              <a:rPr lang="en-US" sz="1400"/>
               <a:t>lock(m[sidx)</a:t>
             </a:r>
-            <a:endParaRPr lang="en-US" sz="1025"/>
+            <a:endParaRPr lang="en-US" sz="1400"/>
           </a:p>
           <a:p>
             <a:pPr lvl="1"/>
             <a:r>
-              <a:rPr lang="en-US" sz="1200">
+              <a:rPr lang="en-US" sz="1400">
                 <a:sym typeface="+mn-ea"/>
               </a:rPr>
               <a:t>if dataready[sidx]==3</a:t>
             </a:r>
-            <a:endParaRPr lang="en-US" sz="1200">
+            <a:endParaRPr lang="en-US" sz="1400">
               <a:sym typeface="+mn-ea"/>
             </a:endParaRPr>
           </a:p>
           <a:p>
             <a:pPr lvl="2"/>
             <a:r>
-              <a:rPr lang="en-US" sz="1000">
+              <a:rPr lang="en-US" sz="1400">
                 <a:sym typeface="+mn-ea"/>
               </a:rPr>
               <a:t>if(query_stream)</a:t>
             </a:r>
-            <a:endParaRPr lang="en-US" sz="1000"/>
+            <a:endParaRPr lang="en-US" sz="1400"/>
           </a:p>
           <a:p>
             <a:pPr lvl="3"/>
             <a:r>
-              <a:rPr lang="en-US" sz="1080">
+              <a:rPr lang="en-US" sz="1400">
                 <a:sym typeface="+mn-ea"/>
               </a:rPr>
               <a:t>dataready[sidx]=4</a:t>
             </a:r>
-            <a:endParaRPr lang="en-US" sz="1080"/>
-          </a:p>
-          <a:p>
-            <a:pPr lvl="3"/>
-            <a:r>
-              <a:rPr lang="en-US" sz="1080">
-                <a:sym typeface="+mn-ea"/>
-              </a:rPr>
-              <a:t>notify_one(cv[sidx])</a:t>
-            </a:r>
-            <a:endParaRPr lang="en-US" sz="1080">
+            <a:endParaRPr lang="en-US" sz="1400">
               <a:sym typeface="+mn-ea"/>
             </a:endParaRPr>
           </a:p>
           <a:p>
             <a:pPr lvl="3"/>
             <a:r>
-              <a:rPr lang="en-US" sz="1080">
-                <a:sym typeface="+mn-ea"/>
-              </a:rPr>
-              <a:t>continue</a:t>
-            </a:r>
-            <a:endParaRPr lang="en-US" sz="1080">
+              <a:rPr lang="en-US" sz="1400">
+                <a:sym typeface="+mn-ea"/>
+              </a:rPr>
+              <a:t>unlock; notify_one(cv[sidx])</a:t>
+            </a:r>
+            <a:endParaRPr lang="en-US" sz="1400">
               <a:sym typeface="+mn-ea"/>
             </a:endParaRPr>
           </a:p>
           <a:p>
-            <a:pPr lvl="2"/>
-            <a:r>
-              <a:rPr lang="en-US" sz="1200">
-                <a:sym typeface="+mn-ea"/>
-              </a:rPr>
-              <a:t>else continue</a:t>
-            </a:r>
-            <a:endParaRPr lang="en-US" sz="1200">
+            <a:pPr lvl="3"/>
+            <a:r>
+              <a:rPr lang="en-US" sz="1400">
+                <a:sym typeface="+mn-ea"/>
+              </a:rPr>
+              <a:t>continue</a:t>
+            </a:r>
+            <a:endParaRPr lang="en-US" sz="1400">
               <a:sym typeface="+mn-ea"/>
             </a:endParaRPr>
           </a:p>
           <a:p>
-            <a:pPr lvl="1"/>
-            <a:r>
-              <a:rPr lang="en-US" sz="1440">
-                <a:sym typeface="+mn-ea"/>
-              </a:rPr>
-              <a:t>elseif dataready[sidx]==4</a:t>
-            </a:r>
-            <a:endParaRPr lang="en-US" sz="1440">
+            <a:pPr lvl="2"/>
+            <a:r>
+              <a:rPr lang="en-US" sz="1400">
+                <a:sym typeface="+mn-ea"/>
+              </a:rPr>
+              <a:t>else </a:t>
+            </a:r>
+            <a:r>
+              <a:rPr lang="en-US" sz="1400">
+                <a:sym typeface="+mn-ea"/>
+              </a:rPr>
+              <a:t>unlock; </a:t>
+            </a:r>
+            <a:r>
+              <a:rPr lang="en-US" sz="1400">
+                <a:sym typeface="+mn-ea"/>
+              </a:rPr>
+              <a:t>continue</a:t>
+            </a:r>
+            <a:endParaRPr lang="en-US" sz="1400">
               <a:sym typeface="+mn-ea"/>
             </a:endParaRPr>
           </a:p>
           <a:p>
+            <a:pPr lvl="1"/>
+            <a:r>
+              <a:rPr lang="en-US" sz="1400">
+                <a:sym typeface="+mn-ea"/>
+              </a:rPr>
+              <a:t>elseif dataready[sidx]==4 or 0</a:t>
+            </a:r>
+            <a:endParaRPr lang="en-US" sz="1400">
+              <a:sym typeface="+mn-ea"/>
+            </a:endParaRPr>
+          </a:p>
+          <a:p>
             <a:pPr lvl="2"/>
             <a:r>
-              <a:rPr lang="en-US" sz="1200">
+              <a:rPr lang="en-US" sz="1400">
+                <a:sym typeface="+mn-ea"/>
+              </a:rPr>
+              <a:t>unlock; </a:t>
+            </a:r>
+            <a:r>
+              <a:rPr lang="en-US" sz="1400">
                 <a:sym typeface="+mn-ea"/>
               </a:rPr>
               <a:t>continue</a:t>
             </a:r>
-            <a:endParaRPr lang="en-US" sz="1200"/>
+            <a:endParaRPr lang="en-US" sz="1400"/>
           </a:p>
           <a:p>
             <a:pPr lvl="1"/>
             <a:r>
-              <a:rPr lang="en-US" sz="1200">
+              <a:rPr lang="en-US" sz="1400">
+                <a:sym typeface="+mn-ea"/>
+              </a:rPr>
+              <a:t>//unlock(m[sidx)</a:t>
+            </a:r>
+            <a:endParaRPr lang="en-US" sz="1400"/>
+          </a:p>
+          <a:p>
+            <a:pPr lvl="1"/>
+            <a:r>
+              <a:rPr lang="en-US" sz="1400"/>
+              <a:t>wait(cv[sidx],dataready[sidx]==1 or 2)</a:t>
+            </a:r>
+            <a:endParaRPr lang="en-US" sz="1400"/>
+          </a:p>
+          <a:p>
+            <a:pPr lvl="1"/>
+            <a:r>
+              <a:rPr lang="en-US" sz="1400"/>
+              <a:t>gpu_set_sn;</a:t>
+            </a:r>
+            <a:endParaRPr lang="en-US" sz="1400"/>
+          </a:p>
+          <a:p>
+            <a:pPr lvl="1"/>
+            <a:r>
+              <a:rPr lang="en-US" sz="1400"/>
+              <a:t>gpu_set_params;</a:t>
+            </a:r>
+            <a:endParaRPr lang="en-US" sz="1400"/>
+          </a:p>
+          <a:p>
+            <a:pPr lvl="1"/>
+            <a:r>
+              <a:rPr lang="en-US" sz="1400"/>
+              <a:t>gpu_calc;</a:t>
+            </a:r>
+            <a:endParaRPr lang="en-US" sz="1400"/>
+          </a:p>
+          <a:p>
+            <a:pPr lvl="1"/>
+            <a:r>
+              <a:rPr lang="en-US" sz="1400"/>
+              <a:t>if(query_stream)</a:t>
+            </a:r>
+            <a:endParaRPr lang="en-US" sz="1400"/>
+          </a:p>
+          <a:p>
+            <a:pPr lvl="2"/>
+            <a:r>
+              <a:rPr lang="en-US" sz="1400">
+                <a:sym typeface="+mn-ea"/>
+              </a:rPr>
+              <a:t>dataready[sidx]=4</a:t>
+            </a:r>
+            <a:endParaRPr lang="en-US" sz="1400"/>
+          </a:p>
+          <a:p>
+            <a:pPr lvl="2"/>
+            <a:r>
+              <a:rPr lang="en-US" sz="1400">
+                <a:sym typeface="+mn-ea"/>
+              </a:rPr>
+              <a:t>notify_one(cv[sidx])</a:t>
+            </a:r>
+            <a:endParaRPr lang="en-US" sz="1400"/>
+          </a:p>
+          <a:p>
+            <a:pPr lvl="1"/>
+            <a:r>
+              <a:rPr lang="en-US" sz="1400"/>
+              <a:t>else dataready[sidx]=3</a:t>
+            </a:r>
+            <a:endParaRPr lang="en-US" sz="1400"/>
+          </a:p>
+          <a:p>
+            <a:pPr lvl="1"/>
+            <a:r>
+              <a:rPr lang="en-US" sz="1400">
                 <a:sym typeface="+mn-ea"/>
               </a:rPr>
               <a:t>unlock(m[sidx)</a:t>
             </a:r>
-            <a:endParaRPr lang="en-US" sz="1200"/>
-          </a:p>
-          <a:p>
-            <a:pPr lvl="1"/>
-            <a:r>
-              <a:rPr lang="en-US" sz="1200"/>
-              <a:t>wait(cv[sidx],dataready[sidx]&gt;=1&amp;&amp;&lt;=2)</a:t>
-            </a:r>
-            <a:endParaRPr lang="en-US" sz="1200"/>
-          </a:p>
-          <a:p>
-            <a:pPr lvl="1"/>
-            <a:r>
-              <a:rPr lang="en-US" sz="1200"/>
-              <a:t>gpu_set_sn;</a:t>
-            </a:r>
-            <a:endParaRPr lang="en-US" sz="1200"/>
-          </a:p>
-          <a:p>
-            <a:pPr lvl="1"/>
-            <a:r>
-              <a:rPr lang="en-US" sz="1200"/>
-              <a:t>gpu_set_params;</a:t>
-            </a:r>
-            <a:endParaRPr lang="en-US" sz="1200"/>
-          </a:p>
-          <a:p>
-            <a:pPr lvl="1"/>
-            <a:r>
-              <a:rPr lang="en-US" sz="1200"/>
-              <a:t>gpu_calc;</a:t>
-            </a:r>
-            <a:endParaRPr lang="en-US" sz="1200"/>
-          </a:p>
-          <a:p>
-            <a:pPr lvl="1"/>
-            <a:r>
-              <a:rPr lang="en-US" sz="1200"/>
-              <a:t>if(query_stream)</a:t>
-            </a:r>
-            <a:endParaRPr lang="en-US" sz="1200"/>
-          </a:p>
-          <a:p>
-            <a:pPr lvl="2"/>
-            <a:r>
-              <a:rPr lang="en-US" sz="1000">
-                <a:sym typeface="+mn-ea"/>
-              </a:rPr>
-              <a:t>dataready[sidx]=4</a:t>
-            </a:r>
-            <a:endParaRPr lang="en-US" sz="1000"/>
-          </a:p>
-          <a:p>
-            <a:pPr lvl="2"/>
-            <a:r>
-              <a:rPr lang="en-US" sz="1000">
-                <a:sym typeface="+mn-ea"/>
-              </a:rPr>
-              <a:t>notify_one(cv[sidx])</a:t>
-            </a:r>
-            <a:endParaRPr lang="en-US" sz="1000"/>
-          </a:p>
-          <a:p>
-            <a:pPr lvl="1"/>
-            <a:r>
-              <a:rPr lang="en-US" sz="1200"/>
-              <a:t>else dataready[sidx]=3</a:t>
-            </a:r>
-            <a:endParaRPr lang="en-US" sz="1200"/>
-          </a:p>
-          <a:p>
-            <a:pPr lvl="1"/>
-            <a:r>
-              <a:rPr lang="en-US" sz="1200">
-                <a:sym typeface="+mn-ea"/>
-              </a:rPr>
-              <a:t>unlock(m[sidx)</a:t>
-            </a:r>
-            <a:endParaRPr lang="en-US" sz="1200"/>
+            <a:endParaRPr lang="en-US" sz="1400">
+              <a:sym typeface="+mn-ea"/>
+            </a:endParaRPr>
           </a:p>
         </p:txBody>
       </p:sp>
@@ -4285,7 +4659,7 @@
         </p:nvSpPr>
         <p:spPr>
           <a:xfrm>
-            <a:off x="34925" y="1428750"/>
+            <a:off x="34925" y="1261110"/>
             <a:ext cx="3103880" cy="368300"/>
           </a:xfrm>
           <a:prstGeom prst="rect">
@@ -4447,13 +4821,7 @@
               <a:rPr lang="en-US" sz="1600">
                 <a:sym typeface="+mn-ea"/>
               </a:rPr>
-              <a:t>		</a:t>
-            </a:r>
-            <a:r>
-              <a:rPr lang="en-US" sz="1600">
-                <a:sym typeface="+mn-ea"/>
-              </a:rPr>
-              <a:t>notify_one(cv[sidx])</a:t>
+              <a:t>		notify_one(cv[sidx])</a:t>
             </a:r>
             <a:endParaRPr lang="en-US" sz="1600">
               <a:sym typeface="+mn-ea"/>
@@ -4483,13 +4851,7 @@
               <a:rPr lang="en-US" sz="1600">
                 <a:sym typeface="+mn-ea"/>
               </a:rPr>
-              <a:t>	</a:t>
-            </a:r>
-            <a:r>
-              <a:rPr lang="en-US" sz="1600">
-                <a:sym typeface="+mn-ea"/>
-              </a:rPr>
-              <a:t>wait(cv[sidx],dataready[sidx]==4)</a:t>
+              <a:t>	wait(cv[sidx],dataready[sidx]==4)</a:t>
             </a:r>
             <a:endParaRPr lang="en-US" sz="1600">
               <a:sym typeface="+mn-ea"/>
@@ -4513,13 +4875,7 @@
               <a:rPr lang="en-US" sz="1600">
                 <a:sym typeface="+mn-ea"/>
               </a:rPr>
-              <a:t>	dataready[sidx]=</a:t>
-            </a:r>
-            <a:r>
-              <a:rPr lang="en-US" sz="1600">
-                <a:sym typeface="+mn-ea"/>
-              </a:rPr>
-              <a:t>0</a:t>
+              <a:t>	dataready[sidx]=0</a:t>
             </a:r>
             <a:endParaRPr lang="en-US" sz="1600">
               <a:sym typeface="+mn-ea"/>
@@ -4531,13 +4887,7 @@
               <a:rPr lang="en-US" sz="1600">
                 <a:sym typeface="+mn-ea"/>
               </a:rPr>
-              <a:t>	</a:t>
-            </a:r>
-            <a:r>
-              <a:rPr lang="en-US" sz="1600">
-                <a:sym typeface="+mn-ea"/>
-              </a:rPr>
-              <a:t>un</a:t>
+              <a:t>	un</a:t>
             </a:r>
             <a:r>
               <a:rPr lang="en-US" altLang="zh-CN" sz="1600">
@@ -4557,6 +4907,650 @@
           </a:p>
           <a:p>
             <a:endParaRPr lang="en-US" altLang="zh-CN" sz="1600"/>
+          </a:p>
+        </p:txBody>
+      </p:sp>
+    </p:spTree>
+  </p:cSld>
+  <p:clrMapOvr>
+    <a:masterClrMapping/>
+  </p:clrMapOvr>
+</p:sld>
+</file>
+
+<file path=ppt/slides/slide5.xml><?xml version="1.0" encoding="utf-8"?>
+<p:sld xmlns:a="http://schemas.openxmlformats.org/drawingml/2006/main" xmlns:r="http://schemas.openxmlformats.org/officeDocument/2006/relationships" xmlns:p="http://schemas.openxmlformats.org/presentationml/2006/main">
+  <p:cSld>
+    <p:spTree>
+      <p:nvGrpSpPr>
+        <p:cNvPr id="1" name=""/>
+        <p:cNvGrpSpPr/>
+        <p:nvPr/>
+      </p:nvGrpSpPr>
+      <p:grpSpPr/>
+      <p:sp>
+        <p:nvSpPr>
+          <p:cNvPr id="2" name="Title 1"/>
+          <p:cNvSpPr>
+            <a:spLocks noGrp="1"/>
+          </p:cNvSpPr>
+          <p:nvPr>
+            <p:ph type="title"/>
+          </p:nvPr>
+        </p:nvSpPr>
+        <p:spPr>
+          <a:xfrm>
+            <a:off x="628650" y="365125"/>
+            <a:ext cx="3920490" cy="1325880"/>
+          </a:xfrm>
+        </p:spPr>
+        <p:txBody>
+          <a:bodyPr/>
+          <a:p>
+            <a:r>
+              <a:rPr lang="en-US"/>
+              <a:t>GPU </a:t>
+            </a:r>
+            <a:r>
+              <a:rPr lang="en-US">
+                <a:sym typeface="+mn-ea"/>
+              </a:rPr>
+              <a:t>thread</a:t>
+            </a:r>
+            <a:endParaRPr lang="en-US"/>
+          </a:p>
+        </p:txBody>
+      </p:sp>
+      <p:sp>
+        <p:nvSpPr>
+          <p:cNvPr id="3" name="Content Placeholder 2"/>
+          <p:cNvSpPr>
+            <a:spLocks noGrp="1"/>
+          </p:cNvSpPr>
+          <p:nvPr>
+            <p:ph idx="1"/>
+          </p:nvPr>
+        </p:nvSpPr>
+        <p:spPr>
+          <a:xfrm>
+            <a:off x="129540" y="1665605"/>
+            <a:ext cx="4068445" cy="4985385"/>
+          </a:xfrm>
+        </p:spPr>
+        <p:txBody>
+          <a:bodyPr>
+            <a:noAutofit/>
+          </a:bodyPr>
+          <a:p>
+            <a:r>
+              <a:rPr lang="en-US" sz="1400"/>
+              <a:t>for sidx in streamNum:</a:t>
+            </a:r>
+            <a:endParaRPr lang="en-US" sz="1400"/>
+          </a:p>
+          <a:p>
+            <a:pPr lvl="1"/>
+            <a:r>
+              <a:rPr lang="en-US" sz="1400"/>
+              <a:t>lock(m[sidx)</a:t>
+            </a:r>
+            <a:endParaRPr lang="en-US" sz="1400"/>
+          </a:p>
+          <a:p>
+            <a:pPr lvl="1"/>
+            <a:r>
+              <a:rPr lang="en-US" sz="1400">
+                <a:sym typeface="+mn-ea"/>
+              </a:rPr>
+              <a:t>if dataready[sidx]==3</a:t>
+            </a:r>
+            <a:endParaRPr lang="en-US" sz="1400">
+              <a:sym typeface="+mn-ea"/>
+            </a:endParaRPr>
+          </a:p>
+          <a:p>
+            <a:pPr lvl="2"/>
+            <a:r>
+              <a:rPr lang="en-US" sz="1400">
+                <a:sym typeface="+mn-ea"/>
+              </a:rPr>
+              <a:t>if(query_stream)</a:t>
+            </a:r>
+            <a:endParaRPr lang="en-US" sz="1400"/>
+          </a:p>
+          <a:p>
+            <a:pPr lvl="3"/>
+            <a:r>
+              <a:rPr lang="en-US" sz="1400">
+                <a:sym typeface="+mn-ea"/>
+              </a:rPr>
+              <a:t>dataready[sidx]=4</a:t>
+            </a:r>
+            <a:endParaRPr lang="en-US" sz="1400">
+              <a:sym typeface="+mn-ea"/>
+            </a:endParaRPr>
+          </a:p>
+          <a:p>
+            <a:pPr lvl="3"/>
+            <a:r>
+              <a:rPr lang="en-US" sz="1400">
+                <a:sym typeface="+mn-ea"/>
+              </a:rPr>
+              <a:t>unlock; notify_one(cv[sidx])</a:t>
+            </a:r>
+            <a:endParaRPr lang="en-US" sz="1400">
+              <a:sym typeface="+mn-ea"/>
+            </a:endParaRPr>
+          </a:p>
+          <a:p>
+            <a:pPr lvl="3"/>
+            <a:r>
+              <a:rPr lang="en-US" sz="1400">
+                <a:sym typeface="+mn-ea"/>
+              </a:rPr>
+              <a:t>continue</a:t>
+            </a:r>
+            <a:endParaRPr lang="en-US" sz="1400">
+              <a:sym typeface="+mn-ea"/>
+            </a:endParaRPr>
+          </a:p>
+          <a:p>
+            <a:pPr lvl="2"/>
+            <a:r>
+              <a:rPr lang="en-US" sz="1400">
+                <a:sym typeface="+mn-ea"/>
+              </a:rPr>
+              <a:t>else unlock; continue</a:t>
+            </a:r>
+            <a:endParaRPr lang="en-US" sz="1400">
+              <a:sym typeface="+mn-ea"/>
+            </a:endParaRPr>
+          </a:p>
+          <a:p>
+            <a:pPr lvl="1"/>
+            <a:r>
+              <a:rPr lang="en-US" sz="1400">
+                <a:sym typeface="+mn-ea"/>
+              </a:rPr>
+              <a:t>elseif dataready[sidx]==4 or 0</a:t>
+            </a:r>
+            <a:endParaRPr lang="en-US" sz="1400">
+              <a:sym typeface="+mn-ea"/>
+            </a:endParaRPr>
+          </a:p>
+          <a:p>
+            <a:pPr lvl="2"/>
+            <a:r>
+              <a:rPr lang="en-US" sz="1400">
+                <a:sym typeface="+mn-ea"/>
+              </a:rPr>
+              <a:t>unlock; continue</a:t>
+            </a:r>
+            <a:endParaRPr lang="en-US" sz="1400"/>
+          </a:p>
+          <a:p>
+            <a:pPr lvl="1"/>
+            <a:r>
+              <a:rPr lang="en-US" sz="1400">
+                <a:sym typeface="+mn-ea"/>
+              </a:rPr>
+              <a:t>//unlock(m[sidx)</a:t>
+            </a:r>
+            <a:endParaRPr lang="en-US" sz="1400"/>
+          </a:p>
+          <a:p>
+            <a:pPr lvl="1"/>
+            <a:r>
+              <a:rPr lang="en-US" sz="1400"/>
+              <a:t>wait(cv[sidx],dataready[sidx]==1 or 2)</a:t>
+            </a:r>
+            <a:endParaRPr lang="en-US" sz="1400"/>
+          </a:p>
+          <a:p>
+            <a:pPr lvl="1"/>
+            <a:r>
+              <a:rPr lang="en-US" sz="1400">
+                <a:sym typeface="+mn-ea"/>
+              </a:rPr>
+              <a:t>unlock(m[sidx)</a:t>
+            </a:r>
+            <a:endParaRPr lang="en-US" sz="1400"/>
+          </a:p>
+          <a:p>
+            <a:pPr lvl="1"/>
+            <a:r>
+              <a:rPr lang="en-US" sz="1400"/>
+              <a:t>gpu_set_sn;</a:t>
+            </a:r>
+            <a:endParaRPr lang="en-US" sz="1400"/>
+          </a:p>
+          <a:p>
+            <a:pPr lvl="1"/>
+            <a:r>
+              <a:rPr lang="en-US" sz="1400"/>
+              <a:t>gpu_set_params;</a:t>
+            </a:r>
+            <a:endParaRPr lang="en-US" sz="1400"/>
+          </a:p>
+          <a:p>
+            <a:pPr lvl="1"/>
+            <a:r>
+              <a:rPr lang="en-US" sz="1400"/>
+              <a:t>gpu_calc;</a:t>
+            </a:r>
+            <a:endParaRPr lang="en-US" sz="1400"/>
+          </a:p>
+          <a:p>
+            <a:pPr lvl="1"/>
+            <a:r>
+              <a:rPr lang="en-US" sz="1400"/>
+              <a:t>if(query_stream)</a:t>
+            </a:r>
+            <a:endParaRPr lang="en-US" sz="1400"/>
+          </a:p>
+          <a:p>
+            <a:pPr lvl="2"/>
+            <a:r>
+              <a:rPr lang="en-US" sz="1400">
+                <a:sym typeface="+mn-ea"/>
+              </a:rPr>
+              <a:t>dataready[sidx]=4</a:t>
+            </a:r>
+            <a:endParaRPr lang="en-US" sz="1400"/>
+          </a:p>
+          <a:p>
+            <a:pPr lvl="2"/>
+            <a:r>
+              <a:rPr lang="en-US" sz="1400">
+                <a:sym typeface="+mn-ea"/>
+              </a:rPr>
+              <a:t>notify_one(cv[sidx])</a:t>
+            </a:r>
+            <a:endParaRPr lang="en-US" sz="1400"/>
+          </a:p>
+          <a:p>
+            <a:pPr lvl="1"/>
+            <a:r>
+              <a:rPr lang="en-US" sz="1400"/>
+              <a:t>else dataready[sidx]=3</a:t>
+            </a:r>
+            <a:endParaRPr lang="en-US" sz="1400"/>
+          </a:p>
+          <a:p>
+            <a:pPr lvl="1"/>
+            <a:endParaRPr lang="en-US" sz="1400">
+              <a:sym typeface="+mn-ea"/>
+            </a:endParaRPr>
+          </a:p>
+        </p:txBody>
+      </p:sp>
+      <p:sp>
+        <p:nvSpPr>
+          <p:cNvPr id="4" name="Title 1"/>
+          <p:cNvSpPr>
+            <a:spLocks noGrp="1"/>
+          </p:cNvSpPr>
+          <p:nvPr/>
+        </p:nvSpPr>
+        <p:spPr>
+          <a:xfrm>
+            <a:off x="4775200" y="365125"/>
+            <a:ext cx="3920490" cy="1325880"/>
+          </a:xfrm>
+          <a:prstGeom prst="rect">
+            <a:avLst/>
+          </a:prstGeom>
+        </p:spPr>
+        <p:txBody>
+          <a:bodyPr vert="horz" lIns="91440" tIns="45720" rIns="91440" bIns="45720" rtlCol="0" anchor="ctr">
+            <a:normAutofit/>
+          </a:bodyPr>
+          <a:lstStyle>
+            <a:lvl1pPr algn="l" defTabSz="914400" rtl="0" eaLnBrk="1" latinLnBrk="0" hangingPunct="1">
+              <a:lnSpc>
+                <a:spcPct val="90000"/>
+              </a:lnSpc>
+              <a:spcBef>
+                <a:spcPct val="0"/>
+              </a:spcBef>
+              <a:buNone/>
+              <a:defRPr sz="4400" kern="1200">
+                <a:solidFill>
+                  <a:schemeClr val="tx1"/>
+                </a:solidFill>
+                <a:latin typeface="+mj-lt"/>
+                <a:ea typeface="+mj-ea"/>
+                <a:cs typeface="+mj-cs"/>
+              </a:defRPr>
+            </a:lvl1pPr>
+          </a:lstStyle>
+          <a:p>
+            <a:r>
+              <a:rPr lang="en-US"/>
+              <a:t>Net </a:t>
+            </a:r>
+            <a:r>
+              <a:rPr lang="en-US">
+                <a:sym typeface="+mn-ea"/>
+              </a:rPr>
+              <a:t>thread</a:t>
+            </a:r>
+            <a:endParaRPr lang="en-US"/>
+          </a:p>
+        </p:txBody>
+      </p:sp>
+      <p:sp>
+        <p:nvSpPr>
+          <p:cNvPr id="5" name="文本框 4"/>
+          <p:cNvSpPr txBox="1"/>
+          <p:nvPr/>
+        </p:nvSpPr>
+        <p:spPr>
+          <a:xfrm>
+            <a:off x="34925" y="1261110"/>
+            <a:ext cx="3103880" cy="368300"/>
+          </a:xfrm>
+          <a:prstGeom prst="rect">
+            <a:avLst/>
+          </a:prstGeom>
+          <a:noFill/>
+        </p:spPr>
+        <p:txBody>
+          <a:bodyPr wrap="square" rtlCol="0">
+            <a:spAutoFit/>
+          </a:bodyPr>
+          <a:p>
+            <a:r>
+              <a:rPr lang="en-US" altLang="zh-CN"/>
+              <a:t>while 1:</a:t>
+            </a:r>
+            <a:endParaRPr lang="en-US" altLang="zh-CN"/>
+          </a:p>
+        </p:txBody>
+      </p:sp>
+      <p:sp>
+        <p:nvSpPr>
+          <p:cNvPr id="6" name="文本框 5"/>
+          <p:cNvSpPr txBox="1"/>
+          <p:nvPr/>
+        </p:nvSpPr>
+        <p:spPr>
+          <a:xfrm>
+            <a:off x="34925" y="178435"/>
+            <a:ext cx="9044940" cy="368300"/>
+          </a:xfrm>
+          <a:prstGeom prst="rect">
+            <a:avLst/>
+          </a:prstGeom>
+          <a:noFill/>
+        </p:spPr>
+        <p:txBody>
+          <a:bodyPr wrap="square" rtlCol="0">
+            <a:spAutoFit/>
+          </a:bodyPr>
+          <a:p>
+            <a:r>
+              <a:rPr lang="en-US" altLang="zh-CN"/>
+              <a:t>mutex m[</a:t>
+            </a:r>
+            <a:r>
+              <a:rPr lang="en-US">
+                <a:sym typeface="+mn-ea"/>
+              </a:rPr>
+              <a:t>streamNum];condition_variable cv[streamNum];dataready[sidx]=0</a:t>
+            </a:r>
+            <a:endParaRPr lang="en-US">
+              <a:sym typeface="+mn-ea"/>
+            </a:endParaRPr>
+          </a:p>
+        </p:txBody>
+      </p:sp>
+      <p:sp>
+        <p:nvSpPr>
+          <p:cNvPr id="7" name="文本框 6"/>
+          <p:cNvSpPr txBox="1"/>
+          <p:nvPr/>
+        </p:nvSpPr>
+        <p:spPr>
+          <a:xfrm>
+            <a:off x="4197985" y="1428750"/>
+            <a:ext cx="4843780" cy="4030980"/>
+          </a:xfrm>
+          <a:prstGeom prst="rect">
+            <a:avLst/>
+          </a:prstGeom>
+          <a:noFill/>
+        </p:spPr>
+        <p:txBody>
+          <a:bodyPr wrap="square" rtlCol="0">
+            <a:spAutoFit/>
+          </a:bodyPr>
+          <a:p>
+            <a:r>
+              <a:rPr lang="en-US" altLang="zh-CN" sz="1600"/>
+              <a:t>while 1:</a:t>
+            </a:r>
+            <a:endParaRPr lang="en-US" altLang="zh-CN" sz="1600"/>
+          </a:p>
+          <a:p>
+            <a:r>
+              <a:rPr lang="en-US" altLang="zh-CN" sz="1600"/>
+              <a:t>	lock(m[sidx])</a:t>
+            </a:r>
+            <a:endParaRPr lang="en-US" altLang="zh-CN" sz="1600"/>
+          </a:p>
+          <a:p>
+            <a:pPr marL="0" lvl="1"/>
+            <a:r>
+              <a:rPr lang="en-US" altLang="zh-CN" sz="1600"/>
+              <a:t>	if </a:t>
+            </a:r>
+            <a:r>
+              <a:rPr lang="en-US" sz="1600">
+                <a:sym typeface="+mn-ea"/>
+              </a:rPr>
+              <a:t>dataready[sidx]==0</a:t>
+            </a:r>
+            <a:endParaRPr lang="en-US" sz="1600">
+              <a:sym typeface="+mn-ea"/>
+            </a:endParaRPr>
+          </a:p>
+          <a:p>
+            <a:pPr marL="0" lvl="1"/>
+            <a:r>
+              <a:rPr lang="en-US" sz="1600">
+                <a:sym typeface="+mn-ea"/>
+              </a:rPr>
+              <a:t>		recv p_n</a:t>
+            </a:r>
+            <a:endParaRPr lang="en-US" sz="1600">
+              <a:sym typeface="+mn-ea"/>
+            </a:endParaRPr>
+          </a:p>
+          <a:p>
+            <a:pPr marL="0" lvl="1"/>
+            <a:r>
+              <a:rPr lang="en-US" sz="1600">
+                <a:sym typeface="+mn-ea"/>
+              </a:rPr>
+              <a:t>		dataready[sidx]=1</a:t>
+            </a:r>
+            <a:endParaRPr lang="en-US" sz="1600">
+              <a:sym typeface="+mn-ea"/>
+            </a:endParaRPr>
+          </a:p>
+          <a:p>
+            <a:pPr marL="0" lvl="1"/>
+            <a:r>
+              <a:rPr lang="en-US" sz="1600">
+                <a:sym typeface="+mn-ea"/>
+              </a:rPr>
+              <a:t>		recv p_ga</a:t>
+            </a:r>
+            <a:endParaRPr lang="en-US" sz="1600">
+              <a:sym typeface="+mn-ea"/>
+            </a:endParaRPr>
+          </a:p>
+          <a:p>
+            <a:pPr marL="0" lvl="1"/>
+            <a:r>
+              <a:rPr lang="en-US" sz="1600">
+                <a:sym typeface="+mn-ea"/>
+              </a:rPr>
+              <a:t>		dataready[sidx]=2</a:t>
+            </a:r>
+            <a:endParaRPr lang="en-US" sz="1600">
+              <a:sym typeface="+mn-ea"/>
+            </a:endParaRPr>
+          </a:p>
+          <a:p>
+            <a:pPr marL="0" lvl="3"/>
+            <a:r>
+              <a:rPr lang="en-US" sz="1600">
+                <a:sym typeface="+mn-ea"/>
+              </a:rPr>
+              <a:t>		notify_one(cv[sidx])</a:t>
+            </a:r>
+            <a:endParaRPr lang="en-US" sz="1600">
+              <a:sym typeface="+mn-ea"/>
+            </a:endParaRPr>
+          </a:p>
+          <a:p>
+            <a:pPr marL="0" lvl="3"/>
+            <a:r>
+              <a:rPr lang="en-US" sz="1600">
+                <a:sym typeface="+mn-ea"/>
+              </a:rPr>
+              <a:t>	un</a:t>
+            </a:r>
+            <a:r>
+              <a:rPr lang="en-US" altLang="zh-CN" sz="1600">
+                <a:sym typeface="+mn-ea"/>
+              </a:rPr>
+              <a:t>lock(m[sidx])</a:t>
+            </a:r>
+            <a:endParaRPr lang="en-US" altLang="zh-CN" sz="1600">
+              <a:sym typeface="+mn-ea"/>
+            </a:endParaRPr>
+          </a:p>
+          <a:p>
+            <a:pPr marL="0" lvl="3"/>
+            <a:r>
+              <a:rPr lang="en-US" altLang="zh-CN" sz="1600">
+                <a:sym typeface="+mn-ea"/>
+              </a:rPr>
+              <a:t>	lock</a:t>
+            </a:r>
+            <a:endParaRPr lang="en-US" sz="1600">
+              <a:sym typeface="+mn-ea"/>
+            </a:endParaRPr>
+          </a:p>
+          <a:p>
+            <a:pPr marL="0" lvl="3"/>
+            <a:r>
+              <a:rPr lang="en-US" sz="1600">
+                <a:sym typeface="+mn-ea"/>
+              </a:rPr>
+              <a:t>	wait(cv[sidx],dataready[sidx]==4)</a:t>
+            </a:r>
+            <a:endParaRPr lang="en-US" sz="1600">
+              <a:sym typeface="+mn-ea"/>
+            </a:endParaRPr>
+          </a:p>
+          <a:p>
+            <a:pPr marL="0" lvl="3"/>
+            <a:r>
+              <a:rPr lang="en-US" sz="1600">
+                <a:sym typeface="+mn-ea"/>
+              </a:rPr>
+              <a:t>	send “r”+res</a:t>
+            </a:r>
+            <a:endParaRPr lang="en-US" sz="1600">
+              <a:sym typeface="+mn-ea"/>
+            </a:endParaRPr>
+          </a:p>
+          <a:p>
+            <a:pPr marL="0" lvl="3"/>
+            <a:r>
+              <a:rPr lang="en-US" sz="1600">
+                <a:sym typeface="+mn-ea"/>
+              </a:rPr>
+              <a:t>	dataready[sidx]=0</a:t>
+            </a:r>
+            <a:endParaRPr lang="en-US" sz="1600">
+              <a:sym typeface="+mn-ea"/>
+            </a:endParaRPr>
+          </a:p>
+          <a:p>
+            <a:pPr marL="0" lvl="3"/>
+            <a:r>
+              <a:rPr lang="en-US" sz="1600">
+                <a:sym typeface="+mn-ea"/>
+              </a:rPr>
+              <a:t>	un</a:t>
+            </a:r>
+            <a:r>
+              <a:rPr lang="en-US" altLang="zh-CN" sz="1600">
+                <a:sym typeface="+mn-ea"/>
+              </a:rPr>
+              <a:t>lock(m[sidx])</a:t>
+            </a:r>
+            <a:endParaRPr lang="en-US" sz="1600">
+              <a:sym typeface="+mn-ea"/>
+            </a:endParaRPr>
+          </a:p>
+          <a:p>
+            <a:pPr marL="0" lvl="1"/>
+            <a:endParaRPr lang="en-US" sz="1600">
+              <a:sym typeface="+mn-ea"/>
+            </a:endParaRPr>
+          </a:p>
+          <a:p>
+            <a:endParaRPr lang="en-US" altLang="zh-CN" sz="1600"/>
+          </a:p>
+        </p:txBody>
+      </p:sp>
+      <p:sp>
+        <p:nvSpPr>
+          <p:cNvPr id="8" name="文本框 7"/>
+          <p:cNvSpPr txBox="1"/>
+          <p:nvPr/>
+        </p:nvSpPr>
+        <p:spPr>
+          <a:xfrm>
+            <a:off x="4628515" y="5241290"/>
+            <a:ext cx="4239895" cy="1076325"/>
+          </a:xfrm>
+          <a:prstGeom prst="rect">
+            <a:avLst/>
+          </a:prstGeom>
+          <a:noFill/>
+        </p:spPr>
+        <p:txBody>
+          <a:bodyPr wrap="square" rtlCol="0">
+            <a:spAutoFit/>
+          </a:bodyPr>
+          <a:p>
+            <a:r>
+              <a:rPr lang="zh-CN" altLang="en-US" sz="3200"/>
+              <a:t>try_lock_for</a:t>
+            </a:r>
+            <a:r>
+              <a:rPr lang="en-US" altLang="zh-CN" sz="3200"/>
+              <a:t>,wait_for</a:t>
+            </a:r>
+            <a:endParaRPr lang="en-US" altLang="zh-CN" sz="3200"/>
+          </a:p>
+          <a:p>
+            <a:r>
+              <a:rPr lang="zh-CN" altLang="en-US" sz="3200"/>
+              <a:t>长任务应</a:t>
+            </a:r>
+            <a:r>
+              <a:rPr lang="en-US" altLang="zh-CN" sz="3200"/>
+              <a:t>unlock</a:t>
+            </a:r>
+            <a:endParaRPr lang="en-US" altLang="zh-CN" sz="3200"/>
           </a:p>
         </p:txBody>
       </p:sp>
@@ -5084,4 +6078,263 @@
     </a:ext>
   </a:extLst>
 </a:theme>
+</file>
+
+<file path=ppt/theme/theme3.xml><?xml version="1.0" encoding="utf-8"?>
+<a:theme xmlns:a="http://schemas.openxmlformats.org/drawingml/2006/main" name="Office 主题">
+  <a:themeElements>
+    <a:clrScheme name="Office">
+      <a:dk1>
+        <a:sysClr val="windowText" lastClr="000000"/>
+      </a:dk1>
+      <a:lt1>
+        <a:sysClr val="window" lastClr="FFFFFF"/>
+      </a:lt1>
+      <a:dk2>
+        <a:srgbClr val="44546A"/>
+      </a:dk2>
+      <a:lt2>
+        <a:srgbClr val="E7E6E6"/>
+      </a:lt2>
+      <a:accent1>
+        <a:srgbClr val="5B9BD5"/>
+      </a:accent1>
+      <a:accent2>
+        <a:srgbClr val="ED7D31"/>
+      </a:accent2>
+      <a:accent3>
+        <a:srgbClr val="A5A5A5"/>
+      </a:accent3>
+      <a:accent4>
+        <a:srgbClr val="FFC000"/>
+      </a:accent4>
+      <a:accent5>
+        <a:srgbClr val="4472C4"/>
+      </a:accent5>
+      <a:accent6>
+        <a:srgbClr val="70AD47"/>
+      </a:accent6>
+      <a:hlink>
+        <a:srgbClr val="0563C1"/>
+      </a:hlink>
+      <a:folHlink>
+        <a:srgbClr val="954F72"/>
+      </a:folHlink>
+    </a:clrScheme>
+    <a:fontScheme name="Office">
+      <a:majorFont>
+        <a:latin typeface="Calibri Light"/>
+        <a:ea typeface=""/>
+        <a:cs typeface=""/>
+        <a:font script="Jpan" typeface="ＭＳ Ｐゴシック"/>
+        <a:font script="Hang" typeface="맑은 고딕"/>
+        <a:font script="Hans" typeface="宋体"/>
+        <a:font script="Hant" typeface="新細明體"/>
+        <a:font script="Arab" typeface="Times New Roman"/>
+        <a:font script="Hebr" typeface="Times New Roman"/>
+        <a:font script="Thai" typeface="Angsana New"/>
+        <a:font script="Ethi" typeface="Nyala"/>
+        <a:font script="Beng" typeface="Vrinda"/>
+        <a:font script="Gujr" typeface="Shruti"/>
+        <a:font script="Khmr" typeface="MoolBoran"/>
+        <a:font script="Knda" typeface="Tunga"/>
+        <a:font script="Guru" typeface="Raavi"/>
+        <a:font script="Cans" typeface="Euphemia"/>
+        <a:font script="Cher" typeface="Plantagenet Cherokee"/>
+        <a:font script="Yiii" typeface="Microsoft Yi Baiti"/>
+        <a:font script="Tibt" typeface="Microsoft Himalaya"/>
+        <a:font script="Thaa" typeface="MV Boli"/>
+        <a:font script="Deva" typeface="Mangal"/>
+        <a:font script="Telu" typeface="Gautami"/>
+        <a:font script="Taml" typeface="Latha"/>
+        <a:font script="Syrc" typeface="Estrangelo Edessa"/>
+        <a:font script="Orya" typeface="Kalinga"/>
+        <a:font script="Mlym" typeface="Kartika"/>
+        <a:font script="Laoo" typeface="DokChampa"/>
+        <a:font script="Sinh" typeface="Iskoola Pota"/>
+        <a:font script="Mong" typeface="Mongolian Baiti"/>
+        <a:font script="Viet" typeface="Times New Roman"/>
+        <a:font script="Uigh" typeface="Microsoft Uighur"/>
+        <a:font script="Geor" typeface="Sylfaen"/>
+      </a:majorFont>
+      <a:minorFont>
+        <a:latin typeface="Calibri"/>
+        <a:ea typeface=""/>
+        <a:cs typeface=""/>
+        <a:font script="Jpan" typeface="ＭＳ Ｐゴシック"/>
+        <a:font script="Hang" typeface="맑은 고딕"/>
+        <a:font script="Hans" typeface="宋体"/>
+        <a:font script="Hant" typeface="新細明體"/>
+        <a:font script="Arab" typeface="Arial"/>
+        <a:font script="Hebr" typeface="Arial"/>
+        <a:font script="Thai" typeface="Cordia New"/>
+        <a:font script="Ethi" typeface="Nyala"/>
+        <a:font script="Beng" typeface="Vrinda"/>
+        <a:font script="Gujr" typeface="Shruti"/>
+        <a:font script="Khmr" typeface="DaunPenh"/>
+        <a:font script="Knda" typeface="Tunga"/>
+        <a:font script="Guru" typeface="Raavi"/>
+        <a:font script="Cans" typeface="Euphemia"/>
+        <a:font script="Cher" typeface="Plantagenet Cherokee"/>
+        <a:font script="Yiii" typeface="Microsoft Yi Baiti"/>
+        <a:font script="Tibt" typeface="Microsoft Himalaya"/>
+        <a:font script="Thaa" typeface="MV Boli"/>
+        <a:font script="Deva" typeface="Mangal"/>
+        <a:font script="Telu" typeface="Gautami"/>
+        <a:font script="Taml" typeface="Latha"/>
+        <a:font script="Syrc" typeface="Estrangelo Edessa"/>
+        <a:font script="Orya" typeface="Kalinga"/>
+        <a:font script="Mlym" typeface="Kartika"/>
+        <a:font script="Laoo" typeface="DokChampa"/>
+        <a:font script="Sinh" typeface="Iskoola Pota"/>
+        <a:font script="Mong" typeface="Mongolian Baiti"/>
+        <a:font script="Viet" typeface="Arial"/>
+        <a:font script="Uigh" typeface="Microsoft Uighur"/>
+        <a:font script="Geor" typeface="Sylfaen"/>
+      </a:minorFont>
+    </a:fontScheme>
+    <a:fmtScheme name="Office">
+      <a:fillStyleLst>
+        <a:solidFill>
+          <a:schemeClr val="phClr"/>
+        </a:solidFill>
+        <a:gradFill rotWithShape="1">
+          <a:gsLst>
+            <a:gs pos="0">
+              <a:schemeClr val="phClr">
+                <a:lumMod val="110000"/>
+                <a:satMod val="105000"/>
+                <a:tint val="67000"/>
+              </a:schemeClr>
+            </a:gs>
+            <a:gs pos="50000">
+              <a:schemeClr val="phClr">
+                <a:lumMod val="105000"/>
+                <a:satMod val="103000"/>
+                <a:tint val="73000"/>
+              </a:schemeClr>
+            </a:gs>
+            <a:gs pos="100000">
+              <a:schemeClr val="phClr">
+                <a:lumMod val="105000"/>
+                <a:satMod val="109000"/>
+                <a:tint val="81000"/>
+              </a:schemeClr>
+            </a:gs>
+          </a:gsLst>
+          <a:lin ang="5400000" scaled="0"/>
+        </a:gradFill>
+        <a:gradFill rotWithShape="1">
+          <a:gsLst>
+            <a:gs pos="0">
+              <a:schemeClr val="phClr">
+                <a:satMod val="103000"/>
+                <a:lumMod val="102000"/>
+                <a:tint val="94000"/>
+              </a:schemeClr>
+            </a:gs>
+            <a:gs pos="50000">
+              <a:schemeClr val="phClr">
+                <a:satMod val="110000"/>
+                <a:lumMod val="100000"/>
+                <a:shade val="100000"/>
+              </a:schemeClr>
+            </a:gs>
+            <a:gs pos="100000">
+              <a:schemeClr val="phClr">
+                <a:lumMod val="99000"/>
+                <a:satMod val="120000"/>
+                <a:shade val="78000"/>
+              </a:schemeClr>
+            </a:gs>
+          </a:gsLst>
+          <a:lin ang="5400000" scaled="0"/>
+        </a:gradFill>
+      </a:fillStyleLst>
+      <a:lnStyleLst>
+        <a:ln w="6350" cap="flat" cmpd="sng" algn="ctr">
+          <a:solidFill>
+            <a:schemeClr val="phClr"/>
+          </a:solidFill>
+          <a:prstDash val="solid"/>
+          <a:miter lim="800000"/>
+        </a:ln>
+        <a:ln w="12700" cap="flat" cmpd="sng" algn="ctr">
+          <a:solidFill>
+            <a:schemeClr val="phClr"/>
+          </a:solidFill>
+          <a:prstDash val="solid"/>
+          <a:miter lim="800000"/>
+        </a:ln>
+        <a:ln w="19050" cap="flat" cmpd="sng" algn="ctr">
+          <a:solidFill>
+            <a:schemeClr val="phClr"/>
+          </a:solidFill>
+          <a:prstDash val="solid"/>
+          <a:miter lim="800000"/>
+        </a:ln>
+      </a:lnStyleLst>
+      <a:effectStyleLst>
+        <a:effectStyle>
+          <a:effectLst/>
+        </a:effectStyle>
+        <a:effectStyle>
+          <a:effectLst/>
+        </a:effectStyle>
+        <a:effectStyle>
+          <a:effectLst>
+            <a:outerShdw blurRad="57150" dist="19050" dir="5400000" algn="ctr" rotWithShape="0">
+              <a:srgbClr val="000000">
+                <a:alpha val="63000"/>
+              </a:srgbClr>
+            </a:outerShdw>
+          </a:effectLst>
+        </a:effectStyle>
+      </a:effectStyleLst>
+      <a:bgFillStyleLst>
+        <a:solidFill>
+          <a:schemeClr val="phClr"/>
+        </a:solidFill>
+        <a:solidFill>
+          <a:schemeClr val="phClr">
+            <a:tint val="95000"/>
+            <a:satMod val="170000"/>
+          </a:schemeClr>
+        </a:solidFill>
+        <a:gradFill rotWithShape="1">
+          <a:gsLst>
+            <a:gs pos="0">
+              <a:schemeClr val="phClr">
+                <a:tint val="93000"/>
+                <a:satMod val="150000"/>
+                <a:shade val="98000"/>
+                <a:lumMod val="102000"/>
+              </a:schemeClr>
+            </a:gs>
+            <a:gs pos="50000">
+              <a:schemeClr val="phClr">
+                <a:tint val="98000"/>
+                <a:satMod val="130000"/>
+                <a:shade val="90000"/>
+                <a:lumMod val="103000"/>
+              </a:schemeClr>
+            </a:gs>
+            <a:gs pos="100000">
+              <a:schemeClr val="phClr">
+                <a:shade val="63000"/>
+                <a:satMod val="120000"/>
+              </a:schemeClr>
+            </a:gs>
+          </a:gsLst>
+          <a:lin ang="5400000" scaled="0"/>
+        </a:gradFill>
+      </a:bgFillStyleLst>
+    </a:fmtScheme>
+  </a:themeElements>
+  <a:extLst>
+    <a:ext uri="{05A4C25C-085E-4340-85A3-A5531E510DB2}">
+      <thm15:themeFamily xmlns:thm15="http://schemas.microsoft.com/office/thememl/2012/main" name="Office Theme" id="{62F939B6-93AF-4DB8-9C6B-D6C7DFDC589F}" vid="{4A3C46E8-61CC-4603-A589-7422A47A8E4A}"/>
+    </a:ext>
+  </a:extLst>
+</a:theme>
 </file>
--- a/doc/nanomsg.pptx
+++ b/doc/nanomsg.pptx
@@ -11,14 +11,15 @@
     <p:handoutMasterId r:id="rId9"/>
   </p:handoutMasterIdLst>
   <p:sldIdLst>
-    <p:sldId id="256" r:id="rId3"/>
-    <p:sldId id="257" r:id="rId4"/>
-    <p:sldId id="259" r:id="rId5"/>
-    <p:sldId id="258" r:id="rId6"/>
-    <p:sldId id="262" r:id="rId7"/>
+    <p:sldId id="256" r:id="rId2"/>
+    <p:sldId id="257" r:id="rId3"/>
+    <p:sldId id="259" r:id="rId4"/>
+    <p:sldId id="258" r:id="rId5"/>
+    <p:sldId id="262" r:id="rId6"/>
+    <p:sldId id="263" r:id="rId7"/>
   </p:sldIdLst>
   <p:sldSz cx="9144000" cy="6858000" type="screen4x3"/>
-  <p:notesSz cx="7103745" cy="10234295"/>
+  <p:notesSz cx="7104063" cy="10234613"/>
   <p:defaultTextStyle>
     <a:defPPr>
       <a:defRPr lang="en-US"/>
@@ -117,16 +118,23 @@
   <p:extLst>
     <p:ext uri="{521415D9-36F7-43E2-AB2F-B90AF26B5E84}">
       <p14:sectionLst xmlns:p14="http://schemas.microsoft.com/office/powerpoint/2010/main">
-        <p14:section name="Default Section" id="{74a5c922-6768-4810-8efc-c577ee5f1b5f}">
+        <p14:section name="Default Section" id="{74A5C922-6768-4810-8EFC-C577EE5F1B5F}">
           <p14:sldIdLst>
             <p14:sldId id="256"/>
             <p14:sldId id="257"/>
             <p14:sldId id="259"/>
             <p14:sldId id="258"/>
             <p14:sldId id="262"/>
+            <p14:sldId id="263"/>
           </p14:sldIdLst>
         </p14:section>
       </p14:sectionLst>
+    </p:ext>
+    <p:ext uri="{EFAFB233-063F-42B5-8137-9DF3F51BA10A}">
+      <p15:sldGuideLst xmlns:p15="http://schemas.microsoft.com/office/powerpoint/2012/main"/>
+    </p:ext>
+    <p:ext uri="{2D200454-40CA-4A62-9FC3-DE9A4176ACB9}">
+      <p15:notesGuideLst xmlns:p15="http://schemas.microsoft.com/office/powerpoint/2012/main"/>
     </p:ext>
   </p:extLst>
 </p:presentation>
@@ -214,6 +222,7 @@
           <a:p>
             <a:fld id="{0F9B84EA-7D68-4D60-9CB1-D50884785D1C}" type="datetimeFigureOut">
               <a:rPr lang="zh-CN" altLang="en-US" smtClean="0"/>
+              <a:t>2019/12/23</a:t>
             </a:fld>
             <a:endParaRPr lang="zh-CN" altLang="en-US"/>
           </a:p>
@@ -279,6 +288,7 @@
           <a:p>
             <a:fld id="{8D4E0FC9-F1F8-4FAE-9988-3BA365CFD46F}" type="slidenum">
               <a:rPr lang="zh-CN" altLang="en-US" smtClean="0"/>
+              <a:t>‹#›</a:t>
             </a:fld>
             <a:endParaRPr lang="zh-CN" altLang="en-US"/>
           </a:p>
@@ -372,6 +382,7 @@
           <a:p>
             <a:fld id="{D2A48B96-639E-45A3-A0BA-2464DFDB1FAA}" type="datetimeFigureOut">
               <a:rPr lang="zh-CN" altLang="en-US" smtClean="0"/>
+              <a:t>2019/12/23</a:t>
             </a:fld>
             <a:endParaRPr lang="zh-CN" altLang="en-US"/>
           </a:p>
@@ -438,7 +449,6 @@
               <a:rPr lang="zh-CN" altLang="en-US" smtClean="0"/>
               <a:t>单击此处编辑母版文本样式</a:t>
             </a:r>
-            <a:endParaRPr lang="zh-CN" altLang="en-US" smtClean="0"/>
           </a:p>
           <a:p>
             <a:pPr lvl="1"/>
@@ -446,7 +456,6 @@
               <a:rPr lang="zh-CN" altLang="en-US" smtClean="0"/>
               <a:t>第二级</a:t>
             </a:r>
-            <a:endParaRPr lang="zh-CN" altLang="en-US" smtClean="0"/>
           </a:p>
           <a:p>
             <a:pPr lvl="2"/>
@@ -454,7 +463,6 @@
               <a:rPr lang="zh-CN" altLang="en-US" smtClean="0"/>
               <a:t>第三级</a:t>
             </a:r>
-            <a:endParaRPr lang="zh-CN" altLang="en-US" smtClean="0"/>
           </a:p>
           <a:p>
             <a:pPr lvl="3"/>
@@ -462,7 +470,6 @@
               <a:rPr lang="zh-CN" altLang="en-US" smtClean="0"/>
               <a:t>第四级</a:t>
             </a:r>
-            <a:endParaRPr lang="zh-CN" altLang="en-US" smtClean="0"/>
           </a:p>
           <a:p>
             <a:pPr lvl="4"/>
@@ -534,6 +541,7 @@
           <a:p>
             <a:fld id="{A6837353-30EB-4A48-80EB-173D804AEFBD}" type="slidenum">
               <a:rPr lang="zh-CN" altLang="en-US" smtClean="0"/>
+              <a:t>‹#›</a:t>
             </a:fld>
             <a:endParaRPr lang="zh-CN" altLang="en-US"/>
           </a:p>
@@ -768,6 +776,7 @@
           <a:p>
             <a:fld id="{FDE934FF-F4E1-47C5-9CA5-30A81DDE2BE4}" type="datetimeFigureOut">
               <a:rPr lang="en-US" smtClean="0"/>
+              <a:t>12/23/2019</a:t>
             </a:fld>
             <a:endParaRPr lang="en-US"/>
           </a:p>
@@ -809,6 +818,7 @@
           <a:p>
             <a:fld id="{B3561BA9-CDCF-4958-B8AB-66F3BF063E13}" type="slidenum">
               <a:rPr lang="en-US" smtClean="0"/>
+              <a:t>‹#›</a:t>
             </a:fld>
             <a:endParaRPr lang="en-US"/>
           </a:p>
@@ -864,7 +874,6 @@
               <a:rPr lang="en-US" smtClean="0"/>
               <a:t>Click to edit Master text styles</a:t>
             </a:r>
-            <a:endParaRPr lang="en-US" smtClean="0"/>
           </a:p>
           <a:p>
             <a:pPr lvl="1"/>
@@ -872,7 +881,6 @@
               <a:rPr lang="en-US" smtClean="0"/>
               <a:t>Second level</a:t>
             </a:r>
-            <a:endParaRPr lang="en-US" smtClean="0"/>
           </a:p>
           <a:p>
             <a:pPr lvl="2"/>
@@ -880,7 +888,6 @@
               <a:rPr lang="en-US" smtClean="0"/>
               <a:t>Third level</a:t>
             </a:r>
-            <a:endParaRPr lang="en-US" smtClean="0"/>
           </a:p>
           <a:p>
             <a:pPr lvl="3"/>
@@ -888,7 +895,6 @@
               <a:rPr lang="en-US" smtClean="0"/>
               <a:t>Fourth level</a:t>
             </a:r>
-            <a:endParaRPr lang="en-US" smtClean="0"/>
           </a:p>
           <a:p>
             <a:pPr lvl="4"/>
@@ -917,6 +923,7 @@
           <a:p>
             <a:fld id="{FDE934FF-F4E1-47C5-9CA5-30A81DDE2BE4}" type="datetimeFigureOut">
               <a:rPr lang="en-US" smtClean="0"/>
+              <a:t>12/23/2019</a:t>
             </a:fld>
             <a:endParaRPr lang="en-US"/>
           </a:p>
@@ -958,6 +965,7 @@
           <a:p>
             <a:fld id="{B3561BA9-CDCF-4958-B8AB-66F3BF063E13}" type="slidenum">
               <a:rPr lang="en-US" smtClean="0"/>
+              <a:t>‹#›</a:t>
             </a:fld>
             <a:endParaRPr lang="en-US"/>
           </a:p>
@@ -1031,7 +1039,6 @@
               <a:rPr lang="en-US" smtClean="0"/>
               <a:t>Click to edit Master text styles</a:t>
             </a:r>
-            <a:endParaRPr lang="en-US" smtClean="0"/>
           </a:p>
           <a:p>
             <a:pPr lvl="1"/>
@@ -1039,7 +1046,6 @@
               <a:rPr lang="en-US" smtClean="0"/>
               <a:t>Second level</a:t>
             </a:r>
-            <a:endParaRPr lang="en-US" smtClean="0"/>
           </a:p>
           <a:p>
             <a:pPr lvl="2"/>
@@ -1047,7 +1053,6 @@
               <a:rPr lang="en-US" smtClean="0"/>
               <a:t>Third level</a:t>
             </a:r>
-            <a:endParaRPr lang="en-US" smtClean="0"/>
           </a:p>
           <a:p>
             <a:pPr lvl="3"/>
@@ -1055,7 +1060,6 @@
               <a:rPr lang="en-US" smtClean="0"/>
               <a:t>Fourth level</a:t>
             </a:r>
-            <a:endParaRPr lang="en-US" smtClean="0"/>
           </a:p>
           <a:p>
             <a:pPr lvl="4"/>
@@ -1084,6 +1088,7 @@
           <a:p>
             <a:fld id="{FDE934FF-F4E1-47C5-9CA5-30A81DDE2BE4}" type="datetimeFigureOut">
               <a:rPr lang="en-US" smtClean="0"/>
+              <a:t>12/23/2019</a:t>
             </a:fld>
             <a:endParaRPr lang="en-US"/>
           </a:p>
@@ -1125,6 +1130,7 @@
           <a:p>
             <a:fld id="{B3561BA9-CDCF-4958-B8AB-66F3BF063E13}" type="slidenum">
               <a:rPr lang="en-US" smtClean="0"/>
+              <a:t>‹#›</a:t>
             </a:fld>
             <a:endParaRPr lang="en-US"/>
           </a:p>
@@ -1303,7 +1309,6 @@
               <a:rPr lang="en-US" smtClean="0"/>
               <a:t>Click to edit Master text styles</a:t>
             </a:r>
-            <a:endParaRPr lang="en-US" smtClean="0"/>
           </a:p>
         </p:txBody>
       </p:sp>
@@ -1324,6 +1329,7 @@
           <a:p>
             <a:fld id="{FDE934FF-F4E1-47C5-9CA5-30A81DDE2BE4}" type="datetimeFigureOut">
               <a:rPr lang="en-US" smtClean="0"/>
+              <a:t>12/23/2019</a:t>
             </a:fld>
             <a:endParaRPr lang="en-US"/>
           </a:p>
@@ -1365,6 +1371,7 @@
           <a:p>
             <a:fld id="{B3561BA9-CDCF-4958-B8AB-66F3BF063E13}" type="slidenum">
               <a:rPr lang="en-US" smtClean="0"/>
+              <a:t>‹#›</a:t>
             </a:fld>
             <a:endParaRPr lang="en-US"/>
           </a:p>
@@ -1443,7 +1450,6 @@
               <a:rPr lang="en-US" smtClean="0"/>
               <a:t>Click to edit Master text styles</a:t>
             </a:r>
-            <a:endParaRPr lang="en-US" smtClean="0"/>
           </a:p>
           <a:p>
             <a:pPr lvl="1"/>
@@ -1451,7 +1457,6 @@
               <a:rPr lang="en-US" smtClean="0"/>
               <a:t>Second level</a:t>
             </a:r>
-            <a:endParaRPr lang="en-US" smtClean="0"/>
           </a:p>
           <a:p>
             <a:pPr lvl="2"/>
@@ -1459,7 +1464,6 @@
               <a:rPr lang="en-US" smtClean="0"/>
               <a:t>Third level</a:t>
             </a:r>
-            <a:endParaRPr lang="en-US" smtClean="0"/>
           </a:p>
           <a:p>
             <a:pPr lvl="3"/>
@@ -1467,7 +1471,6 @@
               <a:rPr lang="en-US" smtClean="0"/>
               <a:t>Fourth level</a:t>
             </a:r>
-            <a:endParaRPr lang="en-US" smtClean="0"/>
           </a:p>
           <a:p>
             <a:pPr lvl="4"/>
@@ -1504,7 +1507,6 @@
               <a:rPr lang="en-US" smtClean="0"/>
               <a:t>Click to edit Master text styles</a:t>
             </a:r>
-            <a:endParaRPr lang="en-US" smtClean="0"/>
           </a:p>
           <a:p>
             <a:pPr lvl="1"/>
@@ -1512,7 +1514,6 @@
               <a:rPr lang="en-US" smtClean="0"/>
               <a:t>Second level</a:t>
             </a:r>
-            <a:endParaRPr lang="en-US" smtClean="0"/>
           </a:p>
           <a:p>
             <a:pPr lvl="2"/>
@@ -1520,7 +1521,6 @@
               <a:rPr lang="en-US" smtClean="0"/>
               <a:t>Third level</a:t>
             </a:r>
-            <a:endParaRPr lang="en-US" smtClean="0"/>
           </a:p>
           <a:p>
             <a:pPr lvl="3"/>
@@ -1528,7 +1528,6 @@
               <a:rPr lang="en-US" smtClean="0"/>
               <a:t>Fourth level</a:t>
             </a:r>
-            <a:endParaRPr lang="en-US" smtClean="0"/>
           </a:p>
           <a:p>
             <a:pPr lvl="4"/>
@@ -1557,6 +1556,7 @@
           <a:p>
             <a:fld id="{FDE934FF-F4E1-47C5-9CA5-30A81DDE2BE4}" type="datetimeFigureOut">
               <a:rPr lang="en-US" smtClean="0"/>
+              <a:t>12/23/2019</a:t>
             </a:fld>
             <a:endParaRPr lang="en-US"/>
           </a:p>
@@ -1598,6 +1598,7 @@
           <a:p>
             <a:fld id="{B3561BA9-CDCF-4958-B8AB-66F3BF063E13}" type="slidenum">
               <a:rPr lang="en-US" smtClean="0"/>
+              <a:t>‹#›</a:t>
             </a:fld>
             <a:endParaRPr lang="en-US"/>
           </a:p>
@@ -1718,7 +1719,6 @@
               <a:rPr lang="en-US" smtClean="0"/>
               <a:t>Click to edit Master text styles</a:t>
             </a:r>
-            <a:endParaRPr lang="en-US" smtClean="0"/>
           </a:p>
         </p:txBody>
       </p:sp>
@@ -1747,7 +1747,6 @@
               <a:rPr lang="en-US" smtClean="0"/>
               <a:t>Click to edit Master text styles</a:t>
             </a:r>
-            <a:endParaRPr lang="en-US" smtClean="0"/>
           </a:p>
           <a:p>
             <a:pPr lvl="1"/>
@@ -1755,7 +1754,6 @@
               <a:rPr lang="en-US" smtClean="0"/>
               <a:t>Second level</a:t>
             </a:r>
-            <a:endParaRPr lang="en-US" smtClean="0"/>
           </a:p>
           <a:p>
             <a:pPr lvl="2"/>
@@ -1763,7 +1761,6 @@
               <a:rPr lang="en-US" smtClean="0"/>
               <a:t>Third level</a:t>
             </a:r>
-            <a:endParaRPr lang="en-US" smtClean="0"/>
           </a:p>
           <a:p>
             <a:pPr lvl="3"/>
@@ -1771,7 +1768,6 @@
               <a:rPr lang="en-US" smtClean="0"/>
               <a:t>Fourth level</a:t>
             </a:r>
-            <a:endParaRPr lang="en-US" smtClean="0"/>
           </a:p>
           <a:p>
             <a:pPr lvl="4"/>
@@ -1845,7 +1841,6 @@
               <a:rPr lang="en-US" smtClean="0"/>
               <a:t>Click to edit Master text styles</a:t>
             </a:r>
-            <a:endParaRPr lang="en-US" smtClean="0"/>
           </a:p>
         </p:txBody>
       </p:sp>
@@ -1874,7 +1869,6 @@
               <a:rPr lang="en-US" smtClean="0"/>
               <a:t>Click to edit Master text styles</a:t>
             </a:r>
-            <a:endParaRPr lang="en-US" smtClean="0"/>
           </a:p>
           <a:p>
             <a:pPr lvl="1"/>
@@ -1882,7 +1876,6 @@
               <a:rPr lang="en-US" smtClean="0"/>
               <a:t>Second level</a:t>
             </a:r>
-            <a:endParaRPr lang="en-US" smtClean="0"/>
           </a:p>
           <a:p>
             <a:pPr lvl="2"/>
@@ -1890,7 +1883,6 @@
               <a:rPr lang="en-US" smtClean="0"/>
               <a:t>Third level</a:t>
             </a:r>
-            <a:endParaRPr lang="en-US" smtClean="0"/>
           </a:p>
           <a:p>
             <a:pPr lvl="3"/>
@@ -1898,7 +1890,6 @@
               <a:rPr lang="en-US" smtClean="0"/>
               <a:t>Fourth level</a:t>
             </a:r>
-            <a:endParaRPr lang="en-US" smtClean="0"/>
           </a:p>
           <a:p>
             <a:pPr lvl="4"/>
@@ -1927,6 +1918,7 @@
           <a:p>
             <a:fld id="{FDE934FF-F4E1-47C5-9CA5-30A81DDE2BE4}" type="datetimeFigureOut">
               <a:rPr lang="en-US" smtClean="0"/>
+              <a:t>12/23/2019</a:t>
             </a:fld>
             <a:endParaRPr lang="en-US"/>
           </a:p>
@@ -1968,6 +1960,7 @@
           <a:p>
             <a:fld id="{B3561BA9-CDCF-4958-B8AB-66F3BF063E13}" type="slidenum">
               <a:rPr lang="en-US" smtClean="0"/>
+              <a:t>‹#›</a:t>
             </a:fld>
             <a:endParaRPr lang="en-US"/>
           </a:p>
@@ -2038,6 +2031,7 @@
           <a:p>
             <a:fld id="{FDE934FF-F4E1-47C5-9CA5-30A81DDE2BE4}" type="datetimeFigureOut">
               <a:rPr lang="en-US" smtClean="0"/>
+              <a:t>12/23/2019</a:t>
             </a:fld>
             <a:endParaRPr lang="en-US"/>
           </a:p>
@@ -2079,6 +2073,7 @@
           <a:p>
             <a:fld id="{B3561BA9-CDCF-4958-B8AB-66F3BF063E13}" type="slidenum">
               <a:rPr lang="en-US" smtClean="0"/>
+              <a:t>‹#›</a:t>
             </a:fld>
             <a:endParaRPr lang="en-US"/>
           </a:p>
@@ -2126,6 +2121,7 @@
           <a:p>
             <a:fld id="{FDE934FF-F4E1-47C5-9CA5-30A81DDE2BE4}" type="datetimeFigureOut">
               <a:rPr lang="en-US" smtClean="0"/>
+              <a:t>12/23/2019</a:t>
             </a:fld>
             <a:endParaRPr lang="en-US"/>
           </a:p>
@@ -2167,6 +2163,7 @@
           <a:p>
             <a:fld id="{B3561BA9-CDCF-4958-B8AB-66F3BF063E13}" type="slidenum">
               <a:rPr lang="en-US" smtClean="0"/>
+              <a:t>‹#›</a:t>
             </a:fld>
             <a:endParaRPr lang="en-US"/>
           </a:p>
@@ -2352,7 +2349,6 @@
               <a:rPr lang="en-US" smtClean="0"/>
               <a:t>Click to edit Master text styles</a:t>
             </a:r>
-            <a:endParaRPr lang="en-US" smtClean="0"/>
           </a:p>
         </p:txBody>
       </p:sp>
@@ -2373,6 +2369,7 @@
           <a:p>
             <a:fld id="{FDE934FF-F4E1-47C5-9CA5-30A81DDE2BE4}" type="datetimeFigureOut">
               <a:rPr lang="en-US" smtClean="0"/>
+              <a:t>12/23/2019</a:t>
             </a:fld>
             <a:endParaRPr lang="en-US"/>
           </a:p>
@@ -2414,6 +2411,7 @@
           <a:p>
             <a:fld id="{B3561BA9-CDCF-4958-B8AB-66F3BF063E13}" type="slidenum">
               <a:rPr lang="en-US" smtClean="0"/>
+              <a:t>‹#›</a:t>
             </a:fld>
             <a:endParaRPr lang="en-US"/>
           </a:p>
@@ -2504,7 +2502,6 @@
               <a:rPr lang="en-US" smtClean="0"/>
               <a:t>Click to edit Master text styles</a:t>
             </a:r>
-            <a:endParaRPr lang="en-US" smtClean="0"/>
           </a:p>
           <a:p>
             <a:pPr lvl="1"/>
@@ -2512,7 +2509,6 @@
               <a:rPr lang="en-US" smtClean="0"/>
               <a:t>Second level</a:t>
             </a:r>
-            <a:endParaRPr lang="en-US" smtClean="0"/>
           </a:p>
           <a:p>
             <a:pPr lvl="2"/>
@@ -2520,7 +2516,6 @@
               <a:rPr lang="en-US" smtClean="0"/>
               <a:t>Third level</a:t>
             </a:r>
-            <a:endParaRPr lang="en-US" smtClean="0"/>
           </a:p>
           <a:p>
             <a:pPr lvl="3"/>
@@ -2528,7 +2523,6 @@
               <a:rPr lang="en-US" smtClean="0"/>
               <a:t>Fourth level</a:t>
             </a:r>
-            <a:endParaRPr lang="en-US" smtClean="0"/>
           </a:p>
           <a:p>
             <a:pPr lvl="4"/>
@@ -2557,6 +2551,7 @@
           <a:p>
             <a:fld id="{FDE934FF-F4E1-47C5-9CA5-30A81DDE2BE4}" type="datetimeFigureOut">
               <a:rPr lang="en-US" smtClean="0"/>
+              <a:t>12/23/2019</a:t>
             </a:fld>
             <a:endParaRPr lang="en-US"/>
           </a:p>
@@ -2598,6 +2593,7 @@
           <a:p>
             <a:fld id="{B3561BA9-CDCF-4958-B8AB-66F3BF063E13}" type="slidenum">
               <a:rPr lang="en-US" smtClean="0"/>
+              <a:t>‹#›</a:t>
             </a:fld>
             <a:endParaRPr lang="en-US"/>
           </a:p>
@@ -2696,7 +2692,6 @@
               <a:rPr lang="en-US" smtClean="0"/>
               <a:t>Click to edit Master text styles</a:t>
             </a:r>
-            <a:endParaRPr lang="en-US" smtClean="0"/>
           </a:p>
           <a:p>
             <a:pPr lvl="1"/>
@@ -2704,7 +2699,6 @@
               <a:rPr lang="en-US" smtClean="0"/>
               <a:t>Second level</a:t>
             </a:r>
-            <a:endParaRPr lang="en-US" smtClean="0"/>
           </a:p>
           <a:p>
             <a:pPr lvl="2"/>
@@ -2712,7 +2706,6 @@
               <a:rPr lang="en-US" smtClean="0"/>
               <a:t>Third level</a:t>
             </a:r>
-            <a:endParaRPr lang="en-US" smtClean="0"/>
           </a:p>
           <a:p>
             <a:pPr lvl="3"/>
@@ -2720,7 +2713,6 @@
               <a:rPr lang="en-US" smtClean="0"/>
               <a:t>Fourth level</a:t>
             </a:r>
-            <a:endParaRPr lang="en-US" smtClean="0"/>
           </a:p>
           <a:p>
             <a:pPr lvl="4"/>
@@ -2767,6 +2759,7 @@
           <a:p>
             <a:fld id="{FDE934FF-F4E1-47C5-9CA5-30A81DDE2BE4}" type="datetimeFigureOut">
               <a:rPr lang="en-US" smtClean="0"/>
+              <a:t>12/23/2019</a:t>
             </a:fld>
             <a:endParaRPr lang="en-US"/>
           </a:p>
@@ -2844,6 +2837,7 @@
           <a:p>
             <a:fld id="{B3561BA9-CDCF-4958-B8AB-66F3BF063E13}" type="slidenum">
               <a:rPr lang="en-US" smtClean="0"/>
+              <a:t>‹#›</a:t>
             </a:fld>
             <a:endParaRPr lang="en-US"/>
           </a:p>
@@ -2892,7 +2886,7 @@
         <a:spcBef>
           <a:spcPts val="1000"/>
         </a:spcBef>
-        <a:buFont typeface="Arial" panose="020B0604020202020204" pitchFamily="34" charset="0"/>
+        <a:buFont typeface="Arial" panose="02080604020202020204" pitchFamily="34" charset="0"/>
         <a:buChar char="•"/>
         <a:defRPr sz="2800" kern="1200">
           <a:solidFill>
@@ -2910,7 +2904,7 @@
         <a:spcBef>
           <a:spcPts val="500"/>
         </a:spcBef>
-        <a:buFont typeface="Arial" panose="020B0604020202020204" pitchFamily="34" charset="0"/>
+        <a:buFont typeface="Arial" panose="02080604020202020204" pitchFamily="34" charset="0"/>
         <a:buChar char="•"/>
         <a:defRPr sz="2400" kern="1200">
           <a:solidFill>
@@ -2928,7 +2922,7 @@
         <a:spcBef>
           <a:spcPts val="500"/>
         </a:spcBef>
-        <a:buFont typeface="Arial" panose="020B0604020202020204" pitchFamily="34" charset="0"/>
+        <a:buFont typeface="Arial" panose="02080604020202020204" pitchFamily="34" charset="0"/>
         <a:buChar char="•"/>
         <a:defRPr sz="2000" kern="1200">
           <a:solidFill>
@@ -2946,7 +2940,7 @@
         <a:spcBef>
           <a:spcPts val="500"/>
         </a:spcBef>
-        <a:buFont typeface="Arial" panose="020B0604020202020204" pitchFamily="34" charset="0"/>
+        <a:buFont typeface="Arial" panose="02080604020202020204" pitchFamily="34" charset="0"/>
         <a:buChar char="•"/>
         <a:defRPr sz="1800" kern="1200">
           <a:solidFill>
@@ -2964,7 +2958,7 @@
         <a:spcBef>
           <a:spcPts val="500"/>
         </a:spcBef>
-        <a:buFont typeface="Arial" panose="020B0604020202020204" pitchFamily="34" charset="0"/>
+        <a:buFont typeface="Arial" panose="02080604020202020204" pitchFamily="34" charset="0"/>
         <a:buChar char="•"/>
         <a:defRPr sz="1800" kern="1200">
           <a:solidFill>
@@ -2982,7 +2976,7 @@
         <a:spcBef>
           <a:spcPts val="500"/>
         </a:spcBef>
-        <a:buFont typeface="Arial" panose="020B0604020202020204" pitchFamily="34" charset="0"/>
+        <a:buFont typeface="Arial" panose="02080604020202020204" pitchFamily="34" charset="0"/>
         <a:buChar char="•"/>
         <a:defRPr sz="1800" kern="1200">
           <a:solidFill>
@@ -3000,7 +2994,7 @@
         <a:spcBef>
           <a:spcPts val="500"/>
         </a:spcBef>
-        <a:buFont typeface="Arial" panose="020B0604020202020204" pitchFamily="34" charset="0"/>
+        <a:buFont typeface="Arial" panose="02080604020202020204" pitchFamily="34" charset="0"/>
         <a:buChar char="•"/>
         <a:defRPr sz="1800" kern="1200">
           <a:solidFill>
@@ -3018,7 +3012,7 @@
         <a:spcBef>
           <a:spcPts val="500"/>
         </a:spcBef>
-        <a:buFont typeface="Arial" panose="020B0604020202020204" pitchFamily="34" charset="0"/>
+        <a:buFont typeface="Arial" panose="02080604020202020204" pitchFamily="34" charset="0"/>
         <a:buChar char="•"/>
         <a:defRPr sz="1800" kern="1200">
           <a:solidFill>
@@ -3036,7 +3030,7 @@
         <a:spcBef>
           <a:spcPts val="500"/>
         </a:spcBef>
-        <a:buFont typeface="Arial" panose="020B0604020202020204" pitchFamily="34" charset="0"/>
+        <a:buFont typeface="Arial" panose="02080604020202020204" pitchFamily="34" charset="0"/>
         <a:buChar char="•"/>
         <a:defRPr sz="1800" kern="1200">
           <a:solidFill>
@@ -3156,7 +3150,14 @@
         <p:cNvGrpSpPr/>
         <p:nvPr/>
       </p:nvGrpSpPr>
-      <p:grpSpPr/>
+      <p:grpSpPr>
+        <a:xfrm>
+          <a:off x="0" y="0"/>
+          <a:ext cx="0" cy="0"/>
+          <a:chOff x="0" y="0"/>
+          <a:chExt cx="0" cy="0"/>
+        </a:xfrm>
+      </p:grpSpPr>
       <p:sp>
         <p:nvSpPr>
           <p:cNvPr id="2" name="Title 1"/>
@@ -3169,35 +3170,43 @@
         </p:nvSpPr>
         <p:spPr/>
         <p:txBody>
+          <a:bodyPr>
+            <a:normAutofit/>
+          </a:bodyPr>
+          <a:lstStyle/>
+          <a:p>
+            <a:r>
+              <a:rPr lang="en-US">
+                <a:sym typeface="+mn-ea"/>
+              </a:rPr>
+              <a:t>Thread &amp; Processes P</a:t>
+            </a:r>
+            <a:r>
+              <a:rPr lang="en-US"/>
+              <a:t>rotocol</a:t>
+            </a:r>
+          </a:p>
+        </p:txBody>
+      </p:sp>
+      <p:sp>
+        <p:nvSpPr>
+          <p:cNvPr id="3" name="Subtitle 2"/>
+          <p:cNvSpPr>
+            <a:spLocks noGrp="1"/>
+          </p:cNvSpPr>
+          <p:nvPr>
+            <p:ph type="subTitle" idx="1"/>
+          </p:nvPr>
+        </p:nvSpPr>
+        <p:spPr/>
+        <p:txBody>
           <a:bodyPr/>
-          <a:p>
-            <a:r>
-              <a:rPr lang="en-US"/>
-              <a:t>nanomsg protocol</a:t>
-            </a:r>
-            <a:endParaRPr lang="en-US"/>
-          </a:p>
-        </p:txBody>
-      </p:sp>
-      <p:sp>
-        <p:nvSpPr>
-          <p:cNvPr id="3" name="Subtitle 2"/>
-          <p:cNvSpPr>
-            <a:spLocks noGrp="1"/>
-          </p:cNvSpPr>
-          <p:nvPr>
-            <p:ph type="subTitle" idx="1"/>
-          </p:nvPr>
-        </p:nvSpPr>
-        <p:spPr/>
-        <p:txBody>
-          <a:bodyPr/>
+          <a:lstStyle/>
           <a:p>
             <a:r>
               <a:rPr lang="en-US"/>
               <a:t>Kan Liu</a:t>
             </a:r>
-            <a:endParaRPr lang="en-US"/>
           </a:p>
         </p:txBody>
       </p:sp>
@@ -3218,7 +3227,14 @@
         <p:cNvGrpSpPr/>
         <p:nvPr/>
       </p:nvGrpSpPr>
-      <p:grpSpPr/>
+      <p:grpSpPr>
+        <a:xfrm>
+          <a:off x="0" y="0"/>
+          <a:ext cx="0" cy="0"/>
+          <a:chOff x="0" y="0"/>
+          <a:chExt cx="0" cy="0"/>
+        </a:xfrm>
+      </p:grpSpPr>
       <p:sp>
         <p:nvSpPr>
           <p:cNvPr id="2" name="Title 1"/>
@@ -3239,12 +3255,12 @@
           <a:bodyPr>
             <a:normAutofit fontScale="90000"/>
           </a:bodyPr>
+          <a:lstStyle/>
           <a:p>
             <a:r>
               <a:rPr lang="en-US"/>
               <a:t>Network thread to params server</a:t>
             </a:r>
-            <a:endParaRPr lang="en-US"/>
           </a:p>
         </p:txBody>
       </p:sp>
@@ -3266,14 +3282,14 @@
         </p:spPr>
         <p:txBody>
           <a:bodyPr>
-            <a:normAutofit fontScale="60000"/>
+            <a:normAutofit fontScale="82500" lnSpcReduction="10000"/>
           </a:bodyPr>
+          <a:lstStyle/>
           <a:p>
             <a:r>
               <a:rPr lang="en-US"/>
               <a:t>send “c”+p_cap , recv p_n /*n states*/                                     A</a:t>
             </a:r>
-            <a:endParaRPr lang="en-US"/>
           </a:p>
           <a:p>
             <a:r>
@@ -3286,16 +3302,12 @@
               </a:rPr>
               <a:t>/*params set*/                       B</a:t>
             </a:r>
-            <a:endParaRPr lang="en-US">
-              <a:sym typeface="+mn-ea"/>
-            </a:endParaRPr>
           </a:p>
           <a:p>
             <a:r>
               <a:rPr lang="en-US"/>
               <a:t>send “r”+res, recv “ok”                                                            C</a:t>
             </a:r>
-            <a:endParaRPr lang="en-US"/>
           </a:p>
           <a:p>
             <a:endParaRPr lang="en-US"/>
@@ -3358,18 +3370,6 @@
               </a:rPr>
               <a:t>Network thread to gpu server</a:t>
             </a:r>
-            <a:endParaRPr lang="en-US" sz="3300">
-              <a:solidFill>
-                <a:schemeClr val="accent1"/>
-              </a:solidFill>
-              <a:effectLst>
-                <a:outerShdw blurRad="38100" dist="25400" dir="5400000" algn="ctr" rotWithShape="0">
-                  <a:srgbClr val="6E747A">
-                    <a:alpha val="43000"/>
-                  </a:srgbClr>
-                </a:outerShdw>
-              </a:effectLst>
-            </a:endParaRPr>
           </a:p>
         </p:txBody>
       </p:sp>
@@ -3392,7 +3392,7 @@
         </p:spPr>
         <p:txBody>
           <a:bodyPr vert="horz" lIns="68580" tIns="34290" rIns="68580" bIns="34290" rtlCol="0">
-            <a:normAutofit fontScale="90000"/>
+            <a:normAutofit fontScale="97500" lnSpcReduction="10000"/>
           </a:bodyPr>
           <a:lstStyle>
             <a:lvl1pPr marL="228600" indent="-228600" algn="l" defTabSz="914400" rtl="0" eaLnBrk="1" latinLnBrk="0" hangingPunct="1">
@@ -3402,7 +3402,7 @@
               <a:spcBef>
                 <a:spcPts val="1000"/>
               </a:spcBef>
-              <a:buFont typeface="Arial" panose="020B0604020202020204" pitchFamily="34" charset="0"/>
+              <a:buFont typeface="Arial" panose="02080604020202020204" pitchFamily="34" charset="0"/>
               <a:buChar char="•"/>
               <a:defRPr sz="2800" kern="1200">
                 <a:solidFill>
@@ -3420,7 +3420,7 @@
               <a:spcBef>
                 <a:spcPts val="500"/>
               </a:spcBef>
-              <a:buFont typeface="Arial" panose="020B0604020202020204" pitchFamily="34" charset="0"/>
+              <a:buFont typeface="Arial" panose="02080604020202020204" pitchFamily="34" charset="0"/>
               <a:buChar char="•"/>
               <a:defRPr sz="2400" kern="1200">
                 <a:solidFill>
@@ -3438,7 +3438,7 @@
               <a:spcBef>
                 <a:spcPts val="500"/>
               </a:spcBef>
-              <a:buFont typeface="Arial" panose="020B0604020202020204" pitchFamily="34" charset="0"/>
+              <a:buFont typeface="Arial" panose="02080604020202020204" pitchFamily="34" charset="0"/>
               <a:buChar char="•"/>
               <a:defRPr sz="2000" kern="1200">
                 <a:solidFill>
@@ -3456,7 +3456,7 @@
               <a:spcBef>
                 <a:spcPts val="500"/>
               </a:spcBef>
-              <a:buFont typeface="Arial" panose="020B0604020202020204" pitchFamily="34" charset="0"/>
+              <a:buFont typeface="Arial" panose="02080604020202020204" pitchFamily="34" charset="0"/>
               <a:buChar char="•"/>
               <a:defRPr sz="1800" kern="1200">
                 <a:solidFill>
@@ -3474,7 +3474,7 @@
               <a:spcBef>
                 <a:spcPts val="500"/>
               </a:spcBef>
-              <a:buFont typeface="Arial" panose="020B0604020202020204" pitchFamily="34" charset="0"/>
+              <a:buFont typeface="Arial" panose="02080604020202020204" pitchFamily="34" charset="0"/>
               <a:buChar char="•"/>
               <a:defRPr sz="1800" kern="1200">
                 <a:solidFill>
@@ -3492,7 +3492,7 @@
               <a:spcBef>
                 <a:spcPts val="500"/>
               </a:spcBef>
-              <a:buFont typeface="Arial" panose="020B0604020202020204" pitchFamily="34" charset="0"/>
+              <a:buFont typeface="Arial" panose="02080604020202020204" pitchFamily="34" charset="0"/>
               <a:buChar char="•"/>
               <a:defRPr sz="1800" kern="1200">
                 <a:solidFill>
@@ -3510,7 +3510,7 @@
               <a:spcBef>
                 <a:spcPts val="500"/>
               </a:spcBef>
-              <a:buFont typeface="Arial" panose="020B0604020202020204" pitchFamily="34" charset="0"/>
+              <a:buFont typeface="Arial" panose="02080604020202020204" pitchFamily="34" charset="0"/>
               <a:buChar char="•"/>
               <a:defRPr sz="1800" kern="1200">
                 <a:solidFill>
@@ -3528,7 +3528,7 @@
               <a:spcBef>
                 <a:spcPts val="500"/>
               </a:spcBef>
-              <a:buFont typeface="Arial" panose="020B0604020202020204" pitchFamily="34" charset="0"/>
+              <a:buFont typeface="Arial" panose="02080604020202020204" pitchFamily="34" charset="0"/>
               <a:buChar char="•"/>
               <a:defRPr sz="1800" kern="1200">
                 <a:solidFill>
@@ -3546,7 +3546,7 @@
               <a:spcBef>
                 <a:spcPts val="500"/>
               </a:spcBef>
-              <a:buFont typeface="Arial" panose="020B0604020202020204" pitchFamily="34" charset="0"/>
+              <a:buFont typeface="Arial" panose="02080604020202020204" pitchFamily="34" charset="0"/>
               <a:buChar char="•"/>
               <a:defRPr sz="1800" kern="1200">
                 <a:solidFill>
@@ -3605,18 +3605,6 @@
               </a:rPr>
               <a:t> , recv sid /*n states*/                           After A</a:t>
             </a:r>
-            <a:endParaRPr lang="en-US" sz="2100">
-              <a:solidFill>
-                <a:schemeClr val="accent1"/>
-              </a:solidFill>
-              <a:effectLst>
-                <a:outerShdw blurRad="38100" dist="25400" dir="5400000" algn="ctr" rotWithShape="0">
-                  <a:srgbClr val="6E747A">
-                    <a:alpha val="43000"/>
-                  </a:srgbClr>
-                </a:outerShdw>
-              </a:effectLst>
-            </a:endParaRPr>
           </a:p>
           <a:p>
             <a:r>
@@ -3712,19 +3700,6 @@
               </a:rPr>
               <a:t>/*params set*/          After B</a:t>
             </a:r>
-            <a:endParaRPr lang="en-US" sz="2100">
-              <a:solidFill>
-                <a:schemeClr val="accent1"/>
-              </a:solidFill>
-              <a:effectLst>
-                <a:outerShdw blurRad="38100" dist="25400" dir="5400000" algn="ctr" rotWithShape="0">
-                  <a:srgbClr val="6E747A">
-                    <a:alpha val="43000"/>
-                  </a:srgbClr>
-                </a:outerShdw>
-              </a:effectLst>
-              <a:sym typeface="+mn-ea"/>
-            </a:endParaRPr>
           </a:p>
           <a:p>
             <a:r>
@@ -3804,18 +3779,6 @@
               </a:rPr>
               <a:t>”                                        Before C</a:t>
             </a:r>
-            <a:endParaRPr lang="en-US" sz="2100">
-              <a:solidFill>
-                <a:schemeClr val="accent1"/>
-              </a:solidFill>
-              <a:effectLst>
-                <a:outerShdw blurRad="38100" dist="25400" dir="5400000" algn="ctr" rotWithShape="0">
-                  <a:srgbClr val="6E747A">
-                    <a:alpha val="43000"/>
-                  </a:srgbClr>
-                </a:outerShdw>
-              </a:effectLst>
-            </a:endParaRPr>
           </a:p>
           <a:p>
             <a:endParaRPr lang="en-US" sz="2100">
@@ -3850,7 +3813,14 @@
         <p:cNvGrpSpPr/>
         <p:nvPr/>
       </p:nvGrpSpPr>
-      <p:grpSpPr/>
+      <p:grpSpPr>
+        <a:xfrm>
+          <a:off x="0" y="0"/>
+          <a:ext cx="0" cy="0"/>
+          <a:chOff x="0" y="0"/>
+          <a:chExt cx="0" cy="0"/>
+        </a:xfrm>
+      </p:grpSpPr>
       <p:sp>
         <p:nvSpPr>
           <p:cNvPr id="10" name="Rectangle 9"/>
@@ -3859,8 +3829,8 @@
         </p:nvSpPr>
         <p:spPr>
           <a:xfrm>
-            <a:off x="5207635" y="3278505"/>
-            <a:ext cx="1361440" cy="2268855"/>
+            <a:off x="5213350" y="3270116"/>
+            <a:ext cx="1361440" cy="2786735"/>
           </a:xfrm>
           <a:prstGeom prst="rect">
             <a:avLst/>
@@ -3882,6 +3852,7 @@
         </p:style>
         <p:txBody>
           <a:bodyPr rtlCol="0" anchor="ctr"/>
+          <a:lstStyle/>
           <a:p>
             <a:pPr algn="ctr"/>
             <a:endParaRPr lang="en-US"/>
@@ -3890,43 +3861,6 @@
       </p:sp>
       <p:sp>
         <p:nvSpPr>
-          <p:cNvPr id="9" name="Rectangle 8"/>
-          <p:cNvSpPr/>
-          <p:nvPr/>
-        </p:nvSpPr>
-        <p:spPr>
-          <a:xfrm>
-            <a:off x="2138680" y="3272790"/>
-            <a:ext cx="1361440" cy="2268855"/>
-          </a:xfrm>
-          <a:prstGeom prst="rect">
-            <a:avLst/>
-          </a:prstGeom>
-        </p:spPr>
-        <p:style>
-          <a:lnRef idx="2">
-            <a:schemeClr val="accent6"/>
-          </a:lnRef>
-          <a:fillRef idx="1">
-            <a:schemeClr val="lt1"/>
-          </a:fillRef>
-          <a:effectRef idx="0">
-            <a:schemeClr val="accent6"/>
-          </a:effectRef>
-          <a:fontRef idx="minor">
-            <a:schemeClr val="dk1"/>
-          </a:fontRef>
-        </p:style>
-        <p:txBody>
-          <a:bodyPr rtlCol="0" anchor="ctr"/>
-          <a:p>
-            <a:pPr algn="ctr"/>
-            <a:endParaRPr lang="en-US"/>
-          </a:p>
-        </p:txBody>
-      </p:sp>
-      <p:sp>
-        <p:nvSpPr>
           <p:cNvPr id="2" name="Title 1"/>
           <p:cNvSpPr>
             <a:spLocks noGrp="1"/>
@@ -3938,12 +3872,12 @@
         <p:spPr/>
         <p:txBody>
           <a:bodyPr/>
+          <a:lstStyle/>
           <a:p>
             <a:r>
               <a:rPr lang="en-US"/>
               <a:t>Servers &amp; client</a:t>
             </a:r>
-            <a:endParaRPr lang="en-US"/>
           </a:p>
         </p:txBody>
       </p:sp>
@@ -3980,6 +3914,7 @@
         </p:style>
         <p:txBody>
           <a:bodyPr rtlCol="0" anchor="ctr"/>
+          <a:lstStyle/>
           <a:p>
             <a:pPr algn="ctr"/>
             <a:r>
@@ -3992,15 +3927,123 @@
           </a:p>
         </p:txBody>
       </p:sp>
-      <p:sp>
-        <p:nvSpPr>
-          <p:cNvPr id="5" name="Rectangle 4"/>
+      <p:grpSp>
+        <p:nvGrpSpPr>
+          <p:cNvPr id="3" name="组合 2"/>
+          <p:cNvGrpSpPr/>
+          <p:nvPr/>
+        </p:nvGrpSpPr>
+        <p:grpSpPr>
+          <a:xfrm>
+            <a:off x="1434004" y="3709019"/>
+            <a:ext cx="1361440" cy="1265654"/>
+            <a:chOff x="2138680" y="3272791"/>
+            <a:chExt cx="1361440" cy="1265654"/>
+          </a:xfrm>
+        </p:grpSpPr>
+        <p:sp>
+          <p:nvSpPr>
+            <p:cNvPr id="9" name="Rectangle 8"/>
+            <p:cNvSpPr/>
+            <p:nvPr/>
+          </p:nvSpPr>
+          <p:spPr>
+            <a:xfrm>
+              <a:off x="2138680" y="3272791"/>
+              <a:ext cx="1361440" cy="1265654"/>
+            </a:xfrm>
+            <a:prstGeom prst="rect">
+              <a:avLst/>
+            </a:prstGeom>
+          </p:spPr>
+          <p:style>
+            <a:lnRef idx="2">
+              <a:schemeClr val="accent6"/>
+            </a:lnRef>
+            <a:fillRef idx="1">
+              <a:schemeClr val="lt1"/>
+            </a:fillRef>
+            <a:effectRef idx="0">
+              <a:schemeClr val="accent6"/>
+            </a:effectRef>
+            <a:fontRef idx="minor">
+              <a:schemeClr val="dk1"/>
+            </a:fontRef>
+          </p:style>
+          <p:txBody>
+            <a:bodyPr rtlCol="0" anchor="ctr"/>
+            <a:lstStyle/>
+            <a:p>
+              <a:pPr algn="ctr"/>
+              <a:endParaRPr lang="en-US"/>
+            </a:p>
+          </p:txBody>
+        </p:sp>
+        <p:sp>
+          <p:nvSpPr>
+            <p:cNvPr id="5" name="Rectangle 4"/>
+            <p:cNvSpPr/>
+            <p:nvPr/>
+          </p:nvSpPr>
+          <p:spPr>
+            <a:xfrm>
+              <a:off x="2305685" y="3441065"/>
+              <a:ext cx="1038225" cy="914400"/>
+            </a:xfrm>
+            <a:prstGeom prst="rect">
+              <a:avLst/>
+            </a:prstGeom>
+          </p:spPr>
+          <p:style>
+            <a:lnRef idx="2">
+              <a:schemeClr val="accent1">
+                <a:shade val="50000"/>
+              </a:schemeClr>
+            </a:lnRef>
+            <a:fillRef idx="1">
+              <a:schemeClr val="accent1"/>
+            </a:fillRef>
+            <a:effectRef idx="0">
+              <a:schemeClr val="accent1"/>
+            </a:effectRef>
+            <a:fontRef idx="minor">
+              <a:schemeClr val="lt1"/>
+            </a:fontRef>
+          </p:style>
+          <p:txBody>
+            <a:bodyPr rtlCol="0" anchor="ctr"/>
+            <a:lstStyle/>
+            <a:p>
+              <a:pPr algn="ctr"/>
+              <a:r>
+                <a:rPr lang="en-US" dirty="0">
+                  <a:sym typeface="+mn-ea"/>
+                </a:rPr>
+                <a:t>GPU</a:t>
+              </a:r>
+            </a:p>
+            <a:p>
+              <a:pPr algn="ctr"/>
+              <a:r>
+                <a:rPr lang="en-US" altLang="zh-CN" dirty="0">
+                  <a:sym typeface="+mn-ea"/>
+                </a:rPr>
+                <a:t>thread</a:t>
+              </a:r>
+              <a:endParaRPr lang="en-US" dirty="0"/>
+            </a:p>
+          </p:txBody>
+        </p:sp>
+      </p:grpSp>
+      <p:sp>
+        <p:nvSpPr>
+          <p:cNvPr id="6" name="Rectangle 5"/>
           <p:cNvSpPr/>
           <p:nvPr/>
         </p:nvSpPr>
         <p:spPr>
           <a:xfrm>
-            <a:off x="2305685" y="3441065"/>
+            <a:off x="5381625" y="4988747"/>
             <a:ext cx="1038225" cy="914400"/>
           </a:xfrm>
           <a:prstGeom prst="rect">
@@ -4025,72 +4068,16 @@
         </p:style>
         <p:txBody>
           <a:bodyPr rtlCol="0" anchor="ctr"/>
+          <a:lstStyle/>
           <a:p>
             <a:pPr algn="ctr"/>
             <a:r>
-              <a:rPr lang="en-US">
-                <a:sym typeface="+mn-ea"/>
-              </a:rPr>
-              <a:t>GPU</a:t>
-            </a:r>
-            <a:endParaRPr lang="en-US">
-              <a:sym typeface="+mn-ea"/>
-            </a:endParaRPr>
-          </a:p>
-          <a:p>
-            <a:pPr algn="ctr"/>
-            <a:r>
-              <a:rPr lang="en-US">
-                <a:sym typeface="+mn-ea"/>
-              </a:rPr>
-              <a:t>server</a:t>
-            </a:r>
-            <a:endParaRPr lang="en-US"/>
-          </a:p>
-        </p:txBody>
-      </p:sp>
-      <p:sp>
-        <p:nvSpPr>
-          <p:cNvPr id="6" name="Rectangle 5"/>
-          <p:cNvSpPr/>
-          <p:nvPr/>
-        </p:nvSpPr>
-        <p:spPr>
-          <a:xfrm>
-            <a:off x="5381625" y="4460240"/>
-            <a:ext cx="1038225" cy="914400"/>
-          </a:xfrm>
-          <a:prstGeom prst="rect">
-            <a:avLst/>
-          </a:prstGeom>
-        </p:spPr>
-        <p:style>
-          <a:lnRef idx="2">
-            <a:schemeClr val="accent1">
-              <a:shade val="50000"/>
-            </a:schemeClr>
-          </a:lnRef>
-          <a:fillRef idx="1">
-            <a:schemeClr val="accent1"/>
-          </a:fillRef>
-          <a:effectRef idx="0">
-            <a:schemeClr val="accent1"/>
-          </a:effectRef>
-          <a:fontRef idx="minor">
-            <a:schemeClr val="lt1"/>
-          </a:fontRef>
-        </p:style>
-        <p:txBody>
-          <a:bodyPr rtlCol="0" anchor="ctr"/>
-          <a:p>
-            <a:pPr algn="ctr"/>
-            <a:r>
-              <a:rPr lang="en-US">
+              <a:rPr lang="en-US" dirty="0" err="1">
                 <a:sym typeface="+mn-ea"/>
               </a:rPr>
               <a:t>Networkserver</a:t>
             </a:r>
-            <a:endParaRPr lang="en-US"/>
+            <a:endParaRPr lang="en-US" dirty="0"/>
           </a:p>
         </p:txBody>
       </p:sp>
@@ -4127,30 +4114,31 @@
         </p:style>
         <p:txBody>
           <a:bodyPr rtlCol="0" anchor="ctr"/>
+          <a:lstStyle/>
           <a:p>
             <a:pPr algn="ctr"/>
             <a:r>
-              <a:rPr lang="en-US">
+              <a:rPr lang="en-US" dirty="0" err="1">
                 <a:sym typeface="+mn-ea"/>
               </a:rPr>
               <a:t>Networkclient</a:t>
             </a:r>
-            <a:endParaRPr lang="en-US"/>
-          </a:p>
-        </p:txBody>
-      </p:sp>
-      <p:sp>
-        <p:nvSpPr>
-          <p:cNvPr id="8" name="Rectangle 7"/>
+            <a:endParaRPr lang="en-US" dirty="0"/>
+          </a:p>
+        </p:txBody>
+      </p:sp>
+      <p:sp>
+        <p:nvSpPr>
+          <p:cNvPr id="11" name="椭圆 10"/>
           <p:cNvSpPr/>
           <p:nvPr/>
         </p:nvSpPr>
         <p:spPr>
-          <a:xfrm>
-            <a:off x="2299335" y="4459605"/>
-            <a:ext cx="1038225" cy="914400"/>
+          <a:xfrm flipV="1">
+            <a:off x="5863905" y="4396968"/>
+            <a:ext cx="72110" cy="81240"/>
           </a:xfrm>
-          <a:prstGeom prst="rect">
+          <a:prstGeom prst="ellipse">
             <a:avLst/>
           </a:prstGeom>
         </p:spPr>
@@ -4172,49 +4160,153 @@
         </p:style>
         <p:txBody>
           <a:bodyPr rtlCol="0" anchor="ctr"/>
+          <a:lstStyle/>
           <a:p>
             <a:pPr algn="ctr"/>
-            <a:r>
-              <a:rPr lang="en-US">
-                <a:sym typeface="+mn-ea"/>
-              </a:rPr>
-              <a:t>GPU</a:t>
-            </a:r>
-            <a:endParaRPr lang="en-US">
-              <a:sym typeface="+mn-ea"/>
-            </a:endParaRPr>
-          </a:p>
+            <a:endParaRPr lang="zh-CN" altLang="en-US"/>
+          </a:p>
+        </p:txBody>
+      </p:sp>
+      <p:sp>
+        <p:nvSpPr>
+          <p:cNvPr id="15" name="椭圆 14"/>
+          <p:cNvSpPr/>
+          <p:nvPr/>
+        </p:nvSpPr>
+        <p:spPr>
+          <a:xfrm flipV="1">
+            <a:off x="5865303" y="4557757"/>
+            <a:ext cx="72110" cy="81240"/>
+          </a:xfrm>
+          <a:prstGeom prst="ellipse">
+            <a:avLst/>
+          </a:prstGeom>
+        </p:spPr>
+        <p:style>
+          <a:lnRef idx="2">
+            <a:schemeClr val="accent1">
+              <a:shade val="50000"/>
+            </a:schemeClr>
+          </a:lnRef>
+          <a:fillRef idx="1">
+            <a:schemeClr val="accent1"/>
+          </a:fillRef>
+          <a:effectRef idx="0">
+            <a:schemeClr val="accent1"/>
+          </a:effectRef>
+          <a:fontRef idx="minor">
+            <a:schemeClr val="lt1"/>
+          </a:fontRef>
+        </p:style>
+        <p:txBody>
+          <a:bodyPr rtlCol="0" anchor="ctr"/>
+          <a:lstStyle/>
           <a:p>
             <a:pPr algn="ctr"/>
-            <a:r>
-              <a:rPr lang="en-US">
-                <a:sym typeface="+mn-ea"/>
-              </a:rPr>
-              <a:t>client</a:t>
-            </a:r>
-            <a:endParaRPr lang="en-US"/>
+            <a:endParaRPr lang="zh-CN" altLang="en-US"/>
+          </a:p>
+        </p:txBody>
+      </p:sp>
+      <p:sp>
+        <p:nvSpPr>
+          <p:cNvPr id="16" name="椭圆 15"/>
+          <p:cNvSpPr/>
+          <p:nvPr/>
+        </p:nvSpPr>
+        <p:spPr>
+          <a:xfrm flipV="1">
+            <a:off x="5865303" y="4708759"/>
+            <a:ext cx="72110" cy="81240"/>
+          </a:xfrm>
+          <a:prstGeom prst="ellipse">
+            <a:avLst/>
+          </a:prstGeom>
+        </p:spPr>
+        <p:style>
+          <a:lnRef idx="2">
+            <a:schemeClr val="accent1">
+              <a:shade val="50000"/>
+            </a:schemeClr>
+          </a:lnRef>
+          <a:fillRef idx="1">
+            <a:schemeClr val="accent1"/>
+          </a:fillRef>
+          <a:effectRef idx="0">
+            <a:schemeClr val="accent1"/>
+          </a:effectRef>
+          <a:fontRef idx="minor">
+            <a:schemeClr val="lt1"/>
+          </a:fontRef>
+        </p:style>
+        <p:txBody>
+          <a:bodyPr rtlCol="0" anchor="ctr"/>
+          <a:lstStyle/>
+          <a:p>
+            <a:pPr algn="ctr"/>
+            <a:endParaRPr lang="zh-CN" altLang="en-US"/>
+          </a:p>
+        </p:txBody>
+      </p:sp>
+      <p:sp>
+        <p:nvSpPr>
+          <p:cNvPr id="17" name="椭圆 16"/>
+          <p:cNvSpPr/>
+          <p:nvPr/>
+        </p:nvSpPr>
+        <p:spPr>
+          <a:xfrm flipV="1">
+            <a:off x="5865303" y="4868150"/>
+            <a:ext cx="72110" cy="81240"/>
+          </a:xfrm>
+          <a:prstGeom prst="ellipse">
+            <a:avLst/>
+          </a:prstGeom>
+        </p:spPr>
+        <p:style>
+          <a:lnRef idx="2">
+            <a:schemeClr val="accent1">
+              <a:shade val="50000"/>
+            </a:schemeClr>
+          </a:lnRef>
+          <a:fillRef idx="1">
+            <a:schemeClr val="accent1"/>
+          </a:fillRef>
+          <a:effectRef idx="0">
+            <a:schemeClr val="accent1"/>
+          </a:effectRef>
+          <a:fontRef idx="minor">
+            <a:schemeClr val="lt1"/>
+          </a:fontRef>
+        </p:style>
+        <p:txBody>
+          <a:bodyPr rtlCol="0" anchor="ctr"/>
+          <a:lstStyle/>
+          <a:p>
+            <a:pPr algn="ctr"/>
+            <a:endParaRPr lang="zh-CN" altLang="en-US"/>
           </a:p>
         </p:txBody>
       </p:sp>
       <p:cxnSp>
         <p:nvCxnSpPr>
-          <p:cNvPr id="12" name="Elbow Connector 11"/>
+          <p:cNvPr id="19" name="直接箭头连接符 18"/>
           <p:cNvCxnSpPr>
-            <a:stCxn id="7" idx="0"/>
-            <a:endCxn id="4" idx="3"/>
+            <a:stCxn id="4" idx="3"/>
+            <a:endCxn id="7" idx="0"/>
           </p:cNvCxnSpPr>
           <p:nvPr/>
         </p:nvCxnSpPr>
         <p:spPr>
-          <a:xfrm rot="16200000" flipV="1">
-            <a:off x="4674870" y="2221230"/>
-            <a:ext cx="1292225" cy="1146175"/>
+          <a:xfrm>
+            <a:off x="4748530" y="2148205"/>
+            <a:ext cx="1145858" cy="1292225"/>
           </a:xfrm>
-          <a:prstGeom prst="bentConnector2">
+          <a:prstGeom prst="straightConnector1">
             <a:avLst/>
           </a:prstGeom>
-          <a:ln>
-            <a:tailEnd type="arrow"/>
+          <a:ln w="19050">
+            <a:headEnd type="stealth" w="lg" len="lg"/>
+            <a:tailEnd type="stealth" w="lg" len="lg"/>
           </a:ln>
         </p:spPr>
         <p:style>
@@ -4234,25 +4326,23 @@
       </p:cxnSp>
       <p:cxnSp>
         <p:nvCxnSpPr>
-          <p:cNvPr id="13" name="Elbow Connector 12"/>
+          <p:cNvPr id="21" name="直接箭头连接符 20"/>
           <p:cNvCxnSpPr>
-            <a:stCxn id="8" idx="3"/>
-            <a:endCxn id="6" idx="1"/>
+            <a:stCxn id="4" idx="2"/>
           </p:cNvCxnSpPr>
           <p:nvPr/>
         </p:nvCxnSpPr>
         <p:spPr>
           <a:xfrm>
-            <a:off x="3337560" y="4916805"/>
-            <a:ext cx="2044065" cy="635"/>
+            <a:off x="4229418" y="2605405"/>
+            <a:ext cx="1634487" cy="2369268"/>
           </a:xfrm>
-          <a:prstGeom prst="bentConnector3">
-            <a:avLst>
-              <a:gd name="adj1" fmla="val 50016"/>
-            </a:avLst>
+          <a:prstGeom prst="straightConnector1">
+            <a:avLst/>
           </a:prstGeom>
-          <a:ln>
-            <a:tailEnd type="arrow"/>
+          <a:ln w="19050">
+            <a:headEnd type="stealth" w="lg" len="lg"/>
+            <a:tailEnd type="stealth" w="lg" len="lg"/>
           </a:ln>
         </p:spPr>
         <p:style>
@@ -4272,42 +4362,169 @@
       </p:cxnSp>
       <p:cxnSp>
         <p:nvCxnSpPr>
-          <p:cNvPr id="14" name="Elbow Connector 13"/>
-          <p:cNvCxnSpPr>
-            <a:stCxn id="7" idx="1"/>
-            <a:endCxn id="5" idx="3"/>
-          </p:cNvCxnSpPr>
+          <p:cNvPr id="23" name="直接箭头连接符 22"/>
+          <p:cNvCxnSpPr/>
           <p:nvPr/>
         </p:nvCxnSpPr>
         <p:spPr>
-          <a:xfrm rot="10800000" flipV="1">
-            <a:off x="3343910" y="3897630"/>
-            <a:ext cx="2031365" cy="635"/>
+          <a:xfrm flipH="1">
+            <a:off x="2795444" y="3877293"/>
+            <a:ext cx="2579831" cy="199757"/>
           </a:xfrm>
-          <a:prstGeom prst="bentConnector3">
-            <a:avLst>
-              <a:gd name="adj1" fmla="val 49984"/>
-            </a:avLst>
+          <a:prstGeom prst="straightConnector1">
+            <a:avLst/>
           </a:prstGeom>
-          <a:ln>
-            <a:tailEnd type="arrow"/>
+          <a:ln w="19050">
+            <a:headEnd type="triangle"/>
+            <a:tailEnd type="triangle"/>
           </a:ln>
         </p:spPr>
         <p:style>
           <a:lnRef idx="1">
-            <a:schemeClr val="accent1"/>
+            <a:schemeClr val="accent6"/>
           </a:lnRef>
           <a:fillRef idx="0">
-            <a:schemeClr val="accent1"/>
+            <a:schemeClr val="accent6"/>
           </a:fillRef>
           <a:effectRef idx="0">
-            <a:schemeClr val="accent1"/>
+            <a:schemeClr val="accent6"/>
           </a:effectRef>
           <a:fontRef idx="minor">
             <a:schemeClr val="tx1"/>
           </a:fontRef>
         </p:style>
       </p:cxnSp>
+      <p:cxnSp>
+        <p:nvCxnSpPr>
+          <p:cNvPr id="25" name="直接箭头连接符 24"/>
+          <p:cNvCxnSpPr/>
+          <p:nvPr/>
+        </p:nvCxnSpPr>
+        <p:spPr>
+          <a:xfrm flipH="1" flipV="1">
+            <a:off x="2795444" y="4638997"/>
+            <a:ext cx="2579831" cy="847403"/>
+          </a:xfrm>
+          <a:prstGeom prst="straightConnector1">
+            <a:avLst/>
+          </a:prstGeom>
+          <a:ln w="19050">
+            <a:headEnd type="triangle"/>
+            <a:tailEnd type="triangle"/>
+          </a:ln>
+        </p:spPr>
+        <p:style>
+          <a:lnRef idx="1">
+            <a:schemeClr val="accent6"/>
+          </a:lnRef>
+          <a:fillRef idx="0">
+            <a:schemeClr val="accent6"/>
+          </a:fillRef>
+          <a:effectRef idx="0">
+            <a:schemeClr val="accent6"/>
+          </a:effectRef>
+          <a:fontRef idx="minor">
+            <a:schemeClr val="tx1"/>
+          </a:fontRef>
+        </p:style>
+      </p:cxnSp>
+      <p:sp>
+        <p:nvSpPr>
+          <p:cNvPr id="26" name="文本框 25"/>
+          <p:cNvSpPr txBox="1"/>
+          <p:nvPr/>
+        </p:nvSpPr>
+        <p:spPr>
+          <a:xfrm>
+            <a:off x="4401255" y="2804459"/>
+            <a:ext cx="1484702" cy="492443"/>
+          </a:xfrm>
+          <a:prstGeom prst="rect">
+            <a:avLst/>
+          </a:prstGeom>
+          <a:noFill/>
+        </p:spPr>
+        <p:txBody>
+          <a:bodyPr wrap="none" rtlCol="0">
+            <a:spAutoFit/>
+          </a:bodyPr>
+          <a:lstStyle/>
+          <a:p>
+            <a:r>
+              <a:rPr lang="en-US" altLang="zh-CN" sz="1300" dirty="0" smtClean="0"/>
+              <a:t>Network message </a:t>
+            </a:r>
+          </a:p>
+          <a:p>
+            <a:pPr algn="ctr"/>
+            <a:r>
+              <a:rPr lang="en-US" altLang="zh-CN" sz="1300" dirty="0" smtClean="0"/>
+              <a:t>via </a:t>
+            </a:r>
+            <a:r>
+              <a:rPr lang="en-US" altLang="zh-CN" sz="1300" dirty="0" err="1" smtClean="0"/>
+              <a:t>nanomsg</a:t>
+            </a:r>
+            <a:endParaRPr lang="zh-CN" altLang="en-US" sz="1300" dirty="0"/>
+          </a:p>
+        </p:txBody>
+      </p:sp>
+      <p:sp>
+        <p:nvSpPr>
+          <p:cNvPr id="27" name="文本框 26"/>
+          <p:cNvSpPr txBox="1"/>
+          <p:nvPr/>
+        </p:nvSpPr>
+        <p:spPr>
+          <a:xfrm>
+            <a:off x="2806239" y="4135670"/>
+            <a:ext cx="2420446" cy="492443"/>
+          </a:xfrm>
+          <a:prstGeom prst="rect">
+            <a:avLst/>
+          </a:prstGeom>
+          <a:noFill/>
+        </p:spPr>
+        <p:txBody>
+          <a:bodyPr wrap="square" rtlCol="0">
+            <a:spAutoFit/>
+          </a:bodyPr>
+          <a:lstStyle/>
+          <a:p>
+            <a:pPr algn="ctr"/>
+            <a:r>
+              <a:rPr lang="en-US" altLang="zh-CN" sz="1300" dirty="0" smtClean="0"/>
+              <a:t>GPU command &amp; info </a:t>
+            </a:r>
+          </a:p>
+          <a:p>
+            <a:pPr algn="ctr"/>
+            <a:r>
+              <a:rPr lang="en-US" altLang="zh-CN" sz="1300" dirty="0"/>
+              <a:t>v</a:t>
+            </a:r>
+            <a:r>
+              <a:rPr lang="en-US" altLang="zh-CN" sz="1300" dirty="0" smtClean="0"/>
+              <a:t>ia </a:t>
+            </a:r>
+            <a:r>
+              <a:rPr lang="en-US" altLang="zh-CN" sz="1300" dirty="0" err="1" smtClean="0"/>
+              <a:t>mutex</a:t>
+            </a:r>
+            <a:r>
+              <a:rPr lang="en-US" altLang="zh-CN" sz="1300" dirty="0" smtClean="0"/>
+              <a:t> &amp; </a:t>
+            </a:r>
+            <a:r>
+              <a:rPr lang="en-US" altLang="zh-CN" sz="1300" dirty="0" err="1" smtClean="0">
+                <a:sym typeface="+mn-ea"/>
+              </a:rPr>
+              <a:t>condition_variable</a:t>
+            </a:r>
+            <a:endParaRPr lang="zh-CN" altLang="en-US" sz="1300" dirty="0"/>
+          </a:p>
+        </p:txBody>
+      </p:sp>
     </p:spTree>
   </p:cSld>
   <p:clrMapOvr>
@@ -4325,7 +4542,14 @@
         <p:cNvGrpSpPr/>
         <p:nvPr/>
       </p:nvGrpSpPr>
-      <p:grpSpPr/>
+      <p:grpSpPr>
+        <a:xfrm>
+          <a:off x="0" y="0"/>
+          <a:ext cx="0" cy="0"/>
+          <a:chOff x="0" y="0"/>
+          <a:chExt cx="0" cy="0"/>
+        </a:xfrm>
+      </p:grpSpPr>
       <p:sp>
         <p:nvSpPr>
           <p:cNvPr id="2" name="Title 1"/>
@@ -4344,18 +4568,19 @@
         </p:spPr>
         <p:txBody>
           <a:bodyPr/>
-          <a:p>
-            <a:r>
-              <a:rPr lang="en-US"/>
+          <a:lstStyle/>
+          <a:p>
+            <a:r>
+              <a:rPr lang="en-US" dirty="0"/>
               <a:t>GPU </a:t>
             </a:r>
             <a:r>
-              <a:rPr lang="en-US">
+              <a:rPr lang="en-US" dirty="0">
                 <a:sym typeface="+mn-ea"/>
               </a:rPr>
               <a:t>thread</a:t>
             </a:r>
-            <a:endParaRPr lang="en-US"/>
+            <a:endParaRPr lang="en-US" dirty="0"/>
           </a:p>
         </p:txBody>
       </p:sp>
@@ -4379,12 +4604,12 @@
           <a:bodyPr>
             <a:noAutofit/>
           </a:bodyPr>
+          <a:lstStyle/>
           <a:p>
             <a:r>
               <a:rPr lang="en-US" sz="1400"/>
               <a:t>for sidx in streamNum:</a:t>
             </a:r>
-            <a:endParaRPr lang="en-US" sz="1400"/>
           </a:p>
           <a:p>
             <a:pPr lvl="1"/>
@@ -4392,19 +4617,70 @@
               <a:rPr lang="en-US" sz="1400"/>
               <a:t>lock(m[sidx)</a:t>
             </a:r>
+          </a:p>
+          <a:p>
+            <a:pPr lvl="1"/>
+            <a:r>
+              <a:rPr lang="en-US" sz="1400">
+                <a:sym typeface="+mn-ea"/>
+              </a:rPr>
+              <a:t>if dataready[sidx]==3</a:t>
+            </a:r>
+          </a:p>
+          <a:p>
+            <a:pPr lvl="2"/>
+            <a:r>
+              <a:rPr lang="en-US" sz="1400">
+                <a:sym typeface="+mn-ea"/>
+              </a:rPr>
+              <a:t>if(query_stream)</a:t>
+            </a:r>
             <a:endParaRPr lang="en-US" sz="1400"/>
           </a:p>
           <a:p>
+            <a:pPr lvl="3"/>
+            <a:r>
+              <a:rPr lang="en-US" sz="1400">
+                <a:sym typeface="+mn-ea"/>
+              </a:rPr>
+              <a:t>dataready[sidx]=4</a:t>
+            </a:r>
+          </a:p>
+          <a:p>
+            <a:pPr lvl="3"/>
+            <a:r>
+              <a:rPr lang="en-US" sz="1400">
+                <a:sym typeface="+mn-ea"/>
+              </a:rPr>
+              <a:t>unlock; notify_one(cv[sidx])</a:t>
+            </a:r>
+          </a:p>
+          <a:p>
+            <a:pPr lvl="3"/>
+            <a:r>
+              <a:rPr lang="en-US" sz="1400">
+                <a:sym typeface="+mn-ea"/>
+              </a:rPr>
+              <a:t>continue</a:t>
+            </a:r>
+          </a:p>
+          <a:p>
+            <a:pPr lvl="2"/>
+            <a:r>
+              <a:rPr lang="en-US" sz="1400">
+                <a:sym typeface="+mn-ea"/>
+              </a:rPr>
+              <a:t>else unlock; continue</a:t>
+            </a:r>
+          </a:p>
+          <a:p>
             <a:pPr lvl="1"/>
             <a:r>
               <a:rPr lang="en-US" sz="1400">
                 <a:sym typeface="+mn-ea"/>
               </a:rPr>
-              <a:t>if dataready[sidx]==3</a:t>
-            </a:r>
-            <a:endParaRPr lang="en-US" sz="1400">
-              <a:sym typeface="+mn-ea"/>
-            </a:endParaRPr>
+              <a:t>elseif dataready[sidx]==4 or 0</a:t>
+            </a:r>
           </a:p>
           <a:p>
             <a:pPr lvl="2"/>
@@ -4412,95 +4688,7 @@
               <a:rPr lang="en-US" sz="1400">
                 <a:sym typeface="+mn-ea"/>
               </a:rPr>
-              <a:t>if(query_stream)</a:t>
-            </a:r>
-            <a:endParaRPr lang="en-US" sz="1400"/>
-          </a:p>
-          <a:p>
-            <a:pPr lvl="3"/>
-            <a:r>
-              <a:rPr lang="en-US" sz="1400">
-                <a:sym typeface="+mn-ea"/>
-              </a:rPr>
-              <a:t>dataready[sidx]=4</a:t>
-            </a:r>
-            <a:endParaRPr lang="en-US" sz="1400">
-              <a:sym typeface="+mn-ea"/>
-            </a:endParaRPr>
-          </a:p>
-          <a:p>
-            <a:pPr lvl="3"/>
-            <a:r>
-              <a:rPr lang="en-US" sz="1400">
-                <a:sym typeface="+mn-ea"/>
-              </a:rPr>
-              <a:t>unlock; notify_one(cv[sidx])</a:t>
-            </a:r>
-            <a:endParaRPr lang="en-US" sz="1400">
-              <a:sym typeface="+mn-ea"/>
-            </a:endParaRPr>
-          </a:p>
-          <a:p>
-            <a:pPr lvl="3"/>
-            <a:r>
-              <a:rPr lang="en-US" sz="1400">
-                <a:sym typeface="+mn-ea"/>
-              </a:rPr>
-              <a:t>continue</a:t>
-            </a:r>
-            <a:endParaRPr lang="en-US" sz="1400">
-              <a:sym typeface="+mn-ea"/>
-            </a:endParaRPr>
-          </a:p>
-          <a:p>
-            <a:pPr lvl="2"/>
-            <a:r>
-              <a:rPr lang="en-US" sz="1400">
-                <a:sym typeface="+mn-ea"/>
-              </a:rPr>
-              <a:t>else </a:t>
-            </a:r>
-            <a:r>
-              <a:rPr lang="en-US" sz="1400">
-                <a:sym typeface="+mn-ea"/>
-              </a:rPr>
-              <a:t>unlock; </a:t>
-            </a:r>
-            <a:r>
-              <a:rPr lang="en-US" sz="1400">
-                <a:sym typeface="+mn-ea"/>
-              </a:rPr>
-              <a:t>continue</a:t>
-            </a:r>
-            <a:endParaRPr lang="en-US" sz="1400">
-              <a:sym typeface="+mn-ea"/>
-            </a:endParaRPr>
-          </a:p>
-          <a:p>
-            <a:pPr lvl="1"/>
-            <a:r>
-              <a:rPr lang="en-US" sz="1400">
-                <a:sym typeface="+mn-ea"/>
-              </a:rPr>
-              <a:t>elseif dataready[sidx]==4 or 0</a:t>
-            </a:r>
-            <a:endParaRPr lang="en-US" sz="1400">
-              <a:sym typeface="+mn-ea"/>
-            </a:endParaRPr>
-          </a:p>
-          <a:p>
-            <a:pPr lvl="2"/>
-            <a:r>
-              <a:rPr lang="en-US" sz="1400">
-                <a:sym typeface="+mn-ea"/>
-              </a:rPr>
-              <a:t>unlock; </a:t>
-            </a:r>
-            <a:r>
-              <a:rPr lang="en-US" sz="1400">
-                <a:sym typeface="+mn-ea"/>
-              </a:rPr>
-              <a:t>continue</a:t>
+              <a:t>unlock; continue</a:t>
             </a:r>
             <a:endParaRPr lang="en-US" sz="1400"/>
           </a:p>
@@ -4520,7 +4708,6 @@
               <a:rPr lang="en-US" sz="1400"/>
               <a:t>wait(cv[sidx],dataready[sidx]==1 or 2)</a:t>
             </a:r>
-            <a:endParaRPr lang="en-US" sz="1400"/>
           </a:p>
           <a:p>
             <a:pPr lvl="1"/>
@@ -4528,7 +4715,6 @@
               <a:rPr lang="en-US" sz="1400"/>
               <a:t>gpu_set_sn;</a:t>
             </a:r>
-            <a:endParaRPr lang="en-US" sz="1400"/>
           </a:p>
           <a:p>
             <a:pPr lvl="1"/>
@@ -4536,7 +4722,6 @@
               <a:rPr lang="en-US" sz="1400"/>
               <a:t>gpu_set_params;</a:t>
             </a:r>
-            <a:endParaRPr lang="en-US" sz="1400"/>
           </a:p>
           <a:p>
             <a:pPr lvl="1"/>
@@ -4544,7 +4729,6 @@
               <a:rPr lang="en-US" sz="1400"/>
               <a:t>gpu_calc;</a:t>
             </a:r>
-            <a:endParaRPr lang="en-US" sz="1400"/>
           </a:p>
           <a:p>
             <a:pPr lvl="1"/>
@@ -4552,7 +4736,6 @@
               <a:rPr lang="en-US" sz="1400"/>
               <a:t>if(query_stream)</a:t>
             </a:r>
-            <a:endParaRPr lang="en-US" sz="1400"/>
           </a:p>
           <a:p>
             <a:pPr lvl="2"/>
@@ -4580,7 +4763,6 @@
               <a:rPr lang="en-US" sz="1400"/>
               <a:t>else dataready[sidx]=3</a:t>
             </a:r>
-            <a:endParaRPr lang="en-US" sz="1400"/>
           </a:p>
           <a:p>
             <a:pPr lvl="1"/>
@@ -4590,9 +4772,6 @@
               </a:rPr>
               <a:t>unlock(m[sidx)</a:t>
             </a:r>
-            <a:endParaRPr lang="en-US" sz="1400">
-              <a:sym typeface="+mn-ea"/>
-            </a:endParaRPr>
           </a:p>
         </p:txBody>
       </p:sp>
@@ -4671,12 +4850,12 @@
           <a:bodyPr wrap="square" rtlCol="0">
             <a:spAutoFit/>
           </a:bodyPr>
+          <a:lstStyle/>
           <a:p>
             <a:r>
               <a:rPr lang="en-US" altLang="zh-CN"/>
               <a:t>while 1:</a:t>
             </a:r>
-            <a:endParaRPr lang="en-US" altLang="zh-CN"/>
           </a:p>
         </p:txBody>
       </p:sp>
@@ -4700,20 +4879,76 @@
           <a:bodyPr wrap="square" rtlCol="0">
             <a:spAutoFit/>
           </a:bodyPr>
-          <a:p>
-            <a:r>
-              <a:rPr lang="en-US" altLang="zh-CN"/>
-              <a:t>mutex m[</a:t>
-            </a:r>
-            <a:r>
-              <a:rPr lang="en-US">
-                <a:sym typeface="+mn-ea"/>
-              </a:rPr>
-              <a:t>streamNum];condition_variable cv[streamNum];dataready[sidx]=0</a:t>
-            </a:r>
-            <a:endParaRPr lang="en-US">
-              <a:sym typeface="+mn-ea"/>
-            </a:endParaRPr>
+          <a:lstStyle/>
+          <a:p>
+            <a:r>
+              <a:rPr lang="en-US" altLang="zh-CN" dirty="0" err="1"/>
+              <a:t>mutex</a:t>
+            </a:r>
+            <a:r>
+              <a:rPr lang="en-US" altLang="zh-CN" dirty="0"/>
+              <a:t> m[</a:t>
+            </a:r>
+            <a:r>
+              <a:rPr lang="en-US" dirty="0" err="1">
+                <a:sym typeface="+mn-ea"/>
+              </a:rPr>
+              <a:t>streamNum</a:t>
+            </a:r>
+            <a:r>
+              <a:rPr lang="en-US" dirty="0">
+                <a:sym typeface="+mn-ea"/>
+              </a:rPr>
+              <a:t>];</a:t>
+            </a:r>
+            <a:r>
+              <a:rPr lang="en-US" dirty="0" err="1">
+                <a:sym typeface="+mn-ea"/>
+              </a:rPr>
+              <a:t>condition_variable</a:t>
+            </a:r>
+            <a:r>
+              <a:rPr lang="en-US" dirty="0">
+                <a:sym typeface="+mn-ea"/>
+              </a:rPr>
+              <a:t> cv[</a:t>
+            </a:r>
+            <a:r>
+              <a:rPr lang="en-US" dirty="0" err="1">
+                <a:sym typeface="+mn-ea"/>
+              </a:rPr>
+              <a:t>streamNum</a:t>
+            </a:r>
+            <a:r>
+              <a:rPr lang="en-US" dirty="0">
+                <a:sym typeface="+mn-ea"/>
+              </a:rPr>
+              <a:t>];</a:t>
+            </a:r>
+            <a:r>
+              <a:rPr lang="en-US" dirty="0" err="1">
+                <a:sym typeface="+mn-ea"/>
+              </a:rPr>
+              <a:t>dataready</a:t>
+            </a:r>
+            <a:r>
+              <a:rPr lang="en-US" dirty="0">
+                <a:sym typeface="+mn-ea"/>
+              </a:rPr>
+              <a:t>[</a:t>
+            </a:r>
+            <a:r>
+              <a:rPr lang="en-US" dirty="0" err="1">
+                <a:sym typeface="+mn-ea"/>
+              </a:rPr>
+              <a:t>sidx</a:t>
+            </a:r>
+            <a:r>
+              <a:rPr lang="en-US" dirty="0">
+                <a:sym typeface="+mn-ea"/>
+              </a:rPr>
+              <a:t>]=0</a:t>
+            </a:r>
           </a:p>
         </p:txBody>
       </p:sp>
@@ -4737,19 +4972,18 @@
           <a:bodyPr wrap="square" rtlCol="0">
             <a:spAutoFit/>
           </a:bodyPr>
+          <a:lstStyle/>
           <a:p>
             <a:r>
               <a:rPr lang="en-US" altLang="zh-CN" sz="1600"/>
               <a:t>while 1:</a:t>
             </a:r>
-            <a:endParaRPr lang="en-US" altLang="zh-CN" sz="1600"/>
           </a:p>
           <a:p>
             <a:r>
               <a:rPr lang="en-US" altLang="zh-CN" sz="1600"/>
               <a:t>	lock(m[sidx])</a:t>
             </a:r>
-            <a:endParaRPr lang="en-US" altLang="zh-CN" sz="1600"/>
           </a:p>
           <a:p>
             <a:pPr marL="0" lvl="1"/>
@@ -4762,124 +4996,97 @@
                 <a:sym typeface="+mn-ea"/>
               </a:rPr>
               <a:t>dataready[sidx]==0</a:t>
+            </a:r>
+          </a:p>
+          <a:p>
+            <a:pPr marL="0" lvl="1"/>
+            <a:r>
+              <a:rPr lang="en-US" sz="1600">
+                <a:sym typeface="+mn-ea"/>
+              </a:rPr>
+              <a:t>		recv p_n</a:t>
+            </a:r>
+          </a:p>
+          <a:p>
+            <a:pPr marL="0" lvl="1"/>
+            <a:r>
+              <a:rPr lang="en-US" sz="1600">
+                <a:sym typeface="+mn-ea"/>
+              </a:rPr>
+              <a:t>		dataready[sidx]=1</a:t>
+            </a:r>
+          </a:p>
+          <a:p>
+            <a:pPr marL="0" lvl="1"/>
+            <a:r>
+              <a:rPr lang="en-US" sz="1600">
+                <a:sym typeface="+mn-ea"/>
+              </a:rPr>
+              <a:t>		recv p_ga</a:t>
+            </a:r>
+          </a:p>
+          <a:p>
+            <a:pPr marL="0" lvl="1"/>
+            <a:r>
+              <a:rPr lang="en-US" sz="1600">
+                <a:sym typeface="+mn-ea"/>
+              </a:rPr>
+              <a:t>		dataready[sidx]=2</a:t>
+            </a:r>
+          </a:p>
+          <a:p>
+            <a:pPr marL="0" lvl="3"/>
+            <a:r>
+              <a:rPr lang="en-US" sz="1600">
+                <a:sym typeface="+mn-ea"/>
+              </a:rPr>
+              <a:t>		notify_one(cv[sidx])</a:t>
+            </a:r>
+          </a:p>
+          <a:p>
+            <a:pPr marL="0" lvl="3"/>
+            <a:r>
+              <a:rPr lang="en-US" sz="1600">
+                <a:sym typeface="+mn-ea"/>
+              </a:rPr>
+              <a:t>	un</a:t>
+            </a:r>
+            <a:r>
+              <a:rPr lang="en-US" altLang="zh-CN" sz="1600">
+                <a:sym typeface="+mn-ea"/>
+              </a:rPr>
+              <a:t>lock(m[sidx])</a:t>
             </a:r>
             <a:endParaRPr lang="en-US" sz="1600">
               <a:sym typeface="+mn-ea"/>
             </a:endParaRPr>
           </a:p>
           <a:p>
-            <a:pPr marL="0" lvl="1"/>
+            <a:pPr marL="0" lvl="3"/>
             <a:r>
               <a:rPr lang="en-US" sz="1600">
                 <a:sym typeface="+mn-ea"/>
               </a:rPr>
-              <a:t>		recv p_n</a:t>
-            </a:r>
-            <a:endParaRPr lang="en-US" sz="1600">
-              <a:sym typeface="+mn-ea"/>
-            </a:endParaRPr>
-          </a:p>
-          <a:p>
-            <a:pPr marL="0" lvl="1"/>
+              <a:t>	wait(cv[sidx],dataready[sidx]==4)</a:t>
+            </a:r>
+          </a:p>
+          <a:p>
+            <a:pPr marL="0" lvl="3"/>
             <a:r>
               <a:rPr lang="en-US" sz="1600">
                 <a:sym typeface="+mn-ea"/>
               </a:rPr>
-              <a:t>		dataready[sidx]=1</a:t>
-            </a:r>
-            <a:endParaRPr lang="en-US" sz="1600">
-              <a:sym typeface="+mn-ea"/>
-            </a:endParaRPr>
-          </a:p>
-          <a:p>
-            <a:pPr marL="0" lvl="1"/>
+              <a:t>	send “r”+res</a:t>
+            </a:r>
+          </a:p>
+          <a:p>
+            <a:pPr marL="0" lvl="3"/>
             <a:r>
               <a:rPr lang="en-US" sz="1600">
                 <a:sym typeface="+mn-ea"/>
               </a:rPr>
-              <a:t>		recv p_ga</a:t>
-            </a:r>
-            <a:endParaRPr lang="en-US" sz="1600">
-              <a:sym typeface="+mn-ea"/>
-            </a:endParaRPr>
-          </a:p>
-          <a:p>
-            <a:pPr marL="0" lvl="1"/>
-            <a:r>
-              <a:rPr lang="en-US" sz="1600">
-                <a:sym typeface="+mn-ea"/>
-              </a:rPr>
-              <a:t>		dataready[sidx]=2</a:t>
-            </a:r>
-            <a:endParaRPr lang="en-US" sz="1600">
-              <a:sym typeface="+mn-ea"/>
-            </a:endParaRPr>
-          </a:p>
-          <a:p>
-            <a:pPr marL="0" lvl="3"/>
-            <a:r>
-              <a:rPr lang="en-US" sz="1600">
-                <a:sym typeface="+mn-ea"/>
-              </a:rPr>
-              <a:t>		notify_one(cv[sidx])</a:t>
-            </a:r>
-            <a:endParaRPr lang="en-US" sz="1600">
-              <a:sym typeface="+mn-ea"/>
-            </a:endParaRPr>
-          </a:p>
-          <a:p>
-            <a:pPr marL="0" lvl="3"/>
-            <a:r>
-              <a:rPr lang="en-US" sz="1600">
-                <a:sym typeface="+mn-ea"/>
-              </a:rPr>
-              <a:t>	un</a:t>
-            </a:r>
-            <a:r>
-              <a:rPr lang="en-US" altLang="zh-CN" sz="1600">
-                <a:sym typeface="+mn-ea"/>
-              </a:rPr>
-              <a:t>lock(m[sidx])</a:t>
-            </a:r>
-            <a:endParaRPr lang="en-US" sz="1600">
-              <a:sym typeface="+mn-ea"/>
-            </a:endParaRPr>
-          </a:p>
-          <a:p>
-            <a:pPr marL="0" lvl="3"/>
-            <a:r>
-              <a:rPr lang="en-US" sz="1600">
-                <a:sym typeface="+mn-ea"/>
-              </a:rPr>
-              <a:t>	wait(cv[sidx],dataready[sidx]==4)</a:t>
-            </a:r>
-            <a:endParaRPr lang="en-US" sz="1600">
-              <a:sym typeface="+mn-ea"/>
-            </a:endParaRPr>
-          </a:p>
-          <a:p>
-            <a:pPr marL="0" lvl="3"/>
-            <a:r>
-              <a:rPr lang="en-US" sz="1600">
-                <a:sym typeface="+mn-ea"/>
-              </a:rPr>
-              <a:t>	send “r”+res</a:t>
-            </a:r>
-            <a:endParaRPr lang="en-US" sz="1600">
-              <a:sym typeface="+mn-ea"/>
-            </a:endParaRPr>
-          </a:p>
-          <a:p>
-            <a:pPr marL="0" lvl="3"/>
-            <a:r>
-              <a:rPr lang="en-US" sz="1600">
-                <a:sym typeface="+mn-ea"/>
-              </a:rPr>
               <a:t>	dataready[sidx]=0</a:t>
             </a:r>
-            <a:endParaRPr lang="en-US" sz="1600">
-              <a:sym typeface="+mn-ea"/>
-            </a:endParaRPr>
           </a:p>
           <a:p>
             <a:pPr marL="0" lvl="3"/>
@@ -4927,7 +5134,14 @@
         <p:cNvGrpSpPr/>
         <p:nvPr/>
       </p:nvGrpSpPr>
-      <p:grpSpPr/>
+      <p:grpSpPr>
+        <a:xfrm>
+          <a:off x="0" y="0"/>
+          <a:ext cx="0" cy="0"/>
+          <a:chOff x="0" y="0"/>
+          <a:chExt cx="0" cy="0"/>
+        </a:xfrm>
+      </p:grpSpPr>
       <p:sp>
         <p:nvSpPr>
           <p:cNvPr id="2" name="Title 1"/>
@@ -4946,6 +5160,7 @@
         </p:spPr>
         <p:txBody>
           <a:bodyPr/>
+          <a:lstStyle/>
           <a:p>
             <a:r>
               <a:rPr lang="en-US"/>
@@ -4981,12 +5196,12 @@
           <a:bodyPr>
             <a:noAutofit/>
           </a:bodyPr>
+          <a:lstStyle/>
           <a:p>
             <a:r>
               <a:rPr lang="en-US" sz="1400"/>
               <a:t>for sidx in streamNum:</a:t>
             </a:r>
-            <a:endParaRPr lang="en-US" sz="1400"/>
           </a:p>
           <a:p>
             <a:pPr lvl="1"/>
@@ -4994,89 +5209,70 @@
               <a:rPr lang="en-US" sz="1400"/>
               <a:t>lock(m[sidx)</a:t>
             </a:r>
+          </a:p>
+          <a:p>
+            <a:pPr lvl="1"/>
+            <a:r>
+              <a:rPr lang="en-US" sz="1400">
+                <a:sym typeface="+mn-ea"/>
+              </a:rPr>
+              <a:t>if dataready[sidx]==3</a:t>
+            </a:r>
+          </a:p>
+          <a:p>
+            <a:pPr lvl="2"/>
+            <a:r>
+              <a:rPr lang="en-US" sz="1400">
+                <a:sym typeface="+mn-ea"/>
+              </a:rPr>
+              <a:t>if(query_stream)</a:t>
+            </a:r>
             <a:endParaRPr lang="en-US" sz="1400"/>
           </a:p>
           <a:p>
+            <a:pPr lvl="3"/>
+            <a:r>
+              <a:rPr lang="en-US" sz="1400">
+                <a:sym typeface="+mn-ea"/>
+              </a:rPr>
+              <a:t>dataready[sidx]=4</a:t>
+            </a:r>
+          </a:p>
+          <a:p>
+            <a:pPr lvl="3"/>
+            <a:r>
+              <a:rPr lang="en-US" sz="1400">
+                <a:sym typeface="+mn-ea"/>
+              </a:rPr>
+              <a:t>unlock; notify_one(cv[sidx])</a:t>
+            </a:r>
+          </a:p>
+          <a:p>
+            <a:pPr lvl="3"/>
+            <a:r>
+              <a:rPr lang="en-US" sz="1400">
+                <a:sym typeface="+mn-ea"/>
+              </a:rPr>
+              <a:t>continue</a:t>
+            </a:r>
+          </a:p>
+          <a:p>
+            <a:pPr lvl="2"/>
+            <a:r>
+              <a:rPr lang="en-US" sz="1400">
+                <a:sym typeface="+mn-ea"/>
+              </a:rPr>
+              <a:t>else unlock; continue</a:t>
+            </a:r>
+          </a:p>
+          <a:p>
             <a:pPr lvl="1"/>
             <a:r>
               <a:rPr lang="en-US" sz="1400">
                 <a:sym typeface="+mn-ea"/>
               </a:rPr>
-              <a:t>if dataready[sidx]==3</a:t>
-            </a:r>
-            <a:endParaRPr lang="en-US" sz="1400">
-              <a:sym typeface="+mn-ea"/>
-            </a:endParaRPr>
-          </a:p>
-          <a:p>
-            <a:pPr lvl="2"/>
-            <a:r>
-              <a:rPr lang="en-US" sz="1400">
-                <a:sym typeface="+mn-ea"/>
-              </a:rPr>
-              <a:t>if(query_stream)</a:t>
-            </a:r>
-            <a:endParaRPr lang="en-US" sz="1400"/>
-          </a:p>
-          <a:p>
-            <a:pPr lvl="3"/>
-            <a:r>
-              <a:rPr lang="en-US" sz="1400">
-                <a:sym typeface="+mn-ea"/>
-              </a:rPr>
-              <a:t>dataready[sidx]=4</a:t>
-            </a:r>
-            <a:endParaRPr lang="en-US" sz="1400">
-              <a:sym typeface="+mn-ea"/>
-            </a:endParaRPr>
-          </a:p>
-          <a:p>
-            <a:pPr lvl="3"/>
-            <a:r>
-              <a:rPr lang="en-US" sz="1400">
-                <a:sym typeface="+mn-ea"/>
-              </a:rPr>
-              <a:t>unlock; notify_one(cv[sidx])</a:t>
-            </a:r>
-            <a:endParaRPr lang="en-US" sz="1400">
-              <a:sym typeface="+mn-ea"/>
-            </a:endParaRPr>
-          </a:p>
-          <a:p>
-            <a:pPr lvl="3"/>
-            <a:r>
-              <a:rPr lang="en-US" sz="1400">
-                <a:sym typeface="+mn-ea"/>
-              </a:rPr>
-              <a:t>continue</a:t>
-            </a:r>
-            <a:endParaRPr lang="en-US" sz="1400">
-              <a:sym typeface="+mn-ea"/>
-            </a:endParaRPr>
-          </a:p>
-          <a:p>
-            <a:pPr lvl="2"/>
-            <a:r>
-              <a:rPr lang="en-US" sz="1400">
-                <a:sym typeface="+mn-ea"/>
-              </a:rPr>
-              <a:t>else unlock; continue</a:t>
-            </a:r>
-            <a:endParaRPr lang="en-US" sz="1400">
-              <a:sym typeface="+mn-ea"/>
-            </a:endParaRPr>
-          </a:p>
-          <a:p>
-            <a:pPr lvl="1"/>
-            <a:r>
-              <a:rPr lang="en-US" sz="1400">
-                <a:sym typeface="+mn-ea"/>
-              </a:rPr>
               <a:t>elseif dataready[sidx]==4 or 0</a:t>
             </a:r>
-            <a:endParaRPr lang="en-US" sz="1400">
-              <a:sym typeface="+mn-ea"/>
-            </a:endParaRPr>
           </a:p>
           <a:p>
             <a:pPr lvl="2"/>
@@ -5104,7 +5300,6 @@
               <a:rPr lang="en-US" sz="1400"/>
               <a:t>wait(cv[sidx],dataready[sidx]==1 or 2)</a:t>
             </a:r>
-            <a:endParaRPr lang="en-US" sz="1400"/>
           </a:p>
           <a:p>
             <a:pPr lvl="1"/>
@@ -5122,7 +5317,6 @@
               <a:rPr lang="en-US" sz="1400"/>
               <a:t>gpu_set_sn;</a:t>
             </a:r>
-            <a:endParaRPr lang="en-US" sz="1400"/>
           </a:p>
           <a:p>
             <a:pPr lvl="1"/>
@@ -5130,7 +5324,6 @@
               <a:rPr lang="en-US" sz="1400"/>
               <a:t>gpu_set_params;</a:t>
             </a:r>
-            <a:endParaRPr lang="en-US" sz="1400"/>
           </a:p>
           <a:p>
             <a:pPr lvl="1"/>
@@ -5138,7 +5331,6 @@
               <a:rPr lang="en-US" sz="1400"/>
               <a:t>gpu_calc;</a:t>
             </a:r>
-            <a:endParaRPr lang="en-US" sz="1400"/>
           </a:p>
           <a:p>
             <a:pPr lvl="1"/>
@@ -5146,7 +5338,6 @@
               <a:rPr lang="en-US" sz="1400"/>
               <a:t>if(query_stream)</a:t>
             </a:r>
-            <a:endParaRPr lang="en-US" sz="1400"/>
           </a:p>
           <a:p>
             <a:pPr lvl="2"/>
@@ -5174,7 +5365,6 @@
               <a:rPr lang="en-US" sz="1400"/>
               <a:t>else dataready[sidx]=3</a:t>
             </a:r>
-            <a:endParaRPr lang="en-US" sz="1400"/>
           </a:p>
           <a:p>
             <a:pPr lvl="1"/>
@@ -5259,12 +5449,12 @@
           <a:bodyPr wrap="square" rtlCol="0">
             <a:spAutoFit/>
           </a:bodyPr>
+          <a:lstStyle/>
           <a:p>
             <a:r>
               <a:rPr lang="en-US" altLang="zh-CN"/>
               <a:t>while 1:</a:t>
             </a:r>
-            <a:endParaRPr lang="en-US" altLang="zh-CN"/>
           </a:p>
         </p:txBody>
       </p:sp>
@@ -5288,6 +5478,7 @@
           <a:bodyPr wrap="square" rtlCol="0">
             <a:spAutoFit/>
           </a:bodyPr>
+          <a:lstStyle/>
           <a:p>
             <a:r>
               <a:rPr lang="en-US" altLang="zh-CN"/>
@@ -5299,9 +5490,6 @@
               </a:rPr>
               <a:t>streamNum];condition_variable cv[streamNum];dataready[sidx]=0</a:t>
             </a:r>
-            <a:endParaRPr lang="en-US">
-              <a:sym typeface="+mn-ea"/>
-            </a:endParaRPr>
           </a:p>
         </p:txBody>
       </p:sp>
@@ -5325,19 +5513,18 @@
           <a:bodyPr wrap="square" rtlCol="0">
             <a:spAutoFit/>
           </a:bodyPr>
+          <a:lstStyle/>
           <a:p>
             <a:r>
               <a:rPr lang="en-US" altLang="zh-CN" sz="1600"/>
               <a:t>while 1:</a:t>
             </a:r>
-            <a:endParaRPr lang="en-US" altLang="zh-CN" sz="1600"/>
           </a:p>
           <a:p>
             <a:r>
               <a:rPr lang="en-US" altLang="zh-CN" sz="1600"/>
               <a:t>	lock(m[sidx])</a:t>
             </a:r>
-            <a:endParaRPr lang="en-US" altLang="zh-CN" sz="1600"/>
           </a:p>
           <a:p>
             <a:pPr marL="0" lvl="1"/>
@@ -5350,136 +5537,106 @@
                 <a:sym typeface="+mn-ea"/>
               </a:rPr>
               <a:t>dataready[sidx]==0</a:t>
+            </a:r>
+          </a:p>
+          <a:p>
+            <a:pPr marL="0" lvl="1"/>
+            <a:r>
+              <a:rPr lang="en-US" sz="1600">
+                <a:sym typeface="+mn-ea"/>
+              </a:rPr>
+              <a:t>		recv p_n</a:t>
+            </a:r>
+          </a:p>
+          <a:p>
+            <a:pPr marL="0" lvl="1"/>
+            <a:r>
+              <a:rPr lang="en-US" sz="1600">
+                <a:sym typeface="+mn-ea"/>
+              </a:rPr>
+              <a:t>		dataready[sidx]=1</a:t>
+            </a:r>
+          </a:p>
+          <a:p>
+            <a:pPr marL="0" lvl="1"/>
+            <a:r>
+              <a:rPr lang="en-US" sz="1600">
+                <a:sym typeface="+mn-ea"/>
+              </a:rPr>
+              <a:t>		recv p_ga</a:t>
+            </a:r>
+          </a:p>
+          <a:p>
+            <a:pPr marL="0" lvl="1"/>
+            <a:r>
+              <a:rPr lang="en-US" sz="1600">
+                <a:sym typeface="+mn-ea"/>
+              </a:rPr>
+              <a:t>		dataready[sidx]=2</a:t>
+            </a:r>
+          </a:p>
+          <a:p>
+            <a:pPr marL="0" lvl="3"/>
+            <a:r>
+              <a:rPr lang="en-US" sz="1600">
+                <a:sym typeface="+mn-ea"/>
+              </a:rPr>
+              <a:t>		notify_one(cv[sidx])</a:t>
+            </a:r>
+          </a:p>
+          <a:p>
+            <a:pPr marL="0" lvl="3"/>
+            <a:r>
+              <a:rPr lang="en-US" sz="1600">
+                <a:sym typeface="+mn-ea"/>
+              </a:rPr>
+              <a:t>	un</a:t>
+            </a:r>
+            <a:r>
+              <a:rPr lang="en-US" altLang="zh-CN" sz="1600">
+                <a:sym typeface="+mn-ea"/>
+              </a:rPr>
+              <a:t>lock(m[sidx])</a:t>
+            </a:r>
+          </a:p>
+          <a:p>
+            <a:pPr marL="0" lvl="3"/>
+            <a:r>
+              <a:rPr lang="en-US" altLang="zh-CN" sz="1600">
+                <a:sym typeface="+mn-ea"/>
+              </a:rPr>
+              <a:t>	lock</a:t>
             </a:r>
             <a:endParaRPr lang="en-US" sz="1600">
               <a:sym typeface="+mn-ea"/>
             </a:endParaRPr>
           </a:p>
           <a:p>
-            <a:pPr marL="0" lvl="1"/>
+            <a:pPr marL="0" lvl="3"/>
             <a:r>
               <a:rPr lang="en-US" sz="1600">
                 <a:sym typeface="+mn-ea"/>
               </a:rPr>
-              <a:t>		recv p_n</a:t>
-            </a:r>
-            <a:endParaRPr lang="en-US" sz="1600">
-              <a:sym typeface="+mn-ea"/>
-            </a:endParaRPr>
-          </a:p>
-          <a:p>
-            <a:pPr marL="0" lvl="1"/>
+              <a:t>	wait(cv[sidx],dataready[sidx]==4)</a:t>
+            </a:r>
+          </a:p>
+          <a:p>
+            <a:pPr marL="0" lvl="3"/>
             <a:r>
               <a:rPr lang="en-US" sz="1600">
                 <a:sym typeface="+mn-ea"/>
               </a:rPr>
-              <a:t>		dataready[sidx]=1</a:t>
-            </a:r>
-            <a:endParaRPr lang="en-US" sz="1600">
-              <a:sym typeface="+mn-ea"/>
-            </a:endParaRPr>
-          </a:p>
-          <a:p>
-            <a:pPr marL="0" lvl="1"/>
+              <a:t>	send “r”+res</a:t>
+            </a:r>
+          </a:p>
+          <a:p>
+            <a:pPr marL="0" lvl="3"/>
             <a:r>
               <a:rPr lang="en-US" sz="1600">
                 <a:sym typeface="+mn-ea"/>
               </a:rPr>
-              <a:t>		recv p_ga</a:t>
-            </a:r>
-            <a:endParaRPr lang="en-US" sz="1600">
-              <a:sym typeface="+mn-ea"/>
-            </a:endParaRPr>
-          </a:p>
-          <a:p>
-            <a:pPr marL="0" lvl="1"/>
-            <a:r>
-              <a:rPr lang="en-US" sz="1600">
-                <a:sym typeface="+mn-ea"/>
-              </a:rPr>
-              <a:t>		dataready[sidx]=2</a:t>
-            </a:r>
-            <a:endParaRPr lang="en-US" sz="1600">
-              <a:sym typeface="+mn-ea"/>
-            </a:endParaRPr>
-          </a:p>
-          <a:p>
-            <a:pPr marL="0" lvl="3"/>
-            <a:r>
-              <a:rPr lang="en-US" sz="1600">
-                <a:sym typeface="+mn-ea"/>
-              </a:rPr>
-              <a:t>		notify_one(cv[sidx])</a:t>
-            </a:r>
-            <a:endParaRPr lang="en-US" sz="1600">
-              <a:sym typeface="+mn-ea"/>
-            </a:endParaRPr>
-          </a:p>
-          <a:p>
-            <a:pPr marL="0" lvl="3"/>
-            <a:r>
-              <a:rPr lang="en-US" sz="1600">
-                <a:sym typeface="+mn-ea"/>
-              </a:rPr>
-              <a:t>	un</a:t>
-            </a:r>
-            <a:r>
-              <a:rPr lang="en-US" altLang="zh-CN" sz="1600">
-                <a:sym typeface="+mn-ea"/>
-              </a:rPr>
-              <a:t>lock(m[sidx])</a:t>
-            </a:r>
-            <a:endParaRPr lang="en-US" altLang="zh-CN" sz="1600">
-              <a:sym typeface="+mn-ea"/>
-            </a:endParaRPr>
-          </a:p>
-          <a:p>
-            <a:pPr marL="0" lvl="3"/>
-            <a:r>
-              <a:rPr lang="en-US" altLang="zh-CN" sz="1600">
-                <a:sym typeface="+mn-ea"/>
-              </a:rPr>
-              <a:t>	lock</a:t>
-            </a:r>
-            <a:endParaRPr lang="en-US" sz="1600">
-              <a:sym typeface="+mn-ea"/>
-            </a:endParaRPr>
-          </a:p>
-          <a:p>
-            <a:pPr marL="0" lvl="3"/>
-            <a:r>
-              <a:rPr lang="en-US" sz="1600">
-                <a:sym typeface="+mn-ea"/>
-              </a:rPr>
-              <a:t>	wait(cv[sidx],dataready[sidx]==4)</a:t>
-            </a:r>
-            <a:endParaRPr lang="en-US" sz="1600">
-              <a:sym typeface="+mn-ea"/>
-            </a:endParaRPr>
-          </a:p>
-          <a:p>
-            <a:pPr marL="0" lvl="3"/>
-            <a:r>
-              <a:rPr lang="en-US" sz="1600">
-                <a:sym typeface="+mn-ea"/>
-              </a:rPr>
-              <a:t>	send “r”+res</a:t>
-            </a:r>
-            <a:endParaRPr lang="en-US" sz="1600">
-              <a:sym typeface="+mn-ea"/>
-            </a:endParaRPr>
-          </a:p>
-          <a:p>
-            <a:pPr marL="0" lvl="3"/>
-            <a:r>
-              <a:rPr lang="en-US" sz="1600">
-                <a:sym typeface="+mn-ea"/>
-              </a:rPr>
               <a:t>	dataready[sidx]=0</a:t>
             </a:r>
-            <a:endParaRPr lang="en-US" sz="1600">
-              <a:sym typeface="+mn-ea"/>
-            </a:endParaRPr>
           </a:p>
           <a:p>
             <a:pPr marL="0" lvl="3"/>
@@ -5530,6 +5687,7 @@
           <a:bodyPr wrap="square" rtlCol="0">
             <a:spAutoFit/>
           </a:bodyPr>
+          <a:lstStyle/>
           <a:p>
             <a:r>
               <a:rPr lang="zh-CN" altLang="en-US" sz="3200"/>
@@ -5539,7 +5697,6 @@
               <a:rPr lang="en-US" altLang="zh-CN" sz="3200"/>
               <a:t>,wait_for</a:t>
             </a:r>
-            <a:endParaRPr lang="en-US" altLang="zh-CN" sz="3200"/>
           </a:p>
           <a:p>
             <a:r>
@@ -5550,7 +5707,374 @@
               <a:rPr lang="en-US" altLang="zh-CN" sz="3200"/>
               <a:t>unlock</a:t>
             </a:r>
-            <a:endParaRPr lang="en-US" altLang="zh-CN" sz="3200"/>
+          </a:p>
+        </p:txBody>
+      </p:sp>
+    </p:spTree>
+  </p:cSld>
+  <p:clrMapOvr>
+    <a:masterClrMapping/>
+  </p:clrMapOvr>
+</p:sld>
+</file>
+
+<file path=ppt/slides/slide6.xml><?xml version="1.0" encoding="utf-8"?>
+<p:sld xmlns:a="http://schemas.openxmlformats.org/drawingml/2006/main" xmlns:r="http://schemas.openxmlformats.org/officeDocument/2006/relationships" xmlns:p="http://schemas.openxmlformats.org/presentationml/2006/main">
+  <p:cSld>
+    <p:spTree>
+      <p:nvGrpSpPr>
+        <p:cNvPr id="1" name=""/>
+        <p:cNvGrpSpPr/>
+        <p:nvPr/>
+      </p:nvGrpSpPr>
+      <p:grpSpPr>
+        <a:xfrm>
+          <a:off x="0" y="0"/>
+          <a:ext cx="0" cy="0"/>
+          <a:chOff x="0" y="0"/>
+          <a:chExt cx="0" cy="0"/>
+        </a:xfrm>
+      </p:grpSpPr>
+      <p:sp>
+        <p:nvSpPr>
+          <p:cNvPr id="2" name="Title 1"/>
+          <p:cNvSpPr>
+            <a:spLocks noGrp="1"/>
+          </p:cNvSpPr>
+          <p:nvPr>
+            <p:ph type="title"/>
+          </p:nvPr>
+        </p:nvSpPr>
+        <p:spPr/>
+        <p:txBody>
+          <a:bodyPr>
+            <a:normAutofit/>
+          </a:bodyPr>
+          <a:lstStyle/>
+          <a:p>
+            <a:r>
+              <a:rPr lang="en-US"/>
+              <a:t>Net processes    GA processes</a:t>
+            </a:r>
+          </a:p>
+        </p:txBody>
+      </p:sp>
+      <p:sp>
+        <p:nvSpPr>
+          <p:cNvPr id="3" name="Content Placeholder 2"/>
+          <p:cNvSpPr>
+            <a:spLocks noGrp="1"/>
+          </p:cNvSpPr>
+          <p:nvPr>
+            <p:ph idx="1"/>
+          </p:nvPr>
+        </p:nvSpPr>
+        <p:spPr>
+          <a:xfrm>
+            <a:off x="628650" y="1825625"/>
+            <a:ext cx="3944620" cy="4351655"/>
+          </a:xfrm>
+        </p:spPr>
+        <p:txBody>
+          <a:bodyPr/>
+          <a:lstStyle/>
+          <a:p>
+            <a:r>
+              <a:rPr lang="en-US" altLang="zh-CN" sz="1800"/>
+              <a:t>get (</a:t>
+            </a:r>
+            <a:r>
+              <a:rPr lang="zh-CN" altLang="en-US" sz="1800">
+                <a:sym typeface="+mn-ea"/>
+              </a:rPr>
+              <a:t>individual</a:t>
+            </a:r>
+            <a:r>
+              <a:rPr lang="en-US" altLang="zh-CN" sz="1800"/>
+              <a:t>,idx) from pQ</a:t>
+            </a:r>
+          </a:p>
+          <a:p>
+            <a:r>
+              <a:rPr lang="en-US" altLang="zh-CN" sz="1800"/>
+              <a:t>put (fitness,idx) to fQ</a:t>
+            </a:r>
+          </a:p>
+          <a:p>
+            <a:endParaRPr lang="en-US" altLang="zh-CN" sz="1800"/>
+          </a:p>
+          <a:p>
+            <a:r>
+              <a:rPr lang="en-US" altLang="zh-CN" sz="1800"/>
+              <a:t>save all gpuidx</a:t>
+            </a:r>
+          </a:p>
+          <a:p>
+            <a:r>
+              <a:rPr lang="en-US" altLang="zh-CN" sz="1800"/>
+              <a:t>if get (-1,-1) from pQ </a:t>
+            </a:r>
+          </a:p>
+          <a:p>
+            <a:pPr lvl="1"/>
+            <a:r>
+              <a:rPr lang="en-US" altLang="zh-CN" sz="1540"/>
+              <a:t>set n_state=-1 end all gpuidx</a:t>
+            </a:r>
+          </a:p>
+        </p:txBody>
+      </p:sp>
+      <p:sp>
+        <p:nvSpPr>
+          <p:cNvPr id="5" name="Content Placeholder 2"/>
+          <p:cNvSpPr>
+            <a:spLocks noGrp="1"/>
+          </p:cNvSpPr>
+          <p:nvPr/>
+        </p:nvSpPr>
+        <p:spPr>
+          <a:xfrm>
+            <a:off x="4558030" y="1823085"/>
+            <a:ext cx="3944620" cy="4351655"/>
+          </a:xfrm>
+          <a:prstGeom prst="rect">
+            <a:avLst/>
+          </a:prstGeom>
+        </p:spPr>
+        <p:txBody>
+          <a:bodyPr vert="horz" lIns="91440" tIns="45720" rIns="91440" bIns="45720" rtlCol="0">
+            <a:normAutofit/>
+          </a:bodyPr>
+          <a:lstStyle>
+            <a:lvl1pPr marL="228600" indent="-228600" algn="l" defTabSz="914400" rtl="0" eaLnBrk="1" latinLnBrk="0" hangingPunct="1">
+              <a:lnSpc>
+                <a:spcPct val="90000"/>
+              </a:lnSpc>
+              <a:spcBef>
+                <a:spcPts val="1000"/>
+              </a:spcBef>
+              <a:buFont typeface="Arial" panose="02080604020202020204" pitchFamily="34" charset="0"/>
+              <a:buChar char="•"/>
+              <a:defRPr sz="2800" kern="1200">
+                <a:solidFill>
+                  <a:schemeClr val="tx1"/>
+                </a:solidFill>
+                <a:latin typeface="+mn-lt"/>
+                <a:ea typeface="+mn-ea"/>
+                <a:cs typeface="+mn-cs"/>
+              </a:defRPr>
+            </a:lvl1pPr>
+            <a:lvl2pPr marL="685800" indent="-228600" algn="l" defTabSz="914400" rtl="0" eaLnBrk="1" latinLnBrk="0" hangingPunct="1">
+              <a:lnSpc>
+                <a:spcPct val="90000"/>
+              </a:lnSpc>
+              <a:spcBef>
+                <a:spcPts val="500"/>
+              </a:spcBef>
+              <a:buFont typeface="Arial" panose="02080604020202020204" pitchFamily="34" charset="0"/>
+              <a:buChar char="•"/>
+              <a:defRPr sz="2400" kern="1200">
+                <a:solidFill>
+                  <a:schemeClr val="tx1"/>
+                </a:solidFill>
+                <a:latin typeface="+mn-lt"/>
+                <a:ea typeface="+mn-ea"/>
+                <a:cs typeface="+mn-cs"/>
+              </a:defRPr>
+            </a:lvl2pPr>
+            <a:lvl3pPr marL="1143000" indent="-228600" algn="l" defTabSz="914400" rtl="0" eaLnBrk="1" latinLnBrk="0" hangingPunct="1">
+              <a:lnSpc>
+                <a:spcPct val="90000"/>
+              </a:lnSpc>
+              <a:spcBef>
+                <a:spcPts val="500"/>
+              </a:spcBef>
+              <a:buFont typeface="Arial" panose="02080604020202020204" pitchFamily="34" charset="0"/>
+              <a:buChar char="•"/>
+              <a:defRPr sz="2000" kern="1200">
+                <a:solidFill>
+                  <a:schemeClr val="tx1"/>
+                </a:solidFill>
+                <a:latin typeface="+mn-lt"/>
+                <a:ea typeface="+mn-ea"/>
+                <a:cs typeface="+mn-cs"/>
+              </a:defRPr>
+            </a:lvl3pPr>
+            <a:lvl4pPr marL="1600200" indent="-228600" algn="l" defTabSz="914400" rtl="0" eaLnBrk="1" latinLnBrk="0" hangingPunct="1">
+              <a:lnSpc>
+                <a:spcPct val="90000"/>
+              </a:lnSpc>
+              <a:spcBef>
+                <a:spcPts val="500"/>
+              </a:spcBef>
+              <a:buFont typeface="Arial" panose="02080604020202020204" pitchFamily="34" charset="0"/>
+              <a:buChar char="•"/>
+              <a:defRPr sz="1800" kern="1200">
+                <a:solidFill>
+                  <a:schemeClr val="tx1"/>
+                </a:solidFill>
+                <a:latin typeface="+mn-lt"/>
+                <a:ea typeface="+mn-ea"/>
+                <a:cs typeface="+mn-cs"/>
+              </a:defRPr>
+            </a:lvl4pPr>
+            <a:lvl5pPr marL="2057400" indent="-228600" algn="l" defTabSz="914400" rtl="0" eaLnBrk="1" latinLnBrk="0" hangingPunct="1">
+              <a:lnSpc>
+                <a:spcPct val="90000"/>
+              </a:lnSpc>
+              <a:spcBef>
+                <a:spcPts val="500"/>
+              </a:spcBef>
+              <a:buFont typeface="Arial" panose="02080604020202020204" pitchFamily="34" charset="0"/>
+              <a:buChar char="•"/>
+              <a:defRPr sz="1800" kern="1200">
+                <a:solidFill>
+                  <a:schemeClr val="tx1"/>
+                </a:solidFill>
+                <a:latin typeface="+mn-lt"/>
+                <a:ea typeface="+mn-ea"/>
+                <a:cs typeface="+mn-cs"/>
+              </a:defRPr>
+            </a:lvl5pPr>
+            <a:lvl6pPr marL="2514600" indent="-228600" algn="l" defTabSz="914400" rtl="0" eaLnBrk="1" latinLnBrk="0" hangingPunct="1">
+              <a:lnSpc>
+                <a:spcPct val="90000"/>
+              </a:lnSpc>
+              <a:spcBef>
+                <a:spcPts val="500"/>
+              </a:spcBef>
+              <a:buFont typeface="Arial" panose="02080604020202020204" pitchFamily="34" charset="0"/>
+              <a:buChar char="•"/>
+              <a:defRPr sz="1800" kern="1200">
+                <a:solidFill>
+                  <a:schemeClr val="tx1"/>
+                </a:solidFill>
+                <a:latin typeface="+mn-lt"/>
+                <a:ea typeface="+mn-ea"/>
+                <a:cs typeface="+mn-cs"/>
+              </a:defRPr>
+            </a:lvl6pPr>
+            <a:lvl7pPr marL="2971800" indent="-228600" algn="l" defTabSz="914400" rtl="0" eaLnBrk="1" latinLnBrk="0" hangingPunct="1">
+              <a:lnSpc>
+                <a:spcPct val="90000"/>
+              </a:lnSpc>
+              <a:spcBef>
+                <a:spcPts val="500"/>
+              </a:spcBef>
+              <a:buFont typeface="Arial" panose="02080604020202020204" pitchFamily="34" charset="0"/>
+              <a:buChar char="•"/>
+              <a:defRPr sz="1800" kern="1200">
+                <a:solidFill>
+                  <a:schemeClr val="tx1"/>
+                </a:solidFill>
+                <a:latin typeface="+mn-lt"/>
+                <a:ea typeface="+mn-ea"/>
+                <a:cs typeface="+mn-cs"/>
+              </a:defRPr>
+            </a:lvl7pPr>
+            <a:lvl8pPr marL="3429000" indent="-228600" algn="l" defTabSz="914400" rtl="0" eaLnBrk="1" latinLnBrk="0" hangingPunct="1">
+              <a:lnSpc>
+                <a:spcPct val="90000"/>
+              </a:lnSpc>
+              <a:spcBef>
+                <a:spcPts val="500"/>
+              </a:spcBef>
+              <a:buFont typeface="Arial" panose="02080604020202020204" pitchFamily="34" charset="0"/>
+              <a:buChar char="•"/>
+              <a:defRPr sz="1800" kern="1200">
+                <a:solidFill>
+                  <a:schemeClr val="tx1"/>
+                </a:solidFill>
+                <a:latin typeface="+mn-lt"/>
+                <a:ea typeface="+mn-ea"/>
+                <a:cs typeface="+mn-cs"/>
+              </a:defRPr>
+            </a:lvl8pPr>
+            <a:lvl9pPr marL="3886200" indent="-228600" algn="l" defTabSz="914400" rtl="0" eaLnBrk="1" latinLnBrk="0" hangingPunct="1">
+              <a:lnSpc>
+                <a:spcPct val="90000"/>
+              </a:lnSpc>
+              <a:spcBef>
+                <a:spcPts val="500"/>
+              </a:spcBef>
+              <a:buFont typeface="Arial" panose="02080604020202020204" pitchFamily="34" charset="0"/>
+              <a:buChar char="•"/>
+              <a:defRPr sz="1800" kern="1200">
+                <a:solidFill>
+                  <a:schemeClr val="tx1"/>
+                </a:solidFill>
+                <a:latin typeface="+mn-lt"/>
+                <a:ea typeface="+mn-ea"/>
+                <a:cs typeface="+mn-cs"/>
+              </a:defRPr>
+            </a:lvl9pPr>
+          </a:lstStyle>
+          <a:p>
+            <a:r>
+              <a:rPr lang="en-US" altLang="zh-CN" sz="1800"/>
+              <a:t>put (</a:t>
+            </a:r>
+            <a:r>
+              <a:rPr lang="zh-CN" altLang="en-US" sz="1800">
+                <a:sym typeface="+mn-ea"/>
+              </a:rPr>
+              <a:t>individual</a:t>
+            </a:r>
+            <a:r>
+              <a:rPr lang="en-US" altLang="zh-CN" sz="1800"/>
+              <a:t>,idx) to pQ</a:t>
+            </a:r>
+          </a:p>
+          <a:p>
+            <a:r>
+              <a:rPr lang="en-US" altLang="zh-CN" sz="1800"/>
+              <a:t>put</a:t>
+            </a:r>
+            <a:r>
+              <a:rPr lang="zh-CN" altLang="en-US" sz="1800"/>
+              <a:t>的individuals计数</a:t>
+            </a:r>
+            <a:r>
+              <a:rPr lang="en-US" altLang="zh-CN" sz="1800"/>
+              <a:t>ind_num</a:t>
+            </a:r>
+          </a:p>
+          <a:p>
+            <a:r>
+              <a:rPr lang="en-US" altLang="zh-CN" sz="1800"/>
+              <a:t>get (fitness,idx) </a:t>
+            </a:r>
+            <a:r>
+              <a:rPr lang="zh-CN" altLang="en-US" sz="1800"/>
+              <a:t>共计</a:t>
+            </a:r>
+            <a:r>
+              <a:rPr lang="en-US" altLang="zh-CN" sz="1800"/>
+              <a:t>ind_num</a:t>
+            </a:r>
+            <a:r>
+              <a:rPr lang="zh-CN" altLang="en-US" sz="1800"/>
+              <a:t>个 </a:t>
+            </a:r>
+            <a:r>
+              <a:rPr lang="en-US" altLang="zh-CN" sz="1800"/>
+              <a:t>from fQ</a:t>
+            </a:r>
+            <a:endParaRPr lang="zh-CN" altLang="en-US" sz="1800"/>
+          </a:p>
+          <a:p>
+            <a:r>
+              <a:rPr lang="en-US" altLang="zh-CN" sz="1800"/>
+              <a:t>GA</a:t>
+            </a:r>
+            <a:r>
+              <a:rPr lang="zh-CN" altLang="en-US" sz="1800"/>
+              <a:t>完成后</a:t>
+            </a:r>
+            <a:r>
+              <a:rPr lang="en-US" altLang="zh-CN" sz="1800"/>
+              <a:t>put (-1,-1) to pQ</a:t>
+            </a:r>
           </a:p>
         </p:txBody>
       </p:sp>
@@ -5813,6 +6337,8 @@
       </a:bgFillStyleLst>
     </a:fmtScheme>
   </a:themeElements>
+  <a:objectDefaults/>
+  <a:extraClrSchemeLst/>
   <a:extLst>
     <a:ext uri="{05A4C25C-085E-4340-85A3-A5531E510DB2}">
       <thm15:themeFamily xmlns:thm15="http://schemas.microsoft.com/office/thememl/2012/main" name="Office Theme" id="{62F939B6-93AF-4DB8-9C6B-D6C7DFDC589F}" vid="{4A3C46E8-61CC-4603-A589-7422A47A8E4A}"/>
@@ -6072,6 +6598,8 @@
       </a:bgFillStyleLst>
     </a:fmtScheme>
   </a:themeElements>
+  <a:objectDefaults/>
+  <a:extraClrSchemeLst/>
   <a:extLst>
     <a:ext uri="{05A4C25C-085E-4340-85A3-A5531E510DB2}">
       <thm15:themeFamily xmlns:thm15="http://schemas.microsoft.com/office/thememl/2012/main" name="Office Theme" id="{62F939B6-93AF-4DB8-9C6B-D6C7DFDC589F}" vid="{4A3C46E8-61CC-4603-A589-7422A47A8E4A}"/>
@@ -6331,6 +6859,8 @@
       </a:bgFillStyleLst>
     </a:fmtScheme>
   </a:themeElements>
+  <a:objectDefaults/>
+  <a:extraClrSchemeLst/>
   <a:extLst>
     <a:ext uri="{05A4C25C-085E-4340-85A3-A5531E510DB2}">
       <thm15:themeFamily xmlns:thm15="http://schemas.microsoft.com/office/thememl/2012/main" name="Office Theme" id="{62F939B6-93AF-4DB8-9C6B-D6C7DFDC589F}" vid="{4A3C46E8-61CC-4603-A589-7422A47A8E4A}"/>
